--- a/Proposals/ExperimentDesignProductionTTE_JapanCruise.pptx
+++ b/Proposals/ExperimentDesignProductionTTE_JapanCruise.pptx
@@ -5,13 +5,14 @@
     <p:sldMasterId id="2147483648" r:id="rId1"/>
   </p:sldMasterIdLst>
   <p:notesMasterIdLst>
-    <p:notesMasterId r:id="rId6"/>
+    <p:notesMasterId r:id="rId7"/>
   </p:notesMasterIdLst>
   <p:sldIdLst>
     <p:sldId id="256" r:id="rId2"/>
     <p:sldId id="257" r:id="rId3"/>
     <p:sldId id="260" r:id="rId4"/>
     <p:sldId id="258" r:id="rId5"/>
+    <p:sldId id="262" r:id="rId6"/>
   </p:sldIdLst>
   <p:sldSz cx="9144000" cy="6858000" type="screen4x3"/>
   <p:notesSz cx="6858000" cy="9144000"/>
@@ -110,6 +111,22 @@
       </a:defRPr>
     </a:lvl9pPr>
   </p:defaultTextStyle>
+  <p:extLst>
+    <p:ext uri="{EFAFB233-063F-42B5-8137-9DF3F51BA10A}">
+      <p15:sldGuideLst xmlns:p15="http://schemas.microsoft.com/office/powerpoint/2012/main">
+        <p15:guide id="1" orient="horz" pos="2160">
+          <p15:clr>
+            <a:srgbClr val="A4A3A4"/>
+          </p15:clr>
+        </p15:guide>
+        <p15:guide id="2" pos="2880">
+          <p15:clr>
+            <a:srgbClr val="A4A3A4"/>
+          </p15:clr>
+        </p15:guide>
+      </p15:sldGuideLst>
+    </p:ext>
+  </p:extLst>
 </p:presentation>
 </file>
 
@@ -195,7 +212,7 @@
           <a:p>
             <a:fld id="{36606E53-0804-024B-8FA6-84A2EFDC3820}" type="datetimeFigureOut">
               <a:rPr kumimoji="1" lang="zh-TW" altLang="en-US" smtClean="0"/>
-              <a:t>2020/1/29</a:t>
+              <a:t>2020/2/27</a:t>
             </a:fld>
             <a:endParaRPr kumimoji="1" lang="zh-TW" altLang="en-US"/>
           </a:p>
@@ -259,38 +276,37 @@
           <a:p>
             <a:pPr lvl="0"/>
             <a:r>
-              <a:rPr kumimoji="1" lang="zh-TW" altLang="en-US" smtClean="0"/>
+              <a:rPr kumimoji="1" lang="zh-TW" altLang="en-US"/>
               <a:t>按一下以編輯母片文字樣式</a:t>
             </a:r>
           </a:p>
           <a:p>
             <a:pPr lvl="1"/>
             <a:r>
-              <a:rPr kumimoji="1" lang="zh-TW" altLang="en-US" smtClean="0"/>
+              <a:rPr kumimoji="1" lang="zh-TW" altLang="en-US"/>
               <a:t>第二層</a:t>
             </a:r>
           </a:p>
           <a:p>
             <a:pPr lvl="2"/>
             <a:r>
-              <a:rPr kumimoji="1" lang="zh-TW" altLang="en-US" smtClean="0"/>
+              <a:rPr kumimoji="1" lang="zh-TW" altLang="en-US"/>
               <a:t>第三層</a:t>
             </a:r>
           </a:p>
           <a:p>
             <a:pPr lvl="3"/>
             <a:r>
-              <a:rPr kumimoji="1" lang="zh-TW" altLang="en-US" smtClean="0"/>
+              <a:rPr kumimoji="1" lang="zh-TW" altLang="en-US"/>
               <a:t>第四層</a:t>
             </a:r>
           </a:p>
           <a:p>
             <a:pPr lvl="4"/>
             <a:r>
-              <a:rPr kumimoji="1" lang="zh-TW" altLang="en-US" smtClean="0"/>
+              <a:rPr kumimoji="1" lang="zh-TW" altLang="en-US"/>
               <a:t>第五層</a:t>
             </a:r>
-            <a:endParaRPr kumimoji="1" lang="zh-TW" altLang="en-US"/>
           </a:p>
         </p:txBody>
       </p:sp>
@@ -547,6 +563,95 @@
 </p:notes>
 </file>
 
+<file path=ppt/notesSlides/notesSlide2.xml><?xml version="1.0" encoding="utf-8"?>
+<p:notes xmlns:a="http://schemas.openxmlformats.org/drawingml/2006/main" xmlns:r="http://schemas.openxmlformats.org/officeDocument/2006/relationships" xmlns:p="http://schemas.openxmlformats.org/presentationml/2006/main">
+  <p:cSld>
+    <p:spTree>
+      <p:nvGrpSpPr>
+        <p:cNvPr id="1" name=""/>
+        <p:cNvGrpSpPr/>
+        <p:nvPr/>
+      </p:nvGrpSpPr>
+      <p:grpSpPr>
+        <a:xfrm>
+          <a:off x="0" y="0"/>
+          <a:ext cx="0" cy="0"/>
+          <a:chOff x="0" y="0"/>
+          <a:chExt cx="0" cy="0"/>
+        </a:xfrm>
+      </p:grpSpPr>
+      <p:sp>
+        <p:nvSpPr>
+          <p:cNvPr id="2" name="Slide Image Placeholder 1"/>
+          <p:cNvSpPr>
+            <a:spLocks noGrp="1" noRot="1" noChangeAspect="1"/>
+          </p:cNvSpPr>
+          <p:nvPr>
+            <p:ph type="sldImg"/>
+          </p:nvPr>
+        </p:nvSpPr>
+        <p:spPr>
+          <a:xfrm>
+            <a:off x="1371600" y="1143000"/>
+            <a:ext cx="4114800" cy="3086100"/>
+          </a:xfrm>
+        </p:spPr>
+      </p:sp>
+      <p:sp>
+        <p:nvSpPr>
+          <p:cNvPr id="3" name="Notes Placeholder 2"/>
+          <p:cNvSpPr>
+            <a:spLocks noGrp="1"/>
+          </p:cNvSpPr>
+          <p:nvPr>
+            <p:ph type="body" idx="1"/>
+          </p:nvPr>
+        </p:nvSpPr>
+        <p:spPr/>
+        <p:txBody>
+          <a:bodyPr/>
+          <a:lstStyle/>
+          <a:p>
+            <a:endParaRPr lang="en-US" dirty="0"/>
+          </a:p>
+        </p:txBody>
+      </p:sp>
+      <p:sp>
+        <p:nvSpPr>
+          <p:cNvPr id="4" name="Slide Number Placeholder 3"/>
+          <p:cNvSpPr>
+            <a:spLocks noGrp="1"/>
+          </p:cNvSpPr>
+          <p:nvPr>
+            <p:ph type="sldNum" sz="quarter" idx="10"/>
+          </p:nvPr>
+        </p:nvSpPr>
+        <p:spPr/>
+        <p:txBody>
+          <a:bodyPr/>
+          <a:lstStyle/>
+          <a:p>
+            <a:fld id="{0864A80B-276C-45A9-A413-AD2D2664A8C9}" type="slidenum">
+              <a:rPr lang="en-US" smtClean="0"/>
+              <a:t>5</a:t>
+            </a:fld>
+            <a:endParaRPr lang="en-US"/>
+          </a:p>
+        </p:txBody>
+      </p:sp>
+    </p:spTree>
+    <p:extLst>
+      <p:ext uri="{BB962C8B-B14F-4D97-AF65-F5344CB8AC3E}">
+        <p14:creationId xmlns:p14="http://schemas.microsoft.com/office/powerpoint/2010/main" val="855064041"/>
+      </p:ext>
+    </p:extLst>
+  </p:cSld>
+  <p:clrMapOvr>
+    <a:masterClrMapping/>
+  </p:clrMapOvr>
+</p:notes>
+</file>
+
 <file path=ppt/slideLayouts/slideLayout1.xml><?xml version="1.0" encoding="utf-8"?>
 <p:sldLayout xmlns:a="http://schemas.openxmlformats.org/drawingml/2006/main" xmlns:r="http://schemas.openxmlformats.org/officeDocument/2006/relationships" xmlns:p="http://schemas.openxmlformats.org/presentationml/2006/main" type="title" preserve="1">
   <p:cSld name="標題投影片">
@@ -585,10 +690,9 @@
           <a:lstStyle/>
           <a:p>
             <a:r>
-              <a:rPr kumimoji="1" lang="zh-TW" altLang="en-US" smtClean="0"/>
+              <a:rPr kumimoji="1" lang="zh-TW" altLang="en-US"/>
               <a:t>按一下以編輯母片標題樣式</a:t>
             </a:r>
-            <a:endParaRPr kumimoji="1" lang="zh-TW" altLang="en-US"/>
           </a:p>
         </p:txBody>
       </p:sp>
@@ -704,14 +808,13 @@
           </a:lstStyle>
           <a:p>
             <a:r>
-              <a:rPr kumimoji="1" lang="en-US" altLang="zh-TW" smtClean="0"/>
+              <a:rPr kumimoji="1" lang="en-US" altLang="zh-TW"/>
               <a:t> </a:t>
             </a:r>
             <a:r>
-              <a:rPr kumimoji="1" lang="zh-TW" altLang="en-US" smtClean="0"/>
+              <a:rPr kumimoji="1" lang="zh-TW" altLang="en-US"/>
               <a:t>按一下以編輯母片子標題樣式</a:t>
             </a:r>
-            <a:endParaRPr kumimoji="1" lang="zh-TW" altLang="en-US"/>
           </a:p>
         </p:txBody>
       </p:sp>
@@ -732,7 +835,7 @@
           <a:p>
             <a:fld id="{0C894E5E-D972-084A-A604-8F9D1F9513F9}" type="datetimeFigureOut">
               <a:rPr kumimoji="1" lang="zh-TW" altLang="en-US" smtClean="0"/>
-              <a:t>2020/1/29</a:t>
+              <a:t>2020/2/27</a:t>
             </a:fld>
             <a:endParaRPr kumimoji="1" lang="zh-TW" altLang="en-US"/>
           </a:p>
@@ -826,10 +929,9 @@
           <a:lstStyle/>
           <a:p>
             <a:r>
-              <a:rPr kumimoji="1" lang="zh-TW" altLang="en-US" smtClean="0"/>
+              <a:rPr kumimoji="1" lang="zh-TW" altLang="en-US"/>
               <a:t>按一下以編輯母片標題樣式</a:t>
             </a:r>
-            <a:endParaRPr kumimoji="1" lang="zh-TW" altLang="en-US"/>
           </a:p>
         </p:txBody>
       </p:sp>
@@ -850,38 +952,37 @@
           <a:p>
             <a:pPr lvl="0"/>
             <a:r>
-              <a:rPr kumimoji="1" lang="zh-TW" altLang="en-US" smtClean="0"/>
+              <a:rPr kumimoji="1" lang="zh-TW" altLang="en-US"/>
               <a:t>按一下以編輯母片文字樣式</a:t>
             </a:r>
           </a:p>
           <a:p>
             <a:pPr lvl="1"/>
             <a:r>
-              <a:rPr kumimoji="1" lang="zh-TW" altLang="en-US" smtClean="0"/>
+              <a:rPr kumimoji="1" lang="zh-TW" altLang="en-US"/>
               <a:t>第二層</a:t>
             </a:r>
           </a:p>
           <a:p>
             <a:pPr lvl="2"/>
             <a:r>
-              <a:rPr kumimoji="1" lang="zh-TW" altLang="en-US" smtClean="0"/>
+              <a:rPr kumimoji="1" lang="zh-TW" altLang="en-US"/>
               <a:t>第三層</a:t>
             </a:r>
           </a:p>
           <a:p>
             <a:pPr lvl="3"/>
             <a:r>
-              <a:rPr kumimoji="1" lang="zh-TW" altLang="en-US" smtClean="0"/>
+              <a:rPr kumimoji="1" lang="zh-TW" altLang="en-US"/>
               <a:t>第四層</a:t>
             </a:r>
           </a:p>
           <a:p>
             <a:pPr lvl="4"/>
             <a:r>
-              <a:rPr kumimoji="1" lang="zh-TW" altLang="en-US" smtClean="0"/>
+              <a:rPr kumimoji="1" lang="zh-TW" altLang="en-US"/>
               <a:t>第五層</a:t>
             </a:r>
-            <a:endParaRPr kumimoji="1" lang="zh-TW" altLang="en-US"/>
           </a:p>
         </p:txBody>
       </p:sp>
@@ -902,7 +1003,7 @@
           <a:p>
             <a:fld id="{0C894E5E-D972-084A-A604-8F9D1F9513F9}" type="datetimeFigureOut">
               <a:rPr kumimoji="1" lang="zh-TW" altLang="en-US" smtClean="0"/>
-              <a:t>2020/1/29</a:t>
+              <a:t>2020/2/27</a:t>
             </a:fld>
             <a:endParaRPr kumimoji="1" lang="zh-TW" altLang="en-US"/>
           </a:p>
@@ -1001,10 +1102,9 @@
           <a:lstStyle/>
           <a:p>
             <a:r>
-              <a:rPr kumimoji="1" lang="zh-TW" altLang="en-US" smtClean="0"/>
+              <a:rPr kumimoji="1" lang="zh-TW" altLang="en-US"/>
               <a:t>按一下以編輯母片標題樣式</a:t>
             </a:r>
-            <a:endParaRPr kumimoji="1" lang="zh-TW" altLang="en-US"/>
           </a:p>
         </p:txBody>
       </p:sp>
@@ -1030,38 +1130,37 @@
           <a:p>
             <a:pPr lvl="0"/>
             <a:r>
-              <a:rPr kumimoji="1" lang="zh-TW" altLang="en-US" smtClean="0"/>
+              <a:rPr kumimoji="1" lang="zh-TW" altLang="en-US"/>
               <a:t>按一下以編輯母片文字樣式</a:t>
             </a:r>
           </a:p>
           <a:p>
             <a:pPr lvl="1"/>
             <a:r>
-              <a:rPr kumimoji="1" lang="zh-TW" altLang="en-US" smtClean="0"/>
+              <a:rPr kumimoji="1" lang="zh-TW" altLang="en-US"/>
               <a:t>第二層</a:t>
             </a:r>
           </a:p>
           <a:p>
             <a:pPr lvl="2"/>
             <a:r>
-              <a:rPr kumimoji="1" lang="zh-TW" altLang="en-US" smtClean="0"/>
+              <a:rPr kumimoji="1" lang="zh-TW" altLang="en-US"/>
               <a:t>第三層</a:t>
             </a:r>
           </a:p>
           <a:p>
             <a:pPr lvl="3"/>
             <a:r>
-              <a:rPr kumimoji="1" lang="zh-TW" altLang="en-US" smtClean="0"/>
+              <a:rPr kumimoji="1" lang="zh-TW" altLang="en-US"/>
               <a:t>第四層</a:t>
             </a:r>
           </a:p>
           <a:p>
             <a:pPr lvl="4"/>
             <a:r>
-              <a:rPr kumimoji="1" lang="zh-TW" altLang="en-US" smtClean="0"/>
+              <a:rPr kumimoji="1" lang="zh-TW" altLang="en-US"/>
               <a:t>第五層</a:t>
             </a:r>
-            <a:endParaRPr kumimoji="1" lang="zh-TW" altLang="en-US"/>
           </a:p>
         </p:txBody>
       </p:sp>
@@ -1082,7 +1181,7 @@
           <a:p>
             <a:fld id="{0C894E5E-D972-084A-A604-8F9D1F9513F9}" type="datetimeFigureOut">
               <a:rPr kumimoji="1" lang="zh-TW" altLang="en-US" smtClean="0"/>
-              <a:t>2020/1/29</a:t>
+              <a:t>2020/2/27</a:t>
             </a:fld>
             <a:endParaRPr kumimoji="1" lang="zh-TW" altLang="en-US"/>
           </a:p>
@@ -1176,10 +1275,9 @@
           <a:lstStyle/>
           <a:p>
             <a:r>
-              <a:rPr kumimoji="1" lang="zh-TW" altLang="en-US" smtClean="0"/>
+              <a:rPr kumimoji="1" lang="zh-TW" altLang="en-US"/>
               <a:t>按一下以編輯母片標題樣式</a:t>
             </a:r>
-            <a:endParaRPr kumimoji="1" lang="zh-TW" altLang="en-US"/>
           </a:p>
         </p:txBody>
       </p:sp>
@@ -1200,38 +1298,37 @@
           <a:p>
             <a:pPr lvl="0"/>
             <a:r>
-              <a:rPr kumimoji="1" lang="zh-TW" altLang="en-US" smtClean="0"/>
+              <a:rPr kumimoji="1" lang="zh-TW" altLang="en-US"/>
               <a:t>按一下以編輯母片文字樣式</a:t>
             </a:r>
           </a:p>
           <a:p>
             <a:pPr lvl="1"/>
             <a:r>
-              <a:rPr kumimoji="1" lang="zh-TW" altLang="en-US" smtClean="0"/>
+              <a:rPr kumimoji="1" lang="zh-TW" altLang="en-US"/>
               <a:t>第二層</a:t>
             </a:r>
           </a:p>
           <a:p>
             <a:pPr lvl="2"/>
             <a:r>
-              <a:rPr kumimoji="1" lang="zh-TW" altLang="en-US" smtClean="0"/>
+              <a:rPr kumimoji="1" lang="zh-TW" altLang="en-US"/>
               <a:t>第三層</a:t>
             </a:r>
           </a:p>
           <a:p>
             <a:pPr lvl="3"/>
             <a:r>
-              <a:rPr kumimoji="1" lang="zh-TW" altLang="en-US" smtClean="0"/>
+              <a:rPr kumimoji="1" lang="zh-TW" altLang="en-US"/>
               <a:t>第四層</a:t>
             </a:r>
           </a:p>
           <a:p>
             <a:pPr lvl="4"/>
             <a:r>
-              <a:rPr kumimoji="1" lang="zh-TW" altLang="en-US" smtClean="0"/>
+              <a:rPr kumimoji="1" lang="zh-TW" altLang="en-US"/>
               <a:t>第五層</a:t>
             </a:r>
-            <a:endParaRPr kumimoji="1" lang="zh-TW" altLang="en-US"/>
           </a:p>
         </p:txBody>
       </p:sp>
@@ -1252,7 +1349,7 @@
           <a:p>
             <a:fld id="{0C894E5E-D972-084A-A604-8F9D1F9513F9}" type="datetimeFigureOut">
               <a:rPr kumimoji="1" lang="zh-TW" altLang="en-US" smtClean="0"/>
-              <a:t>2020/1/29</a:t>
+              <a:t>2020/2/27</a:t>
             </a:fld>
             <a:endParaRPr kumimoji="1" lang="zh-TW" altLang="en-US"/>
           </a:p>
@@ -1355,10 +1452,9 @@
           </a:lstStyle>
           <a:p>
             <a:r>
-              <a:rPr kumimoji="1" lang="zh-TW" altLang="en-US" smtClean="0"/>
+              <a:rPr kumimoji="1" lang="zh-TW" altLang="en-US"/>
               <a:t>按一下以編輯母片標題樣式</a:t>
             </a:r>
-            <a:endParaRPr kumimoji="1" lang="zh-TW" altLang="en-US"/>
           </a:p>
         </p:txBody>
       </p:sp>
@@ -1475,7 +1571,7 @@
           <a:p>
             <a:pPr lvl="0"/>
             <a:r>
-              <a:rPr kumimoji="1" lang="zh-TW" altLang="en-US" smtClean="0"/>
+              <a:rPr kumimoji="1" lang="zh-TW" altLang="en-US"/>
               <a:t>按一下以編輯母片文字樣式</a:t>
             </a:r>
           </a:p>
@@ -1498,7 +1594,7 @@
           <a:p>
             <a:fld id="{0C894E5E-D972-084A-A604-8F9D1F9513F9}" type="datetimeFigureOut">
               <a:rPr kumimoji="1" lang="zh-TW" altLang="en-US" smtClean="0"/>
-              <a:t>2020/1/29</a:t>
+              <a:t>2020/2/27</a:t>
             </a:fld>
             <a:endParaRPr kumimoji="1" lang="zh-TW" altLang="en-US"/>
           </a:p>
@@ -1592,10 +1688,9 @@
           <a:lstStyle/>
           <a:p>
             <a:r>
-              <a:rPr kumimoji="1" lang="zh-TW" altLang="en-US" smtClean="0"/>
+              <a:rPr kumimoji="1" lang="zh-TW" altLang="en-US"/>
               <a:t>按一下以編輯母片標題樣式</a:t>
             </a:r>
-            <a:endParaRPr kumimoji="1" lang="zh-TW" altLang="en-US"/>
           </a:p>
         </p:txBody>
       </p:sp>
@@ -1649,38 +1744,37 @@
           <a:p>
             <a:pPr lvl="0"/>
             <a:r>
-              <a:rPr kumimoji="1" lang="zh-TW" altLang="en-US" smtClean="0"/>
+              <a:rPr kumimoji="1" lang="zh-TW" altLang="en-US"/>
               <a:t>按一下以編輯母片文字樣式</a:t>
             </a:r>
           </a:p>
           <a:p>
             <a:pPr lvl="1"/>
             <a:r>
-              <a:rPr kumimoji="1" lang="zh-TW" altLang="en-US" smtClean="0"/>
+              <a:rPr kumimoji="1" lang="zh-TW" altLang="en-US"/>
               <a:t>第二層</a:t>
             </a:r>
           </a:p>
           <a:p>
             <a:pPr lvl="2"/>
             <a:r>
-              <a:rPr kumimoji="1" lang="zh-TW" altLang="en-US" smtClean="0"/>
+              <a:rPr kumimoji="1" lang="zh-TW" altLang="en-US"/>
               <a:t>第三層</a:t>
             </a:r>
           </a:p>
           <a:p>
             <a:pPr lvl="3"/>
             <a:r>
-              <a:rPr kumimoji="1" lang="zh-TW" altLang="en-US" smtClean="0"/>
+              <a:rPr kumimoji="1" lang="zh-TW" altLang="en-US"/>
               <a:t>第四層</a:t>
             </a:r>
           </a:p>
           <a:p>
             <a:pPr lvl="4"/>
             <a:r>
-              <a:rPr kumimoji="1" lang="zh-TW" altLang="en-US" smtClean="0"/>
+              <a:rPr kumimoji="1" lang="zh-TW" altLang="en-US"/>
               <a:t>第五層</a:t>
             </a:r>
-            <a:endParaRPr kumimoji="1" lang="zh-TW" altLang="en-US"/>
           </a:p>
         </p:txBody>
       </p:sp>
@@ -1734,38 +1828,37 @@
           <a:p>
             <a:pPr lvl="0"/>
             <a:r>
-              <a:rPr kumimoji="1" lang="zh-TW" altLang="en-US" smtClean="0"/>
+              <a:rPr kumimoji="1" lang="zh-TW" altLang="en-US"/>
               <a:t>按一下以編輯母片文字樣式</a:t>
             </a:r>
           </a:p>
           <a:p>
             <a:pPr lvl="1"/>
             <a:r>
-              <a:rPr kumimoji="1" lang="zh-TW" altLang="en-US" smtClean="0"/>
+              <a:rPr kumimoji="1" lang="zh-TW" altLang="en-US"/>
               <a:t>第二層</a:t>
             </a:r>
           </a:p>
           <a:p>
             <a:pPr lvl="2"/>
             <a:r>
-              <a:rPr kumimoji="1" lang="zh-TW" altLang="en-US" smtClean="0"/>
+              <a:rPr kumimoji="1" lang="zh-TW" altLang="en-US"/>
               <a:t>第三層</a:t>
             </a:r>
           </a:p>
           <a:p>
             <a:pPr lvl="3"/>
             <a:r>
-              <a:rPr kumimoji="1" lang="zh-TW" altLang="en-US" smtClean="0"/>
+              <a:rPr kumimoji="1" lang="zh-TW" altLang="en-US"/>
               <a:t>第四層</a:t>
             </a:r>
           </a:p>
           <a:p>
             <a:pPr lvl="4"/>
             <a:r>
-              <a:rPr kumimoji="1" lang="zh-TW" altLang="en-US" smtClean="0"/>
+              <a:rPr kumimoji="1" lang="zh-TW" altLang="en-US"/>
               <a:t>第五層</a:t>
             </a:r>
-            <a:endParaRPr kumimoji="1" lang="zh-TW" altLang="en-US"/>
           </a:p>
         </p:txBody>
       </p:sp>
@@ -1786,7 +1879,7 @@
           <a:p>
             <a:fld id="{0C894E5E-D972-084A-A604-8F9D1F9513F9}" type="datetimeFigureOut">
               <a:rPr kumimoji="1" lang="zh-TW" altLang="en-US" smtClean="0"/>
-              <a:t>2020/1/29</a:t>
+              <a:t>2020/2/27</a:t>
             </a:fld>
             <a:endParaRPr kumimoji="1" lang="zh-TW" altLang="en-US"/>
           </a:p>
@@ -1884,10 +1977,9 @@
           </a:lstStyle>
           <a:p>
             <a:r>
-              <a:rPr kumimoji="1" lang="zh-TW" altLang="en-US" smtClean="0"/>
+              <a:rPr kumimoji="1" lang="zh-TW" altLang="en-US"/>
               <a:t>按一下以編輯母片標題樣式</a:t>
             </a:r>
-            <a:endParaRPr kumimoji="1" lang="zh-TW" altLang="en-US"/>
           </a:p>
         </p:txBody>
       </p:sp>
@@ -1950,7 +2042,7 @@
           <a:p>
             <a:pPr lvl="0"/>
             <a:r>
-              <a:rPr kumimoji="1" lang="zh-TW" altLang="en-US" smtClean="0"/>
+              <a:rPr kumimoji="1" lang="zh-TW" altLang="en-US"/>
               <a:t>按一下以編輯母片文字樣式</a:t>
             </a:r>
           </a:p>
@@ -2006,38 +2098,37 @@
           <a:p>
             <a:pPr lvl="0"/>
             <a:r>
-              <a:rPr kumimoji="1" lang="zh-TW" altLang="en-US" smtClean="0"/>
+              <a:rPr kumimoji="1" lang="zh-TW" altLang="en-US"/>
               <a:t>按一下以編輯母片文字樣式</a:t>
             </a:r>
           </a:p>
           <a:p>
             <a:pPr lvl="1"/>
             <a:r>
-              <a:rPr kumimoji="1" lang="zh-TW" altLang="en-US" smtClean="0"/>
+              <a:rPr kumimoji="1" lang="zh-TW" altLang="en-US"/>
               <a:t>第二層</a:t>
             </a:r>
           </a:p>
           <a:p>
             <a:pPr lvl="2"/>
             <a:r>
-              <a:rPr kumimoji="1" lang="zh-TW" altLang="en-US" smtClean="0"/>
+              <a:rPr kumimoji="1" lang="zh-TW" altLang="en-US"/>
               <a:t>第三層</a:t>
             </a:r>
           </a:p>
           <a:p>
             <a:pPr lvl="3"/>
             <a:r>
-              <a:rPr kumimoji="1" lang="zh-TW" altLang="en-US" smtClean="0"/>
+              <a:rPr kumimoji="1" lang="zh-TW" altLang="en-US"/>
               <a:t>第四層</a:t>
             </a:r>
           </a:p>
           <a:p>
             <a:pPr lvl="4"/>
             <a:r>
-              <a:rPr kumimoji="1" lang="zh-TW" altLang="en-US" smtClean="0"/>
+              <a:rPr kumimoji="1" lang="zh-TW" altLang="en-US"/>
               <a:t>第五層</a:t>
             </a:r>
-            <a:endParaRPr kumimoji="1" lang="zh-TW" altLang="en-US"/>
           </a:p>
         </p:txBody>
       </p:sp>
@@ -2100,7 +2191,7 @@
           <a:p>
             <a:pPr lvl="0"/>
             <a:r>
-              <a:rPr kumimoji="1" lang="zh-TW" altLang="en-US" smtClean="0"/>
+              <a:rPr kumimoji="1" lang="zh-TW" altLang="en-US"/>
               <a:t>按一下以編輯母片文字樣式</a:t>
             </a:r>
           </a:p>
@@ -2156,38 +2247,37 @@
           <a:p>
             <a:pPr lvl="0"/>
             <a:r>
-              <a:rPr kumimoji="1" lang="zh-TW" altLang="en-US" smtClean="0"/>
+              <a:rPr kumimoji="1" lang="zh-TW" altLang="en-US"/>
               <a:t>按一下以編輯母片文字樣式</a:t>
             </a:r>
           </a:p>
           <a:p>
             <a:pPr lvl="1"/>
             <a:r>
-              <a:rPr kumimoji="1" lang="zh-TW" altLang="en-US" smtClean="0"/>
+              <a:rPr kumimoji="1" lang="zh-TW" altLang="en-US"/>
               <a:t>第二層</a:t>
             </a:r>
           </a:p>
           <a:p>
             <a:pPr lvl="2"/>
             <a:r>
-              <a:rPr kumimoji="1" lang="zh-TW" altLang="en-US" smtClean="0"/>
+              <a:rPr kumimoji="1" lang="zh-TW" altLang="en-US"/>
               <a:t>第三層</a:t>
             </a:r>
           </a:p>
           <a:p>
             <a:pPr lvl="3"/>
             <a:r>
-              <a:rPr kumimoji="1" lang="zh-TW" altLang="en-US" smtClean="0"/>
+              <a:rPr kumimoji="1" lang="zh-TW" altLang="en-US"/>
               <a:t>第四層</a:t>
             </a:r>
           </a:p>
           <a:p>
             <a:pPr lvl="4"/>
             <a:r>
-              <a:rPr kumimoji="1" lang="zh-TW" altLang="en-US" smtClean="0"/>
+              <a:rPr kumimoji="1" lang="zh-TW" altLang="en-US"/>
               <a:t>第五層</a:t>
             </a:r>
-            <a:endParaRPr kumimoji="1" lang="zh-TW" altLang="en-US"/>
           </a:p>
         </p:txBody>
       </p:sp>
@@ -2208,7 +2298,7 @@
           <a:p>
             <a:fld id="{0C894E5E-D972-084A-A604-8F9D1F9513F9}" type="datetimeFigureOut">
               <a:rPr kumimoji="1" lang="zh-TW" altLang="en-US" smtClean="0"/>
-              <a:t>2020/1/29</a:t>
+              <a:t>2020/2/27</a:t>
             </a:fld>
             <a:endParaRPr kumimoji="1" lang="zh-TW" altLang="en-US"/>
           </a:p>
@@ -2302,10 +2392,9 @@
           <a:lstStyle/>
           <a:p>
             <a:r>
-              <a:rPr kumimoji="1" lang="zh-TW" altLang="en-US" smtClean="0"/>
+              <a:rPr kumimoji="1" lang="zh-TW" altLang="en-US"/>
               <a:t>按一下以編輯母片標題樣式</a:t>
             </a:r>
-            <a:endParaRPr kumimoji="1" lang="zh-TW" altLang="en-US"/>
           </a:p>
         </p:txBody>
       </p:sp>
@@ -2326,7 +2415,7 @@
           <a:p>
             <a:fld id="{0C894E5E-D972-084A-A604-8F9D1F9513F9}" type="datetimeFigureOut">
               <a:rPr kumimoji="1" lang="zh-TW" altLang="en-US" smtClean="0"/>
-              <a:t>2020/1/29</a:t>
+              <a:t>2020/2/27</a:t>
             </a:fld>
             <a:endParaRPr kumimoji="1" lang="zh-TW" altLang="en-US"/>
           </a:p>
@@ -2421,7 +2510,7 @@
           <a:p>
             <a:fld id="{0C894E5E-D972-084A-A604-8F9D1F9513F9}" type="datetimeFigureOut">
               <a:rPr kumimoji="1" lang="zh-TW" altLang="en-US" smtClean="0"/>
-              <a:t>2020/1/29</a:t>
+              <a:t>2020/2/27</a:t>
             </a:fld>
             <a:endParaRPr kumimoji="1" lang="zh-TW" altLang="en-US"/>
           </a:p>
@@ -2524,10 +2613,9 @@
           </a:lstStyle>
           <a:p>
             <a:r>
-              <a:rPr kumimoji="1" lang="zh-TW" altLang="en-US" smtClean="0"/>
+              <a:rPr kumimoji="1" lang="zh-TW" altLang="en-US"/>
               <a:t>按一下以編輯母片標題樣式</a:t>
             </a:r>
-            <a:endParaRPr kumimoji="1" lang="zh-TW" altLang="en-US"/>
           </a:p>
         </p:txBody>
       </p:sp>
@@ -2581,38 +2669,37 @@
           <a:p>
             <a:pPr lvl="0"/>
             <a:r>
-              <a:rPr kumimoji="1" lang="zh-TW" altLang="en-US" smtClean="0"/>
+              <a:rPr kumimoji="1" lang="zh-TW" altLang="en-US"/>
               <a:t>按一下以編輯母片文字樣式</a:t>
             </a:r>
           </a:p>
           <a:p>
             <a:pPr lvl="1"/>
             <a:r>
-              <a:rPr kumimoji="1" lang="zh-TW" altLang="en-US" smtClean="0"/>
+              <a:rPr kumimoji="1" lang="zh-TW" altLang="en-US"/>
               <a:t>第二層</a:t>
             </a:r>
           </a:p>
           <a:p>
             <a:pPr lvl="2"/>
             <a:r>
-              <a:rPr kumimoji="1" lang="zh-TW" altLang="en-US" smtClean="0"/>
+              <a:rPr kumimoji="1" lang="zh-TW" altLang="en-US"/>
               <a:t>第三層</a:t>
             </a:r>
           </a:p>
           <a:p>
             <a:pPr lvl="3"/>
             <a:r>
-              <a:rPr kumimoji="1" lang="zh-TW" altLang="en-US" smtClean="0"/>
+              <a:rPr kumimoji="1" lang="zh-TW" altLang="en-US"/>
               <a:t>第四層</a:t>
             </a:r>
           </a:p>
           <a:p>
             <a:pPr lvl="4"/>
             <a:r>
-              <a:rPr kumimoji="1" lang="zh-TW" altLang="en-US" smtClean="0"/>
+              <a:rPr kumimoji="1" lang="zh-TW" altLang="en-US"/>
               <a:t>第五層</a:t>
             </a:r>
-            <a:endParaRPr kumimoji="1" lang="zh-TW" altLang="en-US"/>
           </a:p>
         </p:txBody>
       </p:sp>
@@ -2675,7 +2762,7 @@
           <a:p>
             <a:pPr lvl="0"/>
             <a:r>
-              <a:rPr kumimoji="1" lang="zh-TW" altLang="en-US" smtClean="0"/>
+              <a:rPr kumimoji="1" lang="zh-TW" altLang="en-US"/>
               <a:t>按一下以編輯母片文字樣式</a:t>
             </a:r>
           </a:p>
@@ -2698,7 +2785,7 @@
           <a:p>
             <a:fld id="{0C894E5E-D972-084A-A604-8F9D1F9513F9}" type="datetimeFigureOut">
               <a:rPr kumimoji="1" lang="zh-TW" altLang="en-US" smtClean="0"/>
-              <a:t>2020/1/29</a:t>
+              <a:t>2020/2/27</a:t>
             </a:fld>
             <a:endParaRPr kumimoji="1" lang="zh-TW" altLang="en-US"/>
           </a:p>
@@ -2801,10 +2888,9 @@
           </a:lstStyle>
           <a:p>
             <a:r>
-              <a:rPr kumimoji="1" lang="zh-TW" altLang="en-US" smtClean="0"/>
+              <a:rPr kumimoji="1" lang="zh-TW" altLang="en-US"/>
               <a:t>按一下以編輯母片標題樣式</a:t>
             </a:r>
-            <a:endParaRPr kumimoji="1" lang="zh-TW" altLang="en-US"/>
           </a:p>
         </p:txBody>
       </p:sp>
@@ -2928,7 +3014,7 @@
           <a:p>
             <a:pPr lvl="0"/>
             <a:r>
-              <a:rPr kumimoji="1" lang="zh-TW" altLang="en-US" smtClean="0"/>
+              <a:rPr kumimoji="1" lang="zh-TW" altLang="en-US"/>
               <a:t>按一下以編輯母片文字樣式</a:t>
             </a:r>
           </a:p>
@@ -2951,7 +3037,7 @@
           <a:p>
             <a:fld id="{0C894E5E-D972-084A-A604-8F9D1F9513F9}" type="datetimeFigureOut">
               <a:rPr kumimoji="1" lang="zh-TW" altLang="en-US" smtClean="0"/>
-              <a:t>2020/1/29</a:t>
+              <a:t>2020/2/27</a:t>
             </a:fld>
             <a:endParaRPr kumimoji="1" lang="zh-TW" altLang="en-US"/>
           </a:p>
@@ -3060,10 +3146,9 @@
           <a:lstStyle/>
           <a:p>
             <a:r>
-              <a:rPr kumimoji="1" lang="zh-TW" altLang="en-US" smtClean="0"/>
+              <a:rPr kumimoji="1" lang="zh-TW" altLang="en-US"/>
               <a:t>按一下以編輯母片標題樣式</a:t>
             </a:r>
-            <a:endParaRPr kumimoji="1" lang="zh-TW" altLang="en-US"/>
           </a:p>
         </p:txBody>
       </p:sp>
@@ -3094,38 +3179,37 @@
           <a:p>
             <a:pPr lvl="0"/>
             <a:r>
-              <a:rPr kumimoji="1" lang="zh-TW" altLang="en-US" smtClean="0"/>
+              <a:rPr kumimoji="1" lang="zh-TW" altLang="en-US"/>
               <a:t>按一下以編輯母片文字樣式</a:t>
             </a:r>
           </a:p>
           <a:p>
             <a:pPr lvl="1"/>
             <a:r>
-              <a:rPr kumimoji="1" lang="zh-TW" altLang="en-US" smtClean="0"/>
+              <a:rPr kumimoji="1" lang="zh-TW" altLang="en-US"/>
               <a:t>第二層</a:t>
             </a:r>
           </a:p>
           <a:p>
             <a:pPr lvl="2"/>
             <a:r>
-              <a:rPr kumimoji="1" lang="zh-TW" altLang="en-US" smtClean="0"/>
+              <a:rPr kumimoji="1" lang="zh-TW" altLang="en-US"/>
               <a:t>第三層</a:t>
             </a:r>
           </a:p>
           <a:p>
             <a:pPr lvl="3"/>
             <a:r>
-              <a:rPr kumimoji="1" lang="zh-TW" altLang="en-US" smtClean="0"/>
+              <a:rPr kumimoji="1" lang="zh-TW" altLang="en-US"/>
               <a:t>第四層</a:t>
             </a:r>
           </a:p>
           <a:p>
             <a:pPr lvl="4"/>
             <a:r>
-              <a:rPr kumimoji="1" lang="zh-TW" altLang="en-US" smtClean="0"/>
+              <a:rPr kumimoji="1" lang="zh-TW" altLang="en-US"/>
               <a:t>第五層</a:t>
             </a:r>
-            <a:endParaRPr kumimoji="1" lang="zh-TW" altLang="en-US"/>
           </a:p>
         </p:txBody>
       </p:sp>
@@ -3164,7 +3248,7 @@
           <a:p>
             <a:fld id="{0C894E5E-D972-084A-A604-8F9D1F9513F9}" type="datetimeFigureOut">
               <a:rPr kumimoji="1" lang="zh-TW" altLang="en-US" smtClean="0"/>
-              <a:t>2020/1/29</a:t>
+              <a:t>2020/2/27</a:t>
             </a:fld>
             <a:endParaRPr kumimoji="1" lang="zh-TW" altLang="en-US"/>
           </a:p>
@@ -3562,11 +3646,11 @@
           <a:lstStyle/>
           <a:p>
             <a:r>
-              <a:rPr kumimoji="1" lang="en-US" altLang="zh-TW" dirty="0" smtClean="0"/>
+              <a:rPr kumimoji="1" lang="en-US" altLang="zh-TW" dirty="0"/>
               <a:t>100-150 </a:t>
             </a:r>
             <a:r>
-              <a:rPr kumimoji="1" lang="en-US" altLang="zh-TW" dirty="0" err="1" smtClean="0"/>
+              <a:rPr kumimoji="1" lang="en-US" altLang="zh-TW" dirty="0" err="1"/>
               <a:t>μm</a:t>
             </a:r>
             <a:endParaRPr kumimoji="1" lang="zh-TW" altLang="en-US" dirty="0"/>
@@ -3596,11 +3680,11 @@
           <a:lstStyle/>
           <a:p>
             <a:r>
-              <a:rPr kumimoji="1" lang="en-US" altLang="zh-TW" dirty="0" smtClean="0"/>
+              <a:rPr kumimoji="1" lang="en-US" altLang="zh-TW" dirty="0"/>
               <a:t>50-80 </a:t>
             </a:r>
             <a:r>
-              <a:rPr kumimoji="1" lang="en-US" altLang="zh-TW" dirty="0" err="1" smtClean="0"/>
+              <a:rPr kumimoji="1" lang="en-US" altLang="zh-TW" dirty="0" err="1"/>
               <a:t>μm</a:t>
             </a:r>
             <a:endParaRPr kumimoji="1" lang="zh-TW" altLang="en-US" dirty="0"/>
@@ -3631,11 +3715,11 @@
           <a:p>
             <a:pPr algn="ctr"/>
             <a:r>
-              <a:rPr kumimoji="1" lang="en-US" altLang="zh-TW" dirty="0" smtClean="0"/>
+              <a:rPr kumimoji="1" lang="en-US" altLang="zh-TW" dirty="0"/>
               <a:t>200-20 </a:t>
             </a:r>
             <a:r>
-              <a:rPr kumimoji="1" lang="en-US" altLang="zh-TW" dirty="0" err="1" smtClean="0"/>
+              <a:rPr kumimoji="1" lang="en-US" altLang="zh-TW" dirty="0" err="1"/>
               <a:t>μm</a:t>
             </a:r>
             <a:endParaRPr kumimoji="1" lang="zh-TW" altLang="en-US" dirty="0"/>
@@ -3665,11 +3749,11 @@
           <a:lstStyle/>
           <a:p>
             <a:r>
-              <a:rPr kumimoji="1" lang="en-US" altLang="zh-TW" dirty="0" smtClean="0"/>
+              <a:rPr kumimoji="1" lang="en-US" altLang="zh-TW" dirty="0"/>
               <a:t>&lt; 1.2 </a:t>
             </a:r>
             <a:r>
-              <a:rPr kumimoji="1" lang="en-US" altLang="zh-TW" dirty="0" err="1" smtClean="0"/>
+              <a:rPr kumimoji="1" lang="en-US" altLang="zh-TW" dirty="0" err="1"/>
               <a:t>μm</a:t>
             </a:r>
             <a:endParaRPr kumimoji="1" lang="zh-TW" altLang="en-US" dirty="0"/>
@@ -3776,7 +3860,7 @@
           <a:lstStyle/>
           <a:p>
             <a:r>
-              <a:rPr kumimoji="1" lang="en-US" altLang="zh-TW" dirty="0" smtClean="0">
+              <a:rPr kumimoji="1" lang="en-US" altLang="zh-TW" dirty="0">
                 <a:solidFill>
                   <a:srgbClr val="FF0000"/>
                 </a:solidFill>
@@ -3784,7 +3868,7 @@
               <a:t>IR</a:t>
             </a:r>
             <a:r>
-              <a:rPr kumimoji="1" lang="en-US" altLang="zh-TW" baseline="-25000" dirty="0" smtClean="0">
+              <a:rPr kumimoji="1" lang="en-US" altLang="zh-TW" baseline="-25000" dirty="0">
                 <a:solidFill>
                   <a:srgbClr val="FF0000"/>
                 </a:solidFill>
@@ -3862,7 +3946,7 @@
           <a:lstStyle/>
           <a:p>
             <a:r>
-              <a:rPr kumimoji="1" lang="en-US" altLang="zh-TW" dirty="0" smtClean="0">
+              <a:rPr kumimoji="1" lang="en-US" altLang="zh-TW" dirty="0">
                 <a:solidFill>
                   <a:srgbClr val="FF0000"/>
                 </a:solidFill>
@@ -3870,7 +3954,7 @@
               <a:t>IR</a:t>
             </a:r>
             <a:r>
-              <a:rPr kumimoji="1" lang="en-US" altLang="zh-TW" baseline="-25000" dirty="0" smtClean="0">
+              <a:rPr kumimoji="1" lang="en-US" altLang="zh-TW" baseline="-25000" dirty="0">
                 <a:solidFill>
                   <a:srgbClr val="FF0000"/>
                 </a:solidFill>
@@ -3948,7 +4032,7 @@
           <a:lstStyle/>
           <a:p>
             <a:r>
-              <a:rPr kumimoji="1" lang="en-US" altLang="zh-TW" dirty="0" smtClean="0">
+              <a:rPr kumimoji="1" lang="en-US" altLang="zh-TW" dirty="0">
                 <a:solidFill>
                   <a:srgbClr val="FF0000"/>
                 </a:solidFill>
@@ -3956,7 +4040,7 @@
               <a:t>IR</a:t>
             </a:r>
             <a:r>
-              <a:rPr kumimoji="1" lang="en-US" altLang="zh-TW" baseline="-25000" dirty="0" smtClean="0">
+              <a:rPr kumimoji="1" lang="en-US" altLang="zh-TW" baseline="-25000" dirty="0">
                 <a:solidFill>
                   <a:srgbClr val="FF0000"/>
                 </a:solidFill>
@@ -3994,7 +4078,7 @@
           <a:lstStyle/>
           <a:p>
             <a:r>
-              <a:rPr kumimoji="1" lang="en-US" altLang="zh-TW" dirty="0" smtClean="0">
+              <a:rPr kumimoji="1" lang="en-US" altLang="zh-TW" dirty="0">
                 <a:solidFill>
                   <a:srgbClr val="FF0000"/>
                 </a:solidFill>
@@ -4002,20 +4086,12 @@
               <a:t>IR</a:t>
             </a:r>
             <a:r>
-              <a:rPr kumimoji="1" lang="en-US" altLang="zh-TW" baseline="-25000" dirty="0" smtClean="0">
-                <a:solidFill>
-                  <a:srgbClr val="FF0000"/>
-                </a:solidFill>
-              </a:rPr>
-              <a:t>4</a:t>
-            </a:r>
-            <a:r>
               <a:rPr kumimoji="1" lang="en-US" altLang="zh-TW" baseline="-25000" dirty="0">
                 <a:solidFill>
                   <a:srgbClr val="FF0000"/>
                 </a:solidFill>
               </a:rPr>
-              <a:t>b</a:t>
+              <a:t>4b</a:t>
             </a:r>
             <a:endParaRPr kumimoji="1" lang="zh-TW" altLang="en-US" baseline="-25000" dirty="0">
               <a:solidFill>
@@ -4068,14 +4144,14 @@
             <a:lstStyle/>
             <a:p>
               <a:r>
-                <a:rPr kumimoji="1" lang="en-US" altLang="zh-TW" b="1" dirty="0" err="1" smtClean="0">
+                <a:rPr kumimoji="1" lang="en-US" altLang="zh-TW" b="1" dirty="0" err="1">
                   <a:solidFill>
                     <a:schemeClr val="bg1"/>
                   </a:solidFill>
                 </a:rPr>
                 <a:t>Copepodites</a:t>
               </a:r>
-              <a:endParaRPr kumimoji="1" lang="en-US" altLang="zh-TW" b="1" dirty="0" smtClean="0">
+              <a:endParaRPr kumimoji="1" lang="en-US" altLang="zh-TW" b="1" dirty="0">
                 <a:solidFill>
                   <a:schemeClr val="bg1"/>
                 </a:solidFill>
@@ -4129,14 +4205,14 @@
               <a:p>
                 <a:pPr algn="ctr"/>
                 <a:r>
-                  <a:rPr kumimoji="1" lang="en-US" altLang="zh-TW" b="1" dirty="0" err="1" smtClean="0">
+                  <a:rPr kumimoji="1" lang="en-US" altLang="zh-TW" b="1" dirty="0" err="1">
                     <a:solidFill>
                       <a:schemeClr val="bg1"/>
                     </a:solidFill>
                   </a:rPr>
                   <a:t>Nauplia</a:t>
                 </a:r>
-                <a:endParaRPr kumimoji="1" lang="en-US" altLang="zh-TW" b="1" dirty="0" smtClean="0">
+                <a:endParaRPr kumimoji="1" lang="en-US" altLang="zh-TW" b="1" dirty="0">
                   <a:solidFill>
                     <a:schemeClr val="bg1"/>
                   </a:solidFill>
@@ -4315,7 +4391,7 @@
               <a:lstStyle/>
               <a:p>
                 <a:r>
-                  <a:rPr kumimoji="1" lang="en-US" altLang="zh-TW" dirty="0" smtClean="0">
+                  <a:rPr kumimoji="1" lang="en-US" altLang="zh-TW" dirty="0">
                     <a:solidFill>
                       <a:srgbClr val="0000FF"/>
                     </a:solidFill>
@@ -4323,7 +4399,7 @@
                   <a:t>GR</a:t>
                 </a:r>
                 <a:r>
-                  <a:rPr kumimoji="1" lang="en-US" altLang="zh-TW" baseline="-25000" dirty="0" smtClean="0">
+                  <a:rPr kumimoji="1" lang="en-US" altLang="zh-TW" baseline="-25000" dirty="0">
                     <a:solidFill>
                       <a:srgbClr val="0000FF"/>
                     </a:solidFill>
@@ -4516,7 +4592,7 @@
             <a:lstStyle/>
             <a:p>
               <a:r>
-                <a:rPr kumimoji="1" lang="en-US" altLang="zh-TW" dirty="0" smtClean="0">
+                <a:rPr kumimoji="1" lang="en-US" altLang="zh-TW" dirty="0">
                   <a:solidFill>
                     <a:srgbClr val="0000FF"/>
                   </a:solidFill>
@@ -4583,7 +4659,7 @@
             <a:p>
               <a:pPr algn="ctr"/>
               <a:r>
-                <a:rPr kumimoji="1" lang="en-US" altLang="zh-TW" b="1" dirty="0" smtClean="0">
+                <a:rPr kumimoji="1" lang="en-US" altLang="zh-TW" b="1" dirty="0">
                   <a:solidFill>
                     <a:schemeClr val="bg1"/>
                   </a:solidFill>
@@ -4594,7 +4670,7 @@
             <a:p>
               <a:pPr algn="ctr"/>
               <a:r>
-                <a:rPr kumimoji="1" lang="en-US" altLang="zh-TW" b="1" dirty="0" smtClean="0">
+                <a:rPr kumimoji="1" lang="en-US" altLang="zh-TW" b="1" dirty="0">
                   <a:solidFill>
                     <a:srgbClr val="FFFFFF"/>
                   </a:solidFill>
@@ -4602,7 +4678,7 @@
                 <a:t>(</a:t>
               </a:r>
               <a:r>
-                <a:rPr kumimoji="1" lang="en-US" altLang="zh-TW" b="1" dirty="0" err="1" smtClean="0">
+                <a:rPr kumimoji="1" lang="en-US" altLang="zh-TW" b="1" dirty="0" err="1">
                   <a:solidFill>
                     <a:srgbClr val="FFFFFF"/>
                   </a:solidFill>
@@ -4610,7 +4686,7 @@
                 <a:t>microzoo</a:t>
               </a:r>
               <a:r>
-                <a:rPr kumimoji="1" lang="en-US" altLang="zh-TW" b="1" dirty="0" smtClean="0">
+                <a:rPr kumimoji="1" lang="en-US" altLang="zh-TW" b="1" dirty="0">
                   <a:solidFill>
                     <a:srgbClr val="FFFFFF"/>
                   </a:solidFill>
@@ -4787,7 +4863,7 @@
             <a:lstStyle/>
             <a:p>
               <a:r>
-                <a:rPr kumimoji="1" lang="en-US" altLang="zh-TW" dirty="0" smtClean="0">
+                <a:rPr kumimoji="1" lang="en-US" altLang="zh-TW" dirty="0">
                   <a:solidFill>
                     <a:srgbClr val="0000FF"/>
                   </a:solidFill>
@@ -4795,7 +4871,7 @@
                 <a:t>GR</a:t>
               </a:r>
               <a:r>
-                <a:rPr kumimoji="1" lang="en-US" altLang="zh-TW" baseline="-25000" dirty="0" smtClean="0">
+                <a:rPr kumimoji="1" lang="en-US" altLang="zh-TW" baseline="-25000" dirty="0">
                   <a:solidFill>
                     <a:srgbClr val="0000FF"/>
                   </a:solidFill>
@@ -4847,7 +4923,7 @@
           <a:lstStyle/>
           <a:p>
             <a:r>
-              <a:rPr kumimoji="1" lang="en-US" altLang="zh-TW" dirty="0" smtClean="0"/>
+              <a:rPr kumimoji="1" lang="en-US" altLang="zh-TW" dirty="0"/>
               <a:t>Growth rate of each compartment</a:t>
             </a:r>
           </a:p>
@@ -4856,23 +4932,23 @@
               <a:buAutoNum type="arabicPeriod"/>
             </a:pPr>
             <a:r>
-              <a:rPr kumimoji="1" lang="en-US" altLang="zh-TW" dirty="0" smtClean="0"/>
+              <a:rPr kumimoji="1" lang="en-US" altLang="zh-TW" dirty="0"/>
               <a:t>GR</a:t>
             </a:r>
             <a:r>
-              <a:rPr kumimoji="1" lang="en-US" altLang="zh-TW" baseline="-25000" dirty="0" smtClean="0"/>
+              <a:rPr kumimoji="1" lang="en-US" altLang="zh-TW" baseline="-25000" dirty="0"/>
               <a:t>1</a:t>
             </a:r>
             <a:r>
-              <a:rPr kumimoji="1" lang="en-US" altLang="zh-TW" dirty="0" smtClean="0"/>
+              <a:rPr kumimoji="1" lang="en-US" altLang="zh-TW" dirty="0"/>
               <a:t> and GR</a:t>
             </a:r>
             <a:r>
-              <a:rPr kumimoji="1" lang="en-US" altLang="zh-TW" baseline="-25000" dirty="0" smtClean="0"/>
+              <a:rPr kumimoji="1" lang="en-US" altLang="zh-TW" baseline="-25000" dirty="0"/>
               <a:t>2</a:t>
             </a:r>
             <a:r>
-              <a:rPr kumimoji="1" lang="en-US" altLang="zh-TW" dirty="0" smtClean="0"/>
+              <a:rPr kumimoji="1" lang="en-US" altLang="zh-TW" dirty="0"/>
               <a:t> by artificial cohort incubation.</a:t>
             </a:r>
           </a:p>
@@ -4881,61 +4957,40 @@
               <a:buAutoNum type="arabicPeriod"/>
             </a:pPr>
             <a:r>
-              <a:rPr kumimoji="1" lang="en-US" altLang="zh-TW" dirty="0" smtClean="0"/>
+              <a:rPr kumimoji="1" lang="en-US" altLang="zh-TW" dirty="0"/>
               <a:t>GR</a:t>
             </a:r>
             <a:r>
-              <a:rPr kumimoji="1" lang="en-US" altLang="zh-TW" baseline="-25000" dirty="0" smtClean="0"/>
+              <a:rPr kumimoji="1" lang="en-US" altLang="zh-TW" baseline="-25000" dirty="0"/>
               <a:t>3</a:t>
             </a:r>
             <a:r>
-              <a:rPr kumimoji="1" lang="en-US" altLang="zh-TW" dirty="0" smtClean="0"/>
-              <a:t> and </a:t>
-            </a:r>
-            <a:r>
-              <a:rPr kumimoji="1" lang="en-US" altLang="zh-TW" dirty="0" smtClean="0"/>
-              <a:t>GR</a:t>
-            </a:r>
-            <a:r>
-              <a:rPr kumimoji="1" lang="en-US" altLang="zh-TW" baseline="-25000" dirty="0" smtClean="0"/>
+              <a:rPr kumimoji="1" lang="en-US" altLang="zh-TW" dirty="0"/>
+              <a:t> and GR</a:t>
+            </a:r>
+            <a:r>
+              <a:rPr kumimoji="1" lang="en-US" altLang="zh-TW" baseline="-25000" dirty="0"/>
               <a:t>5</a:t>
             </a:r>
             <a:r>
-              <a:rPr kumimoji="1" lang="en-US" altLang="zh-TW" dirty="0" smtClean="0"/>
-              <a:t> </a:t>
-            </a:r>
-            <a:r>
-              <a:rPr kumimoji="1" lang="en-US" altLang="zh-TW" dirty="0" smtClean="0"/>
-              <a:t>by incubation of water filtered through </a:t>
-            </a:r>
-            <a:r>
-              <a:rPr kumimoji="1" lang="en-US" altLang="zh-TW" dirty="0" smtClean="0"/>
-              <a:t>200/20 </a:t>
-            </a:r>
-            <a:r>
-              <a:rPr kumimoji="1" lang="en-US" altLang="zh-TW" dirty="0" err="1" smtClean="0"/>
+              <a:rPr kumimoji="1" lang="en-US" altLang="zh-TW" dirty="0"/>
+              <a:t> by incubation of water filtered through 200/20 </a:t>
+            </a:r>
+            <a:r>
+              <a:rPr kumimoji="1" lang="en-US" altLang="zh-TW" dirty="0" err="1"/>
               <a:t>μm</a:t>
             </a:r>
             <a:r>
-              <a:rPr kumimoji="1" lang="en-US" altLang="zh-TW" dirty="0" smtClean="0"/>
-              <a:t> sieve. Estimate the biomass change </a:t>
-            </a:r>
-            <a:r>
-              <a:rPr kumimoji="1" lang="en-US" altLang="zh-TW" dirty="0" smtClean="0"/>
-              <a:t>before and after incubation</a:t>
-            </a:r>
-            <a:r>
-              <a:rPr kumimoji="1" lang="en-US" altLang="zh-TW" dirty="0" smtClean="0"/>
-              <a:t>.</a:t>
-            </a:r>
-            <a:endParaRPr kumimoji="1" lang="en-US" altLang="zh-TW" dirty="0" smtClean="0"/>
+              <a:rPr kumimoji="1" lang="en-US" altLang="zh-TW" dirty="0"/>
+              <a:t> sieve. Estimate the biomass change before and after incubation.</a:t>
+            </a:r>
           </a:p>
           <a:p>
             <a:pPr marL="342900" indent="-342900">
               <a:buAutoNum type="arabicPeriod"/>
             </a:pPr>
             <a:r>
-              <a:rPr kumimoji="1" lang="en-US" altLang="zh-TW" dirty="0" smtClean="0"/>
+              <a:rPr kumimoji="1" lang="en-US" altLang="zh-TW" dirty="0"/>
               <a:t>GR</a:t>
             </a:r>
             <a:r>
@@ -4943,36 +4998,16 @@
               <a:t>4</a:t>
             </a:r>
             <a:r>
-              <a:rPr kumimoji="1" lang="en-US" altLang="zh-TW" dirty="0" smtClean="0"/>
-              <a:t> </a:t>
-            </a:r>
-            <a:r>
-              <a:rPr kumimoji="1" lang="en-US" altLang="zh-TW" dirty="0" smtClean="0"/>
-              <a:t>and GR</a:t>
-            </a:r>
-            <a:r>
-              <a:rPr kumimoji="1" lang="en-US" altLang="zh-TW" baseline="-25000" dirty="0" smtClean="0"/>
+              <a:rPr kumimoji="1" lang="en-US" altLang="zh-TW" dirty="0"/>
+              <a:t> and GR</a:t>
+            </a:r>
+            <a:r>
+              <a:rPr kumimoji="1" lang="en-US" altLang="zh-TW" baseline="-25000" dirty="0"/>
               <a:t>6</a:t>
             </a:r>
             <a:r>
-              <a:rPr kumimoji="1" lang="en-US" altLang="zh-TW" dirty="0" smtClean="0"/>
-              <a:t> by </a:t>
-            </a:r>
-            <a:r>
-              <a:rPr kumimoji="1" lang="en-US" altLang="zh-TW" dirty="0" smtClean="0"/>
-              <a:t>incubation of </a:t>
-            </a:r>
-            <a:r>
               <a:rPr kumimoji="1" lang="en-US" altLang="zh-TW" dirty="0"/>
-              <a:t>water </a:t>
-            </a:r>
-            <a:r>
-              <a:rPr kumimoji="1" lang="en-US" altLang="zh-TW" dirty="0" smtClean="0"/>
-              <a:t>filtered through </a:t>
-            </a:r>
-            <a:r>
-              <a:rPr kumimoji="1" lang="en-US" altLang="zh-TW" dirty="0"/>
-              <a:t>200/20 </a:t>
+              <a:t> by incubation of water filtered through 200/20 </a:t>
             </a:r>
             <a:r>
               <a:rPr kumimoji="1" lang="en-US" altLang="zh-TW" dirty="0" err="1"/>
@@ -4980,55 +5015,50 @@
             </a:r>
             <a:r>
               <a:rPr kumimoji="1" lang="en-US" altLang="zh-TW" dirty="0"/>
-              <a:t> sieve </a:t>
-            </a:r>
-            <a:r>
-              <a:rPr kumimoji="1" lang="en-US" altLang="zh-TW" dirty="0" smtClean="0"/>
-              <a:t>with </a:t>
-            </a:r>
-            <a:r>
-              <a:rPr kumimoji="1" lang="en-US" altLang="zh-TW" baseline="30000" dirty="0" smtClean="0"/>
+              <a:t> sieve with </a:t>
+            </a:r>
+            <a:r>
+              <a:rPr kumimoji="1" lang="en-US" altLang="zh-TW" baseline="30000" dirty="0"/>
               <a:t>13</a:t>
             </a:r>
             <a:r>
-              <a:rPr kumimoji="1" lang="en-US" altLang="zh-TW" dirty="0" smtClean="0"/>
+              <a:rPr kumimoji="1" lang="en-US" altLang="zh-TW" dirty="0"/>
               <a:t>CO</a:t>
             </a:r>
             <a:r>
-              <a:rPr kumimoji="1" lang="en-US" altLang="zh-TW" baseline="-25000" dirty="0" smtClean="0"/>
+              <a:rPr kumimoji="1" lang="en-US" altLang="zh-TW" baseline="-25000" dirty="0"/>
               <a:t>2</a:t>
             </a:r>
             <a:r>
-              <a:rPr kumimoji="1" lang="en-US" altLang="zh-TW" dirty="0" smtClean="0"/>
+              <a:rPr kumimoji="1" lang="en-US" altLang="zh-TW" dirty="0"/>
               <a:t> (PP)</a:t>
             </a:r>
-            <a:endParaRPr kumimoji="1" lang="en-US" altLang="zh-TW" dirty="0" smtClean="0"/>
           </a:p>
           <a:p>
             <a:pPr marL="342900" indent="-342900">
               <a:buAutoNum type="arabicPeriod"/>
             </a:pPr>
             <a:r>
-              <a:rPr kumimoji="1" lang="en-US" altLang="zh-TW" dirty="0" smtClean="0"/>
+              <a:rPr kumimoji="1" lang="en-US" altLang="zh-TW" dirty="0"/>
               <a:t>GR</a:t>
             </a:r>
             <a:r>
-              <a:rPr kumimoji="1" lang="en-US" altLang="zh-TW" baseline="-25000" dirty="0" smtClean="0"/>
+              <a:rPr kumimoji="1" lang="en-US" altLang="zh-TW" baseline="-25000" dirty="0"/>
               <a:t>7</a:t>
             </a:r>
             <a:r>
-              <a:rPr kumimoji="1" lang="en-US" altLang="zh-TW" dirty="0" smtClean="0"/>
+              <a:rPr kumimoji="1" lang="en-US" altLang="zh-TW" dirty="0"/>
               <a:t> by incubation &lt;1.2 </a:t>
             </a:r>
             <a:r>
-              <a:rPr kumimoji="1" lang="en-US" altLang="zh-TW" dirty="0" err="1" smtClean="0">
+              <a:rPr kumimoji="1" lang="en-US" altLang="zh-TW" dirty="0" err="1">
                 <a:solidFill>
                   <a:srgbClr val="000000"/>
                 </a:solidFill>
               </a:rPr>
               <a:t>μm</a:t>
             </a:r>
-            <a:endParaRPr kumimoji="1" lang="en-US" altLang="zh-TW" dirty="0" smtClean="0">
+            <a:endParaRPr kumimoji="1" lang="en-US" altLang="zh-TW" dirty="0">
               <a:solidFill>
                 <a:srgbClr val="000000"/>
               </a:solidFill>
@@ -5072,7 +5102,7 @@
           <a:lstStyle/>
           <a:p>
             <a:r>
-              <a:rPr kumimoji="1" lang="en-US" altLang="zh-TW" dirty="0" smtClean="0"/>
+              <a:rPr kumimoji="1" lang="en-US" altLang="zh-TW" dirty="0"/>
               <a:t>Ingestion rate links compartments</a:t>
             </a:r>
           </a:p>
@@ -5081,189 +5111,70 @@
               <a:buAutoNum type="arabicPeriod"/>
             </a:pPr>
             <a:r>
-              <a:rPr kumimoji="1" lang="en-US" altLang="zh-TW" dirty="0" smtClean="0"/>
+              <a:rPr kumimoji="1" lang="en-US" altLang="zh-TW" dirty="0"/>
               <a:t>IR</a:t>
             </a:r>
             <a:r>
-              <a:rPr kumimoji="1" lang="en-US" altLang="zh-TW" baseline="-25000" dirty="0" smtClean="0"/>
+              <a:rPr kumimoji="1" lang="en-US" altLang="zh-TW" baseline="-25000" dirty="0"/>
               <a:t>1a</a:t>
             </a:r>
             <a:r>
               <a:rPr kumimoji="1" lang="en-US" altLang="zh-TW" dirty="0"/>
-              <a:t>+</a:t>
-            </a:r>
-            <a:r>
-              <a:rPr kumimoji="1" lang="en-US" altLang="zh-TW" dirty="0" smtClean="0"/>
-              <a:t>IR</a:t>
-            </a:r>
-            <a:r>
-              <a:rPr kumimoji="1" lang="en-US" altLang="zh-TW" baseline="-25000" dirty="0" smtClean="0"/>
+              <a:t>+IR</a:t>
+            </a:r>
+            <a:r>
+              <a:rPr kumimoji="1" lang="en-US" altLang="zh-TW" baseline="-25000" dirty="0"/>
               <a:t>1b</a:t>
             </a:r>
             <a:r>
               <a:rPr kumimoji="1" lang="en-US" altLang="zh-TW" dirty="0"/>
-              <a:t> </a:t>
-            </a:r>
-            <a:r>
-              <a:rPr kumimoji="1" lang="en-US" altLang="zh-TW" dirty="0" smtClean="0"/>
-              <a:t>using modified dilution and estimating the mass change of particles &lt; 50 </a:t>
-            </a:r>
-            <a:r>
-              <a:rPr kumimoji="1" lang="en-US" altLang="zh-TW" dirty="0" err="1" smtClean="0"/>
+              <a:t> using modified dilution and estimating the mass change of particles &lt; 50 </a:t>
+            </a:r>
+            <a:r>
+              <a:rPr kumimoji="1" lang="en-US" altLang="zh-TW" dirty="0" err="1"/>
               <a:t>μm</a:t>
             </a:r>
-            <a:endParaRPr kumimoji="1" lang="en-US" altLang="zh-TW" dirty="0" smtClean="0"/>
+            <a:endParaRPr kumimoji="1" lang="en-US" altLang="zh-TW" dirty="0"/>
           </a:p>
           <a:p>
             <a:pPr marL="342900" indent="-342900">
               <a:buAutoNum type="arabicPeriod"/>
             </a:pPr>
             <a:r>
-              <a:rPr kumimoji="1" lang="en-US" altLang="zh-TW" dirty="0" smtClean="0"/>
+              <a:rPr kumimoji="1" lang="en-US" altLang="zh-TW" dirty="0"/>
               <a:t>IR</a:t>
             </a:r>
             <a:r>
-              <a:rPr kumimoji="1" lang="en-US" altLang="zh-TW" baseline="-25000" dirty="0" smtClean="0"/>
+              <a:rPr kumimoji="1" lang="en-US" altLang="zh-TW" baseline="-25000" dirty="0"/>
               <a:t>2</a:t>
             </a:r>
             <a:r>
-              <a:rPr kumimoji="1" lang="en-US" altLang="zh-TW" dirty="0" smtClean="0"/>
+              <a:rPr kumimoji="1" lang="en-US" altLang="zh-TW" dirty="0"/>
               <a:t> and IR</a:t>
             </a:r>
             <a:r>
-              <a:rPr kumimoji="1" lang="en-US" altLang="zh-TW" baseline="-25000" dirty="0" smtClean="0"/>
+              <a:rPr kumimoji="1" lang="en-US" altLang="zh-TW" baseline="-25000" dirty="0"/>
               <a:t>3</a:t>
             </a:r>
             <a:r>
-              <a:rPr kumimoji="1" lang="en-US" altLang="zh-TW" dirty="0" smtClean="0"/>
+              <a:rPr kumimoji="1" lang="en-US" altLang="zh-TW" dirty="0"/>
               <a:t>, IR</a:t>
             </a:r>
             <a:r>
-              <a:rPr kumimoji="1" lang="en-US" altLang="zh-TW" baseline="-25000" dirty="0" smtClean="0"/>
+              <a:rPr kumimoji="1" lang="en-US" altLang="zh-TW" baseline="-25000" dirty="0"/>
               <a:t>4a</a:t>
             </a:r>
             <a:r>
-              <a:rPr kumimoji="1" lang="en-US" altLang="zh-TW" dirty="0" smtClean="0"/>
+              <a:rPr kumimoji="1" lang="en-US" altLang="zh-TW" dirty="0"/>
               <a:t>, IR</a:t>
             </a:r>
             <a:r>
-              <a:rPr kumimoji="1" lang="en-US" altLang="zh-TW" baseline="-25000" dirty="0" smtClean="0"/>
+              <a:rPr kumimoji="1" lang="en-US" altLang="zh-TW" baseline="-25000" dirty="0"/>
               <a:t>4b</a:t>
             </a:r>
             <a:r>
-              <a:rPr kumimoji="1" lang="en-US" altLang="zh-TW" dirty="0" smtClean="0"/>
+              <a:rPr kumimoji="1" lang="en-US" altLang="zh-TW" dirty="0"/>
               <a:t> by dilution experiment using 200 and </a:t>
-            </a:r>
-            <a:r>
-              <a:rPr kumimoji="1" lang="en-US" altLang="zh-TW" dirty="0" smtClean="0">
-                <a:solidFill>
-                  <a:schemeClr val="tx1"/>
-                </a:solidFill>
-              </a:rPr>
-              <a:t>0.2 </a:t>
-            </a:r>
-            <a:r>
-              <a:rPr kumimoji="1" lang="en-US" altLang="zh-TW" dirty="0" err="1" smtClean="0">
-                <a:solidFill>
-                  <a:schemeClr val="tx1"/>
-                </a:solidFill>
-              </a:rPr>
-              <a:t>μm</a:t>
-            </a:r>
-            <a:r>
-              <a:rPr kumimoji="1" lang="en-US" altLang="zh-TW" dirty="0" smtClean="0">
-                <a:solidFill>
-                  <a:schemeClr val="tx1"/>
-                </a:solidFill>
-              </a:rPr>
-              <a:t> sieve</a:t>
-            </a:r>
-            <a:endParaRPr kumimoji="1" lang="en-US" altLang="zh-TW" baseline="-25000" dirty="0" smtClean="0"/>
-          </a:p>
-          <a:p>
-            <a:pPr marL="342900" indent="-342900">
-              <a:buFontTx/>
-              <a:buAutoNum type="arabicPeriod"/>
-            </a:pPr>
-            <a:r>
-              <a:rPr kumimoji="1" lang="en-US" altLang="zh-TW" dirty="0" smtClean="0">
-                <a:solidFill>
-                  <a:schemeClr val="tx1"/>
-                </a:solidFill>
-              </a:rPr>
-              <a:t>IR</a:t>
-            </a:r>
-            <a:r>
-              <a:rPr kumimoji="1" lang="en-US" altLang="zh-TW" baseline="-25000" dirty="0">
-                <a:solidFill>
-                  <a:schemeClr val="tx1"/>
-                </a:solidFill>
-              </a:rPr>
-              <a:t>5</a:t>
-            </a:r>
-            <a:r>
-              <a:rPr kumimoji="1" lang="en-US" altLang="zh-TW" baseline="-25000" dirty="0" smtClean="0">
-                <a:solidFill>
-                  <a:schemeClr val="tx1"/>
-                </a:solidFill>
-              </a:rPr>
-              <a:t> </a:t>
-            </a:r>
-            <a:r>
-              <a:rPr kumimoji="1" lang="en-US" altLang="zh-TW" dirty="0" smtClean="0">
-                <a:solidFill>
-                  <a:schemeClr val="tx1"/>
-                </a:solidFill>
-              </a:rPr>
-              <a:t>and</a:t>
-            </a:r>
-            <a:r>
-              <a:rPr kumimoji="1" lang="en-US" altLang="zh-TW" baseline="-25000" dirty="0" smtClean="0">
-                <a:solidFill>
-                  <a:schemeClr val="tx1"/>
-                </a:solidFill>
-              </a:rPr>
-              <a:t> </a:t>
-            </a:r>
-            <a:r>
-              <a:rPr kumimoji="1" lang="en-US" altLang="zh-TW" dirty="0" smtClean="0">
-                <a:solidFill>
-                  <a:schemeClr val="tx1"/>
-                </a:solidFill>
-              </a:rPr>
-              <a:t>IR</a:t>
-            </a:r>
-            <a:r>
-              <a:rPr kumimoji="1" lang="en-US" altLang="zh-TW" baseline="-25000" dirty="0" smtClean="0">
-                <a:solidFill>
-                  <a:schemeClr val="tx1"/>
-                </a:solidFill>
-              </a:rPr>
-              <a:t>6</a:t>
-            </a:r>
-            <a:r>
-              <a:rPr kumimoji="1" lang="en-US" altLang="zh-TW" dirty="0" smtClean="0">
-                <a:solidFill>
-                  <a:schemeClr val="tx1"/>
-                </a:solidFill>
-              </a:rPr>
-              <a:t> </a:t>
-            </a:r>
-            <a:r>
-              <a:rPr kumimoji="1" lang="en-US" altLang="zh-TW" dirty="0" smtClean="0"/>
-              <a:t>by </a:t>
-            </a:r>
-            <a:r>
-              <a:rPr kumimoji="1" lang="en-US" altLang="zh-TW" dirty="0"/>
-              <a:t>dilution experiment using </a:t>
-            </a:r>
-            <a:r>
-              <a:rPr kumimoji="1" lang="en-US" altLang="zh-TW" dirty="0" smtClean="0"/>
-              <a:t>20 </a:t>
-            </a:r>
-            <a:r>
-              <a:rPr kumimoji="1" lang="en-US" altLang="zh-TW" dirty="0"/>
-              <a:t>and </a:t>
             </a:r>
             <a:r>
               <a:rPr kumimoji="1" lang="en-US" altLang="zh-TW" dirty="0">
@@ -5287,15 +5198,98 @@
                   <a:schemeClr val="tx1"/>
                 </a:solidFill>
               </a:rPr>
-              <a:t> </a:t>
-            </a:r>
-            <a:r>
-              <a:rPr kumimoji="1" lang="en-US" altLang="zh-TW" dirty="0" smtClean="0">
+              <a:t> sieve</a:t>
+            </a:r>
+            <a:endParaRPr kumimoji="1" lang="en-US" altLang="zh-TW" baseline="-25000" dirty="0"/>
+          </a:p>
+          <a:p>
+            <a:pPr marL="342900" indent="-342900">
+              <a:buFontTx/>
+              <a:buAutoNum type="arabicPeriod"/>
+            </a:pPr>
+            <a:r>
+              <a:rPr kumimoji="1" lang="en-US" altLang="zh-TW" dirty="0">
                 <a:solidFill>
                   <a:schemeClr val="tx1"/>
                 </a:solidFill>
               </a:rPr>
-              <a:t>sieve</a:t>
+              <a:t>IR</a:t>
+            </a:r>
+            <a:r>
+              <a:rPr kumimoji="1" lang="en-US" altLang="zh-TW" baseline="-25000" dirty="0">
+                <a:solidFill>
+                  <a:schemeClr val="tx1"/>
+                </a:solidFill>
+              </a:rPr>
+              <a:t>5 </a:t>
+            </a:r>
+            <a:r>
+              <a:rPr kumimoji="1" lang="en-US" altLang="zh-TW" dirty="0">
+                <a:solidFill>
+                  <a:schemeClr val="tx1"/>
+                </a:solidFill>
+              </a:rPr>
+              <a:t>and</a:t>
+            </a:r>
+            <a:r>
+              <a:rPr kumimoji="1" lang="en-US" altLang="zh-TW" baseline="-25000" dirty="0">
+                <a:solidFill>
+                  <a:schemeClr val="tx1"/>
+                </a:solidFill>
+              </a:rPr>
+              <a:t> </a:t>
+            </a:r>
+            <a:r>
+              <a:rPr kumimoji="1" lang="en-US" altLang="zh-TW" dirty="0">
+                <a:solidFill>
+                  <a:schemeClr val="tx1"/>
+                </a:solidFill>
+              </a:rPr>
+              <a:t>IR</a:t>
+            </a:r>
+            <a:r>
+              <a:rPr kumimoji="1" lang="en-US" altLang="zh-TW" baseline="-25000" dirty="0">
+                <a:solidFill>
+                  <a:schemeClr val="tx1"/>
+                </a:solidFill>
+              </a:rPr>
+              <a:t>6</a:t>
+            </a:r>
+            <a:r>
+              <a:rPr kumimoji="1" lang="en-US" altLang="zh-TW" dirty="0">
+                <a:solidFill>
+                  <a:schemeClr val="tx1"/>
+                </a:solidFill>
+              </a:rPr>
+              <a:t> </a:t>
+            </a:r>
+            <a:r>
+              <a:rPr kumimoji="1" lang="en-US" altLang="zh-TW" dirty="0"/>
+              <a:t>by dilution experiment using 20 and </a:t>
+            </a:r>
+            <a:r>
+              <a:rPr kumimoji="1" lang="en-US" altLang="zh-TW" dirty="0">
+                <a:solidFill>
+                  <a:schemeClr val="tx1"/>
+                </a:solidFill>
+              </a:rPr>
+              <a:t>0.2 </a:t>
+            </a:r>
+            <a:r>
+              <a:rPr kumimoji="1" lang="en-US" altLang="zh-TW" dirty="0" err="1">
+                <a:solidFill>
+                  <a:schemeClr val="tx1"/>
+                </a:solidFill>
+              </a:rPr>
+              <a:t>μm</a:t>
+            </a:r>
+            <a:r>
+              <a:rPr kumimoji="1" lang="en-US" altLang="zh-TW" dirty="0">
+                <a:solidFill>
+                  <a:schemeClr val="tx1"/>
+                </a:solidFill>
+              </a:rPr>
+              <a:t> sieve</a:t>
             </a:r>
             <a:endParaRPr kumimoji="1" lang="en-US" altLang="zh-TW" baseline="-25000" dirty="0"/>
           </a:p>
@@ -5332,7 +5326,7 @@
           <a:p>
             <a:pPr algn="ctr"/>
             <a:r>
-              <a:rPr kumimoji="1" lang="en-US" altLang="zh-TW" b="1" dirty="0" smtClean="0">
+              <a:rPr kumimoji="1" lang="en-US" altLang="zh-TW" b="1" dirty="0">
                 <a:solidFill>
                   <a:srgbClr val="FFFFFF"/>
                 </a:solidFill>
@@ -5466,7 +5460,7 @@
             <a:p>
               <a:pPr algn="ctr"/>
               <a:r>
-                <a:rPr kumimoji="1" lang="en-US" altLang="zh-TW" b="1" dirty="0" smtClean="0">
+                <a:rPr kumimoji="1" lang="en-US" altLang="zh-TW" b="1" dirty="0">
                   <a:solidFill>
                     <a:srgbClr val="FFFFFF"/>
                   </a:solidFill>
@@ -5647,7 +5641,7 @@
             <a:lstStyle/>
             <a:p>
               <a:r>
-                <a:rPr kumimoji="1" lang="en-US" altLang="zh-TW" dirty="0" smtClean="0">
+                <a:rPr kumimoji="1" lang="en-US" altLang="zh-TW" dirty="0">
                   <a:solidFill>
                     <a:srgbClr val="0000FF"/>
                   </a:solidFill>
@@ -5856,7 +5850,7 @@
             <a:lstStyle/>
             <a:p>
               <a:r>
-                <a:rPr kumimoji="1" lang="en-US" altLang="zh-TW" dirty="0" smtClean="0">
+                <a:rPr kumimoji="1" lang="en-US" altLang="zh-TW" dirty="0">
                   <a:solidFill>
                     <a:srgbClr val="0000FF"/>
                   </a:solidFill>
@@ -5864,7 +5858,7 @@
                 <a:t>GR</a:t>
               </a:r>
               <a:r>
-                <a:rPr kumimoji="1" lang="en-US" altLang="zh-TW" baseline="-25000" dirty="0" smtClean="0">
+                <a:rPr kumimoji="1" lang="en-US" altLang="zh-TW" baseline="-25000" dirty="0">
                   <a:solidFill>
                     <a:srgbClr val="0000FF"/>
                   </a:solidFill>
@@ -5904,11 +5898,11 @@
           <a:p>
             <a:pPr algn="ctr"/>
             <a:r>
-              <a:rPr kumimoji="1" lang="en-US" altLang="zh-TW" dirty="0" smtClean="0"/>
+              <a:rPr kumimoji="1" lang="en-US" altLang="zh-TW" dirty="0"/>
               <a:t>2-20 </a:t>
             </a:r>
             <a:r>
-              <a:rPr kumimoji="1" lang="en-US" altLang="zh-TW" dirty="0" err="1" smtClean="0"/>
+              <a:rPr kumimoji="1" lang="en-US" altLang="zh-TW" dirty="0" err="1"/>
               <a:t>μm</a:t>
             </a:r>
             <a:endParaRPr kumimoji="1" lang="zh-TW" altLang="en-US" dirty="0"/>
@@ -5938,7 +5932,7 @@
           <a:lstStyle/>
           <a:p>
             <a:r>
-              <a:rPr kumimoji="1" lang="en-US" altLang="zh-TW" dirty="0" smtClean="0">
+              <a:rPr kumimoji="1" lang="en-US" altLang="zh-TW" dirty="0">
                 <a:solidFill>
                   <a:srgbClr val="FF0000"/>
                 </a:solidFill>
@@ -6003,14 +5997,14 @@
             <a:lstStyle/>
             <a:p>
               <a:r>
-                <a:rPr kumimoji="1" lang="en-US" altLang="zh-TW" b="1" dirty="0" err="1" smtClean="0">
+                <a:rPr kumimoji="1" lang="en-US" altLang="zh-TW" b="1" dirty="0" err="1">
                   <a:solidFill>
                     <a:srgbClr val="FFFFFF"/>
                   </a:solidFill>
                 </a:rPr>
                 <a:t>Microphyto</a:t>
               </a:r>
-              <a:endParaRPr kumimoji="1" lang="en-US" altLang="zh-TW" b="1" dirty="0" smtClean="0">
+              <a:endParaRPr kumimoji="1" lang="en-US" altLang="zh-TW" b="1" dirty="0">
                 <a:solidFill>
                   <a:srgbClr val="FFFFFF"/>
                 </a:solidFill>
@@ -6041,7 +6035,7 @@
             <a:lstStyle/>
             <a:p>
               <a:r>
-                <a:rPr kumimoji="1" lang="en-US" altLang="zh-TW" dirty="0" smtClean="0">
+                <a:rPr kumimoji="1" lang="en-US" altLang="zh-TW" dirty="0">
                   <a:solidFill>
                     <a:srgbClr val="0000FF"/>
                   </a:solidFill>
@@ -6244,7 +6238,7 @@
             <a:p>
               <a:pPr algn="ctr"/>
               <a:r>
-                <a:rPr kumimoji="1" lang="en-US" altLang="zh-TW" b="1" dirty="0" smtClean="0">
+                <a:rPr kumimoji="1" lang="en-US" altLang="zh-TW" b="1" dirty="0">
                   <a:solidFill>
                     <a:srgbClr val="FFFFFF"/>
                   </a:solidFill>
@@ -6411,7 +6405,7 @@
             <a:lstStyle/>
             <a:p>
               <a:r>
-                <a:rPr kumimoji="1" lang="en-US" altLang="zh-TW" dirty="0" smtClean="0">
+                <a:rPr kumimoji="1" lang="en-US" altLang="zh-TW" dirty="0">
                   <a:solidFill>
                     <a:srgbClr val="0000FF"/>
                   </a:solidFill>
@@ -6419,7 +6413,7 @@
                 <a:t>GR</a:t>
               </a:r>
               <a:r>
-                <a:rPr kumimoji="1" lang="en-US" altLang="zh-TW" baseline="-25000" dirty="0" smtClean="0">
+                <a:rPr kumimoji="1" lang="en-US" altLang="zh-TW" baseline="-25000" dirty="0">
                   <a:solidFill>
                     <a:srgbClr val="0000FF"/>
                   </a:solidFill>
@@ -6458,7 +6452,7 @@
           <a:lstStyle/>
           <a:p>
             <a:r>
-              <a:rPr kumimoji="1" lang="en-US" altLang="zh-TW" dirty="0" smtClean="0">
+              <a:rPr kumimoji="1" lang="en-US" altLang="zh-TW" dirty="0">
                 <a:solidFill>
                   <a:srgbClr val="FF0000"/>
                 </a:solidFill>
@@ -6541,7 +6535,7 @@
           <a:lstStyle/>
           <a:p>
             <a:r>
-              <a:rPr kumimoji="1" lang="en-US" altLang="zh-TW" dirty="0" smtClean="0">
+              <a:rPr kumimoji="1" lang="en-US" altLang="zh-TW" dirty="0">
                 <a:solidFill>
                   <a:srgbClr val="FF0000"/>
                 </a:solidFill>
@@ -6594,7 +6588,7 @@
           <a:p>
             <a:pPr algn="ctr"/>
             <a:r>
-              <a:rPr kumimoji="1" lang="en-US" altLang="zh-TW" b="1" dirty="0" smtClean="0">
+              <a:rPr kumimoji="1" lang="en-US" altLang="zh-TW" b="1" dirty="0">
                 <a:solidFill>
                   <a:schemeClr val="bg1"/>
                 </a:solidFill>
@@ -6627,11 +6621,11 @@
           <a:lstStyle/>
           <a:p>
             <a:r>
-              <a:rPr kumimoji="1" lang="en-US" altLang="zh-TW" dirty="0" smtClean="0"/>
+              <a:rPr kumimoji="1" lang="en-US" altLang="zh-TW" dirty="0"/>
               <a:t>&gt; 200 </a:t>
             </a:r>
             <a:r>
-              <a:rPr kumimoji="1" lang="en-US" altLang="zh-TW" dirty="0" err="1" smtClean="0"/>
+              <a:rPr kumimoji="1" lang="en-US" altLang="zh-TW" dirty="0" err="1"/>
               <a:t>μm</a:t>
             </a:r>
             <a:endParaRPr kumimoji="1" lang="zh-TW" altLang="en-US" dirty="0"/>
@@ -6823,7 +6817,7 @@
           <a:lstStyle/>
           <a:p>
             <a:r>
-              <a:rPr kumimoji="1" lang="en-US" altLang="zh-TW" dirty="0" smtClean="0">
+              <a:rPr kumimoji="1" lang="en-US" altLang="zh-TW" dirty="0">
                 <a:solidFill>
                   <a:srgbClr val="FF0000"/>
                 </a:solidFill>
@@ -6831,7 +6825,7 @@
               <a:t>IR</a:t>
             </a:r>
             <a:r>
-              <a:rPr kumimoji="1" lang="en-US" altLang="zh-TW" baseline="-25000" dirty="0" smtClean="0">
+              <a:rPr kumimoji="1" lang="en-US" altLang="zh-TW" baseline="-25000" dirty="0">
                 <a:solidFill>
                   <a:srgbClr val="FF0000"/>
                 </a:solidFill>
@@ -6869,7 +6863,7 @@
           <a:lstStyle/>
           <a:p>
             <a:r>
-              <a:rPr kumimoji="1" lang="en-US" altLang="zh-TW" dirty="0" smtClean="0">
+              <a:rPr kumimoji="1" lang="en-US" altLang="zh-TW" dirty="0">
                 <a:solidFill>
                   <a:srgbClr val="FF0000"/>
                 </a:solidFill>
@@ -6882,15 +6876,7 @@
                   <a:srgbClr val="FF0000"/>
                 </a:solidFill>
               </a:rPr>
-              <a:t>4</a:t>
-            </a:r>
-            <a:r>
-              <a:rPr kumimoji="1" lang="en-US" altLang="zh-TW" baseline="-25000" dirty="0" smtClean="0">
-                <a:solidFill>
-                  <a:srgbClr val="FF0000"/>
-                </a:solidFill>
-              </a:rPr>
-              <a:t>a</a:t>
+              <a:t>4a</a:t>
             </a:r>
             <a:endParaRPr kumimoji="1" lang="zh-TW" altLang="en-US" baseline="-25000" dirty="0">
               <a:solidFill>
@@ -6953,85 +6939,81 @@
           <a:lstStyle/>
           <a:p>
             <a:r>
-              <a:rPr kumimoji="1" lang="en-US" altLang="zh-TW" dirty="0" smtClean="0"/>
+              <a:rPr kumimoji="1" lang="en-US" altLang="zh-TW" dirty="0"/>
               <a:t>IR</a:t>
             </a:r>
             <a:r>
-              <a:rPr kumimoji="1" lang="en-US" altLang="zh-TW" baseline="-25000" dirty="0" smtClean="0"/>
+              <a:rPr kumimoji="1" lang="en-US" altLang="zh-TW" baseline="-25000" dirty="0"/>
               <a:t>1a</a:t>
             </a:r>
             <a:r>
-              <a:rPr kumimoji="1" lang="en-US" altLang="zh-TW" dirty="0" smtClean="0"/>
+              <a:rPr kumimoji="1" lang="en-US" altLang="zh-TW" dirty="0"/>
               <a:t>+IR</a:t>
             </a:r>
             <a:r>
-              <a:rPr kumimoji="1" lang="en-US" altLang="zh-TW" baseline="-25000" dirty="0" smtClean="0"/>
+              <a:rPr kumimoji="1" lang="en-US" altLang="zh-TW" baseline="-25000" dirty="0"/>
               <a:t>1b</a:t>
             </a:r>
             <a:r>
-              <a:rPr kumimoji="1" lang="en-US" altLang="zh-TW" dirty="0" smtClean="0"/>
+              <a:rPr kumimoji="1" lang="en-US" altLang="zh-TW" dirty="0"/>
               <a:t>:</a:t>
             </a:r>
             <a:r>
-              <a:rPr kumimoji="1" lang="zh-TW" altLang="en-US" dirty="0" smtClean="0"/>
+              <a:rPr kumimoji="1" lang="zh-TW" altLang="en-US" dirty="0"/>
               <a:t> </a:t>
             </a:r>
             <a:r>
-              <a:rPr kumimoji="1" lang="en-US" altLang="zh-TW" dirty="0" smtClean="0"/>
+              <a:rPr kumimoji="1" lang="en-US" altLang="zh-TW" dirty="0"/>
               <a:t>Prepare</a:t>
             </a:r>
             <a:r>
-              <a:rPr kumimoji="1" lang="zh-TW" altLang="en-US" dirty="0" smtClean="0"/>
+              <a:rPr kumimoji="1" lang="zh-TW" altLang="en-US" dirty="0"/>
               <a:t> </a:t>
             </a:r>
             <a:r>
-              <a:rPr kumimoji="1" lang="en-US" altLang="zh-TW" dirty="0" smtClean="0"/>
+              <a:rPr kumimoji="1" lang="en-US" altLang="zh-TW" dirty="0"/>
               <a:t>regular</a:t>
             </a:r>
             <a:r>
-              <a:rPr kumimoji="1" lang="zh-TW" altLang="en-US" dirty="0" smtClean="0"/>
+              <a:rPr kumimoji="1" lang="zh-TW" altLang="en-US" dirty="0"/>
               <a:t> </a:t>
             </a:r>
             <a:r>
-              <a:rPr kumimoji="1" lang="en-US" altLang="zh-TW" dirty="0" smtClean="0"/>
+              <a:rPr kumimoji="1" lang="en-US" altLang="zh-TW" dirty="0"/>
               <a:t>dilution</a:t>
             </a:r>
             <a:r>
-              <a:rPr kumimoji="1" lang="zh-TW" altLang="en-US" dirty="0" smtClean="0"/>
+              <a:rPr kumimoji="1" lang="zh-TW" altLang="en-US" dirty="0"/>
               <a:t> </a:t>
             </a:r>
             <a:r>
-              <a:rPr kumimoji="1" lang="en-US" altLang="zh-TW" dirty="0" smtClean="0"/>
+              <a:rPr kumimoji="1" lang="en-US" altLang="zh-TW" dirty="0"/>
               <a:t>experiment with 50 </a:t>
             </a:r>
             <a:r>
-              <a:rPr kumimoji="1" lang="en-US" altLang="zh-TW" dirty="0" err="1" smtClean="0"/>
+              <a:rPr kumimoji="1" lang="en-US" altLang="zh-TW" dirty="0" err="1"/>
               <a:t>μm</a:t>
             </a:r>
             <a:r>
-              <a:rPr kumimoji="1" lang="en-US" altLang="zh-TW" dirty="0" smtClean="0"/>
+              <a:rPr kumimoji="1" lang="en-US" altLang="zh-TW" dirty="0"/>
               <a:t> sieve. 50 </a:t>
             </a:r>
             <a:r>
-              <a:rPr kumimoji="1" lang="en-US" altLang="zh-TW" dirty="0" err="1" smtClean="0"/>
+              <a:rPr kumimoji="1" lang="en-US" altLang="zh-TW" dirty="0" err="1"/>
               <a:t>μm</a:t>
             </a:r>
             <a:r>
               <a:rPr kumimoji="1" lang="en-US" altLang="zh-TW" dirty="0"/>
-              <a:t>-</a:t>
-            </a:r>
-            <a:r>
-              <a:rPr kumimoji="1" lang="en-US" altLang="zh-TW" dirty="0" smtClean="0"/>
-              <a:t>filtered water (no copepod larvae; with ciliates, flagellates, bacteria) is the diluent. Water with copepod is prepared by plankton net concentrates.</a:t>
-            </a:r>
-          </a:p>
-          <a:p>
-            <a:r>
-              <a:rPr kumimoji="1" lang="en-US" altLang="zh-TW" dirty="0" smtClean="0"/>
+              <a:t>-filtered water (no copepod larvae; with ciliates, flagellates, bacteria) is the diluent. Water with copepod is prepared by plankton net concentrates.</a:t>
+            </a:r>
+          </a:p>
+          <a:p>
+            <a:r>
+              <a:rPr kumimoji="1" lang="en-US" altLang="zh-TW" dirty="0"/>
               <a:t>Note: To know the degree of concentrating, </a:t>
             </a:r>
             <a:r>
-              <a:rPr kumimoji="1" lang="en-US" altLang="zh-TW" dirty="0" err="1" smtClean="0">
+              <a:rPr kumimoji="1" lang="en-US" altLang="zh-TW" dirty="0" err="1">
                 <a:solidFill>
                   <a:srgbClr val="FF0000"/>
                 </a:solidFill>
@@ -7039,11 +7021,11 @@
               <a:t>flowmeters</a:t>
             </a:r>
             <a:r>
-              <a:rPr kumimoji="1" lang="en-US" altLang="zh-TW" dirty="0" smtClean="0"/>
+              <a:rPr kumimoji="1" lang="en-US" altLang="zh-TW" dirty="0"/>
               <a:t> should be used and record the </a:t>
             </a:r>
             <a:r>
-              <a:rPr kumimoji="1" lang="en-US" altLang="zh-TW" dirty="0" smtClean="0">
+              <a:rPr kumimoji="1" lang="en-US" altLang="zh-TW" dirty="0">
                 <a:solidFill>
                   <a:srgbClr val="FF0000"/>
                 </a:solidFill>
@@ -7051,23 +7033,23 @@
               <a:t>volume of incubation water </a:t>
             </a:r>
             <a:r>
-              <a:rPr kumimoji="1" lang="en-US" altLang="zh-TW" dirty="0" smtClean="0"/>
+              <a:rPr kumimoji="1" lang="en-US" altLang="zh-TW" dirty="0"/>
               <a:t>used for suspending the concentrate. By dividing the concentrating index we may get a better estimation of natural IR</a:t>
             </a:r>
             <a:r>
-              <a:rPr kumimoji="1" lang="en-US" altLang="zh-TW" baseline="-25000" dirty="0" smtClean="0"/>
+              <a:rPr kumimoji="1" lang="en-US" altLang="zh-TW" baseline="-25000" dirty="0"/>
               <a:t>1a</a:t>
             </a:r>
             <a:r>
-              <a:rPr kumimoji="1" lang="en-US" altLang="zh-TW" dirty="0" smtClean="0"/>
+              <a:rPr kumimoji="1" lang="en-US" altLang="zh-TW" dirty="0"/>
               <a:t>+IR</a:t>
             </a:r>
             <a:r>
-              <a:rPr kumimoji="1" lang="en-US" altLang="zh-TW" baseline="-25000" dirty="0" smtClean="0"/>
+              <a:rPr kumimoji="1" lang="en-US" altLang="zh-TW" baseline="-25000" dirty="0"/>
               <a:t>1b</a:t>
             </a:r>
             <a:r>
-              <a:rPr kumimoji="1" lang="en-US" altLang="zh-TW" dirty="0" smtClean="0"/>
+              <a:rPr kumimoji="1" lang="en-US" altLang="zh-TW" dirty="0"/>
               <a:t> for copepod larvae.</a:t>
             </a:r>
           </a:p>
@@ -7143,11 +7125,11 @@
           <a:lstStyle/>
           <a:p>
             <a:r>
-              <a:rPr kumimoji="1" lang="en-US" altLang="zh-TW" dirty="0" smtClean="0"/>
+              <a:rPr kumimoji="1" lang="en-US" altLang="zh-TW" dirty="0"/>
               <a:t>100-150 </a:t>
             </a:r>
             <a:r>
-              <a:rPr kumimoji="1" lang="en-US" altLang="zh-TW" dirty="0" err="1" smtClean="0"/>
+              <a:rPr kumimoji="1" lang="en-US" altLang="zh-TW" dirty="0" err="1"/>
               <a:t>μm</a:t>
             </a:r>
             <a:endParaRPr kumimoji="1" lang="zh-TW" altLang="en-US" dirty="0"/>
@@ -7177,11 +7159,11 @@
           <a:lstStyle/>
           <a:p>
             <a:r>
-              <a:rPr kumimoji="1" lang="en-US" altLang="zh-TW" dirty="0" smtClean="0"/>
+              <a:rPr kumimoji="1" lang="en-US" altLang="zh-TW" dirty="0"/>
               <a:t>50-80 </a:t>
             </a:r>
             <a:r>
-              <a:rPr kumimoji="1" lang="en-US" altLang="zh-TW" dirty="0" err="1" smtClean="0"/>
+              <a:rPr kumimoji="1" lang="en-US" altLang="zh-TW" dirty="0" err="1"/>
               <a:t>μm</a:t>
             </a:r>
             <a:endParaRPr kumimoji="1" lang="zh-TW" altLang="en-US" dirty="0"/>
@@ -7212,11 +7194,11 @@
           <a:p>
             <a:pPr algn="ctr"/>
             <a:r>
-              <a:rPr kumimoji="1" lang="en-US" altLang="zh-TW" dirty="0" smtClean="0"/>
+              <a:rPr kumimoji="1" lang="en-US" altLang="zh-TW" dirty="0"/>
               <a:t>200-20 </a:t>
             </a:r>
             <a:r>
-              <a:rPr kumimoji="1" lang="en-US" altLang="zh-TW" dirty="0" err="1" smtClean="0"/>
+              <a:rPr kumimoji="1" lang="en-US" altLang="zh-TW" dirty="0" err="1"/>
               <a:t>μm</a:t>
             </a:r>
             <a:endParaRPr kumimoji="1" lang="zh-TW" altLang="en-US" dirty="0"/>
@@ -7286,7 +7268,7 @@
           <a:lstStyle/>
           <a:p>
             <a:r>
-              <a:rPr kumimoji="1" lang="en-US" altLang="zh-TW" dirty="0" smtClean="0">
+              <a:rPr kumimoji="1" lang="en-US" altLang="zh-TW" dirty="0">
                 <a:solidFill>
                   <a:srgbClr val="FF0000"/>
                 </a:solidFill>
@@ -7294,7 +7276,7 @@
               <a:t>IR</a:t>
             </a:r>
             <a:r>
-              <a:rPr kumimoji="1" lang="en-US" altLang="zh-TW" baseline="-25000" dirty="0" smtClean="0">
+              <a:rPr kumimoji="1" lang="en-US" altLang="zh-TW" baseline="-25000" dirty="0">
                 <a:solidFill>
                   <a:srgbClr val="FF0000"/>
                 </a:solidFill>
@@ -7372,7 +7354,7 @@
           <a:lstStyle/>
           <a:p>
             <a:r>
-              <a:rPr kumimoji="1" lang="en-US" altLang="zh-TW" dirty="0" smtClean="0">
+              <a:rPr kumimoji="1" lang="en-US" altLang="zh-TW" dirty="0">
                 <a:solidFill>
                   <a:srgbClr val="FF0000"/>
                 </a:solidFill>
@@ -7380,7 +7362,7 @@
               <a:t>IR</a:t>
             </a:r>
             <a:r>
-              <a:rPr kumimoji="1" lang="en-US" altLang="zh-TW" baseline="-25000" dirty="0" smtClean="0">
+              <a:rPr kumimoji="1" lang="en-US" altLang="zh-TW" baseline="-25000" dirty="0">
                 <a:solidFill>
                   <a:srgbClr val="FF0000"/>
                 </a:solidFill>
@@ -7458,7 +7440,7 @@
           <a:lstStyle/>
           <a:p>
             <a:r>
-              <a:rPr kumimoji="1" lang="en-US" altLang="zh-TW" dirty="0" smtClean="0">
+              <a:rPr kumimoji="1" lang="en-US" altLang="zh-TW" dirty="0">
                 <a:solidFill>
                   <a:srgbClr val="FF0000"/>
                 </a:solidFill>
@@ -7466,7 +7448,7 @@
               <a:t>IR</a:t>
             </a:r>
             <a:r>
-              <a:rPr kumimoji="1" lang="en-US" altLang="zh-TW" baseline="-25000" dirty="0" smtClean="0">
+              <a:rPr kumimoji="1" lang="en-US" altLang="zh-TW" baseline="-25000" dirty="0">
                 <a:solidFill>
                   <a:srgbClr val="FF0000"/>
                 </a:solidFill>
@@ -7524,14 +7506,14 @@
             <a:lstStyle/>
             <a:p>
               <a:r>
-                <a:rPr kumimoji="1" lang="en-US" altLang="zh-TW" b="1" dirty="0" err="1" smtClean="0">
+                <a:rPr kumimoji="1" lang="en-US" altLang="zh-TW" b="1" dirty="0" err="1">
                   <a:solidFill>
                     <a:schemeClr val="bg1"/>
                   </a:solidFill>
                 </a:rPr>
                 <a:t>Copepodites</a:t>
               </a:r>
-              <a:endParaRPr kumimoji="1" lang="en-US" altLang="zh-TW" b="1" dirty="0" smtClean="0">
+              <a:endParaRPr kumimoji="1" lang="en-US" altLang="zh-TW" b="1" dirty="0">
                 <a:solidFill>
                   <a:schemeClr val="bg1"/>
                 </a:solidFill>
@@ -7571,14 +7553,14 @@
             <a:p>
               <a:pPr algn="ctr"/>
               <a:r>
-                <a:rPr kumimoji="1" lang="en-US" altLang="zh-TW" b="1" dirty="0" err="1" smtClean="0">
+                <a:rPr kumimoji="1" lang="en-US" altLang="zh-TW" b="1" dirty="0" err="1">
                   <a:solidFill>
                     <a:schemeClr val="bg1"/>
                   </a:solidFill>
                 </a:rPr>
                 <a:t>Nauplia</a:t>
               </a:r>
-              <a:endParaRPr kumimoji="1" lang="en-US" altLang="zh-TW" b="1" dirty="0" smtClean="0">
+              <a:endParaRPr kumimoji="1" lang="en-US" altLang="zh-TW" b="1" dirty="0">
                 <a:solidFill>
                   <a:schemeClr val="bg1"/>
                 </a:solidFill>
@@ -7616,7 +7598,7 @@
           <a:p>
             <a:pPr algn="ctr"/>
             <a:r>
-              <a:rPr kumimoji="1" lang="en-US" altLang="zh-TW" b="1" dirty="0" smtClean="0">
+              <a:rPr kumimoji="1" lang="en-US" altLang="zh-TW" b="1" dirty="0">
                 <a:solidFill>
                   <a:schemeClr val="bg1"/>
                 </a:solidFill>
@@ -7627,7 +7609,7 @@
           <a:p>
             <a:pPr algn="ctr"/>
             <a:r>
-              <a:rPr kumimoji="1" lang="en-US" altLang="zh-TW" b="1" dirty="0" smtClean="0">
+              <a:rPr kumimoji="1" lang="en-US" altLang="zh-TW" b="1" dirty="0">
                 <a:solidFill>
                   <a:srgbClr val="FFFFFF"/>
                 </a:solidFill>
@@ -7635,7 +7617,7 @@
               <a:t>(</a:t>
             </a:r>
             <a:r>
-              <a:rPr kumimoji="1" lang="en-US" altLang="zh-TW" b="1" dirty="0" err="1" smtClean="0">
+              <a:rPr kumimoji="1" lang="en-US" altLang="zh-TW" b="1" dirty="0" err="1">
                 <a:solidFill>
                   <a:srgbClr val="FFFFFF"/>
                 </a:solidFill>
@@ -7643,7 +7625,7 @@
               <a:t>microzoo</a:t>
             </a:r>
             <a:r>
-              <a:rPr kumimoji="1" lang="en-US" altLang="zh-TW" b="1" dirty="0" smtClean="0">
+              <a:rPr kumimoji="1" lang="en-US" altLang="zh-TW" b="1" dirty="0">
                 <a:solidFill>
                   <a:srgbClr val="FFFFFF"/>
                 </a:solidFill>
@@ -7681,14 +7663,14 @@
           <a:lstStyle/>
           <a:p>
             <a:r>
-              <a:rPr kumimoji="1" lang="en-US" altLang="zh-TW" b="1" dirty="0" err="1" smtClean="0">
+              <a:rPr kumimoji="1" lang="en-US" altLang="zh-TW" b="1" dirty="0" err="1">
                 <a:solidFill>
                   <a:srgbClr val="FFFFFF"/>
                 </a:solidFill>
               </a:rPr>
               <a:t>Microphyto</a:t>
             </a:r>
-            <a:endParaRPr kumimoji="1" lang="en-US" altLang="zh-TW" b="1" dirty="0" smtClean="0">
+            <a:endParaRPr kumimoji="1" lang="en-US" altLang="zh-TW" b="1" dirty="0">
               <a:solidFill>
                 <a:srgbClr val="FFFFFF"/>
               </a:solidFill>
@@ -7719,7 +7701,7 @@
           <a:lstStyle/>
           <a:p>
             <a:r>
-              <a:rPr kumimoji="1" lang="en-US" altLang="zh-TW" dirty="0" smtClean="0">
+              <a:rPr kumimoji="1" lang="en-US" altLang="zh-TW" dirty="0">
                 <a:solidFill>
                   <a:srgbClr val="FF0000"/>
                 </a:solidFill>
@@ -7772,7 +7754,7 @@
           <a:p>
             <a:pPr algn="ctr"/>
             <a:r>
-              <a:rPr kumimoji="1" lang="en-US" altLang="zh-TW" b="1" dirty="0" smtClean="0">
+              <a:rPr kumimoji="1" lang="en-US" altLang="zh-TW" b="1" dirty="0">
                 <a:solidFill>
                   <a:schemeClr val="bg1"/>
                 </a:solidFill>
@@ -7805,11 +7787,11 @@
           <a:lstStyle/>
           <a:p>
             <a:r>
-              <a:rPr kumimoji="1" lang="en-US" altLang="zh-TW" dirty="0" smtClean="0"/>
+              <a:rPr kumimoji="1" lang="en-US" altLang="zh-TW" dirty="0"/>
               <a:t>&gt; 200 </a:t>
             </a:r>
             <a:r>
-              <a:rPr kumimoji="1" lang="en-US" altLang="zh-TW" dirty="0" err="1" smtClean="0"/>
+              <a:rPr kumimoji="1" lang="en-US" altLang="zh-TW" dirty="0" err="1"/>
               <a:t>μm</a:t>
             </a:r>
             <a:endParaRPr kumimoji="1" lang="zh-TW" altLang="en-US" dirty="0"/>
@@ -8001,7 +7983,7 @@
           <a:lstStyle/>
           <a:p>
             <a:r>
-              <a:rPr kumimoji="1" lang="en-US" altLang="zh-TW" dirty="0" smtClean="0">
+              <a:rPr kumimoji="1" lang="en-US" altLang="zh-TW" dirty="0">
                 <a:solidFill>
                   <a:srgbClr val="FF0000"/>
                 </a:solidFill>
@@ -8009,7 +7991,7 @@
               <a:t>IR</a:t>
             </a:r>
             <a:r>
-              <a:rPr kumimoji="1" lang="en-US" altLang="zh-TW" baseline="-25000" dirty="0" smtClean="0">
+              <a:rPr kumimoji="1" lang="en-US" altLang="zh-TW" baseline="-25000" dirty="0">
                 <a:solidFill>
                   <a:srgbClr val="FF0000"/>
                 </a:solidFill>
@@ -8123,111 +8105,111 @@
           <a:lstStyle/>
           <a:p>
             <a:r>
-              <a:rPr kumimoji="1" lang="en-US" altLang="zh-TW" dirty="0" smtClean="0"/>
+              <a:rPr kumimoji="1" lang="en-US" altLang="zh-TW" dirty="0"/>
               <a:t>IR</a:t>
             </a:r>
             <a:r>
-              <a:rPr kumimoji="1" lang="en-US" altLang="zh-TW" baseline="-25000" dirty="0" smtClean="0"/>
+              <a:rPr kumimoji="1" lang="en-US" altLang="zh-TW" baseline="-25000" dirty="0"/>
               <a:t>2a</a:t>
             </a:r>
             <a:r>
-              <a:rPr kumimoji="1" lang="en-US" altLang="zh-TW" dirty="0" smtClean="0"/>
+              <a:rPr kumimoji="1" lang="en-US" altLang="zh-TW" dirty="0"/>
               <a:t>, IR</a:t>
             </a:r>
             <a:r>
-              <a:rPr kumimoji="1" lang="en-US" altLang="zh-TW" baseline="-25000" dirty="0" smtClean="0"/>
+              <a:rPr kumimoji="1" lang="en-US" altLang="zh-TW" baseline="-25000" dirty="0"/>
               <a:t>2b</a:t>
             </a:r>
             <a:r>
-              <a:rPr kumimoji="1" lang="en-US" altLang="zh-TW" dirty="0" smtClean="0"/>
+              <a:rPr kumimoji="1" lang="en-US" altLang="zh-TW" dirty="0"/>
               <a:t>, IR</a:t>
             </a:r>
             <a:r>
-              <a:rPr kumimoji="1" lang="en-US" altLang="zh-TW" baseline="-25000" dirty="0" smtClean="0"/>
+              <a:rPr kumimoji="1" lang="en-US" altLang="zh-TW" baseline="-25000" dirty="0"/>
               <a:t>3</a:t>
             </a:r>
             <a:r>
-              <a:rPr kumimoji="1" lang="en-US" altLang="zh-TW" dirty="0" smtClean="0"/>
+              <a:rPr kumimoji="1" lang="en-US" altLang="zh-TW" dirty="0"/>
               <a:t>, IR</a:t>
             </a:r>
             <a:r>
-              <a:rPr kumimoji="1" lang="en-US" altLang="zh-TW" baseline="-25000" dirty="0" smtClean="0"/>
+              <a:rPr kumimoji="1" lang="en-US" altLang="zh-TW" baseline="-25000" dirty="0"/>
               <a:t>4a</a:t>
             </a:r>
             <a:r>
-              <a:rPr kumimoji="1" lang="en-US" altLang="zh-TW" dirty="0" smtClean="0"/>
+              <a:rPr kumimoji="1" lang="en-US" altLang="zh-TW" dirty="0"/>
               <a:t>, IR</a:t>
             </a:r>
             <a:r>
-              <a:rPr kumimoji="1" lang="en-US" altLang="zh-TW" baseline="-25000" dirty="0" smtClean="0"/>
+              <a:rPr kumimoji="1" lang="en-US" altLang="zh-TW" baseline="-25000" dirty="0"/>
               <a:t>4b</a:t>
             </a:r>
             <a:r>
-              <a:rPr kumimoji="1" lang="en-US" altLang="zh-TW" dirty="0" smtClean="0"/>
+              <a:rPr kumimoji="1" lang="en-US" altLang="zh-TW" dirty="0"/>
               <a:t>:</a:t>
             </a:r>
             <a:r>
-              <a:rPr kumimoji="1" lang="zh-TW" altLang="en-US" dirty="0" smtClean="0"/>
+              <a:rPr kumimoji="1" lang="zh-TW" altLang="en-US" dirty="0"/>
               <a:t> </a:t>
             </a:r>
             <a:r>
-              <a:rPr kumimoji="1" lang="en-US" altLang="zh-TW" dirty="0" smtClean="0"/>
+              <a:rPr kumimoji="1" lang="en-US" altLang="zh-TW" dirty="0"/>
               <a:t>Prepare</a:t>
             </a:r>
             <a:r>
-              <a:rPr kumimoji="1" lang="zh-TW" altLang="en-US" dirty="0" smtClean="0"/>
+              <a:rPr kumimoji="1" lang="zh-TW" altLang="en-US" dirty="0"/>
               <a:t> </a:t>
             </a:r>
             <a:r>
-              <a:rPr kumimoji="1" lang="en-US" altLang="zh-TW" dirty="0" smtClean="0"/>
+              <a:rPr kumimoji="1" lang="en-US" altLang="zh-TW" dirty="0"/>
               <a:t>regular</a:t>
             </a:r>
             <a:r>
-              <a:rPr kumimoji="1" lang="zh-TW" altLang="en-US" dirty="0" smtClean="0"/>
+              <a:rPr kumimoji="1" lang="zh-TW" altLang="en-US" dirty="0"/>
               <a:t> </a:t>
             </a:r>
             <a:r>
-              <a:rPr kumimoji="1" lang="en-US" altLang="zh-TW" dirty="0" smtClean="0"/>
+              <a:rPr kumimoji="1" lang="en-US" altLang="zh-TW" dirty="0"/>
               <a:t>dilution</a:t>
             </a:r>
             <a:r>
-              <a:rPr kumimoji="1" lang="zh-TW" altLang="en-US" dirty="0" smtClean="0"/>
+              <a:rPr kumimoji="1" lang="zh-TW" altLang="en-US" dirty="0"/>
               <a:t> </a:t>
             </a:r>
             <a:r>
-              <a:rPr kumimoji="1" lang="en-US" altLang="zh-TW" dirty="0" smtClean="0"/>
+              <a:rPr kumimoji="1" lang="en-US" altLang="zh-TW" dirty="0"/>
               <a:t>experiment with 0.2 </a:t>
             </a:r>
             <a:r>
-              <a:rPr kumimoji="1" lang="en-US" altLang="zh-TW" dirty="0" err="1" smtClean="0"/>
+              <a:rPr kumimoji="1" lang="en-US" altLang="zh-TW" dirty="0" err="1"/>
               <a:t>μm</a:t>
             </a:r>
             <a:r>
-              <a:rPr kumimoji="1" lang="en-US" altLang="zh-TW" dirty="0" smtClean="0"/>
+              <a:rPr kumimoji="1" lang="en-US" altLang="zh-TW" dirty="0"/>
               <a:t> and 200 </a:t>
             </a:r>
             <a:r>
-              <a:rPr kumimoji="1" lang="en-US" altLang="zh-TW" dirty="0" err="1" smtClean="0"/>
+              <a:rPr kumimoji="1" lang="en-US" altLang="zh-TW" dirty="0" err="1"/>
               <a:t>μm</a:t>
             </a:r>
             <a:r>
-              <a:rPr kumimoji="1" lang="en-US" altLang="zh-TW" dirty="0" smtClean="0"/>
+              <a:rPr kumimoji="1" lang="en-US" altLang="zh-TW" dirty="0"/>
               <a:t> sieves. 0.2 </a:t>
             </a:r>
             <a:r>
-              <a:rPr kumimoji="1" lang="en-US" altLang="zh-TW" dirty="0" err="1" smtClean="0"/>
+              <a:rPr kumimoji="1" lang="en-US" altLang="zh-TW" dirty="0" err="1"/>
               <a:t>μm</a:t>
             </a:r>
             <a:r>
-              <a:rPr kumimoji="1" lang="en-US" altLang="zh-TW" dirty="0" smtClean="0"/>
+              <a:rPr kumimoji="1" lang="en-US" altLang="zh-TW" dirty="0"/>
               <a:t>-filtered water (should be particle-free) is the diluent. 200 </a:t>
             </a:r>
             <a:r>
-              <a:rPr kumimoji="1" lang="en-US" altLang="zh-TW" dirty="0" err="1" smtClean="0"/>
+              <a:rPr kumimoji="1" lang="en-US" altLang="zh-TW" dirty="0" err="1"/>
               <a:t>μm</a:t>
             </a:r>
             <a:r>
-              <a:rPr kumimoji="1" lang="en-US" altLang="zh-TW" dirty="0" smtClean="0"/>
+              <a:rPr kumimoji="1" lang="en-US" altLang="zh-TW" dirty="0"/>
               <a:t>-filtered water (ciliates, flagellates, bacteria) is the water with predators.</a:t>
             </a:r>
           </a:p>
@@ -8236,23 +8218,23 @@
               <a:buAutoNum type="arabicParenBoth"/>
             </a:pPr>
             <a:r>
-              <a:rPr kumimoji="1" lang="en-US" altLang="zh-TW" dirty="0" smtClean="0"/>
+              <a:rPr kumimoji="1" lang="en-US" altLang="zh-TW" dirty="0"/>
               <a:t>Use onboard </a:t>
             </a:r>
             <a:r>
-              <a:rPr kumimoji="1" lang="en-US" altLang="zh-TW" dirty="0" err="1" smtClean="0"/>
+              <a:rPr kumimoji="1" lang="en-US" altLang="zh-TW" dirty="0" err="1"/>
               <a:t>FlowCam</a:t>
             </a:r>
             <a:r>
-              <a:rPr kumimoji="1" lang="en-US" altLang="zh-TW" dirty="0" smtClean="0"/>
+              <a:rPr kumimoji="1" lang="en-US" altLang="zh-TW" dirty="0"/>
               <a:t> with fluorescence trigger to measure IR</a:t>
             </a:r>
             <a:r>
-              <a:rPr kumimoji="1" lang="en-US" altLang="zh-TW" baseline="-25000" dirty="0" smtClean="0"/>
+              <a:rPr kumimoji="1" lang="en-US" altLang="zh-TW" baseline="-25000" dirty="0"/>
               <a:t>2a</a:t>
             </a:r>
             <a:r>
-              <a:rPr kumimoji="1" lang="en-US" altLang="zh-TW" dirty="0" smtClean="0"/>
+              <a:rPr kumimoji="1" lang="en-US" altLang="zh-TW" dirty="0"/>
               <a:t>+IR</a:t>
             </a:r>
             <a:r>
@@ -8260,15 +8242,15 @@
               <a:t>3</a:t>
             </a:r>
             <a:r>
-              <a:rPr kumimoji="1" lang="en-US" altLang="zh-TW" dirty="0" smtClean="0"/>
+              <a:rPr kumimoji="1" lang="en-US" altLang="zh-TW" dirty="0"/>
               <a:t>+IR</a:t>
             </a:r>
             <a:r>
-              <a:rPr kumimoji="1" lang="en-US" altLang="zh-TW" baseline="-25000" dirty="0" smtClean="0"/>
+              <a:rPr kumimoji="1" lang="en-US" altLang="zh-TW" baseline="-25000" dirty="0"/>
               <a:t>4a</a:t>
             </a:r>
             <a:r>
-              <a:rPr kumimoji="1" lang="en-US" altLang="zh-TW" dirty="0" smtClean="0"/>
+              <a:rPr kumimoji="1" lang="en-US" altLang="zh-TW" dirty="0"/>
               <a:t>.</a:t>
             </a:r>
           </a:p>
@@ -8277,28 +8259,16 @@
               <a:buAutoNum type="arabicParenBoth"/>
             </a:pPr>
             <a:r>
-              <a:rPr kumimoji="1" lang="en-US" altLang="zh-TW" dirty="0" smtClean="0"/>
-              <a:t>Preserve NF </a:t>
-            </a:r>
-            <a:r>
               <a:rPr kumimoji="1" lang="en-US" altLang="zh-TW" dirty="0"/>
-              <a:t>in </a:t>
-            </a:r>
-            <a:r>
-              <a:rPr kumimoji="1" lang="en-US" altLang="zh-TW" dirty="0" smtClean="0"/>
-              <a:t>2% </a:t>
-            </a:r>
-            <a:r>
-              <a:rPr kumimoji="1" lang="en-US" altLang="zh-TW" dirty="0" err="1" smtClean="0"/>
+              <a:t>Preserve NF in 2% </a:t>
+            </a:r>
+            <a:r>
+              <a:rPr kumimoji="1" lang="en-US" altLang="zh-TW" dirty="0" err="1"/>
               <a:t>glutaraldehyde</a:t>
             </a:r>
             <a:r>
-              <a:rPr kumimoji="1" lang="en-US" altLang="zh-TW" dirty="0" smtClean="0"/>
-              <a:t> </a:t>
-            </a:r>
-            <a:r>
               <a:rPr kumimoji="1" lang="en-US" altLang="zh-TW" dirty="0"/>
-              <a:t>and count by </a:t>
+              <a:t> and count by </a:t>
             </a:r>
             <a:r>
               <a:rPr kumimoji="1" lang="en-US" altLang="zh-TW" dirty="0" err="1"/>
@@ -8306,30 +8276,22 @@
             </a:r>
             <a:r>
               <a:rPr kumimoji="1" lang="en-US" altLang="zh-TW" dirty="0"/>
-              <a:t> </a:t>
-            </a:r>
-            <a:r>
-              <a:rPr kumimoji="1" lang="en-US" altLang="zh-TW" dirty="0" smtClean="0"/>
-              <a:t>microscope to measure IR</a:t>
-            </a:r>
-            <a:r>
-              <a:rPr kumimoji="1" lang="en-US" altLang="zh-TW" baseline="-25000" dirty="0" smtClean="0"/>
-              <a:t>2</a:t>
+              <a:t> microscope to measure IR</a:t>
             </a:r>
             <a:r>
               <a:rPr kumimoji="1" lang="en-US" altLang="zh-TW" baseline="-25000" dirty="0"/>
-              <a:t>b</a:t>
-            </a:r>
-            <a:r>
-              <a:rPr kumimoji="1" lang="en-US" altLang="zh-TW" dirty="0" smtClean="0"/>
+              <a:t>2b</a:t>
+            </a:r>
+            <a:r>
+              <a:rPr kumimoji="1" lang="en-US" altLang="zh-TW" dirty="0"/>
               <a:t>+IR</a:t>
             </a:r>
             <a:r>
-              <a:rPr kumimoji="1" lang="en-US" altLang="zh-TW" baseline="-25000" dirty="0" smtClean="0"/>
+              <a:rPr kumimoji="1" lang="en-US" altLang="zh-TW" baseline="-25000" dirty="0"/>
               <a:t>4b</a:t>
             </a:r>
             <a:r>
-              <a:rPr kumimoji="1" lang="en-US" altLang="zh-TW" dirty="0" smtClean="0"/>
+              <a:rPr kumimoji="1" lang="en-US" altLang="zh-TW" dirty="0"/>
               <a:t>.</a:t>
             </a:r>
           </a:p>
@@ -8359,11 +8321,11 @@
           <a:p>
             <a:pPr algn="ctr"/>
             <a:r>
-              <a:rPr kumimoji="1" lang="en-US" altLang="zh-TW" dirty="0" smtClean="0"/>
+              <a:rPr kumimoji="1" lang="en-US" altLang="zh-TW" dirty="0"/>
               <a:t>200-20 </a:t>
             </a:r>
             <a:r>
-              <a:rPr kumimoji="1" lang="en-US" altLang="zh-TW" dirty="0" err="1" smtClean="0"/>
+              <a:rPr kumimoji="1" lang="en-US" altLang="zh-TW" dirty="0" err="1"/>
               <a:t>μm</a:t>
             </a:r>
             <a:endParaRPr kumimoji="1" lang="zh-TW" altLang="en-US" dirty="0"/>
@@ -8393,11 +8355,11 @@
           <a:lstStyle/>
           <a:p>
             <a:r>
-              <a:rPr kumimoji="1" lang="en-US" altLang="zh-TW" dirty="0" smtClean="0"/>
+              <a:rPr kumimoji="1" lang="en-US" altLang="zh-TW" dirty="0"/>
               <a:t>&lt; 1.2 </a:t>
             </a:r>
             <a:r>
-              <a:rPr kumimoji="1" lang="en-US" altLang="zh-TW" dirty="0" err="1" smtClean="0"/>
+              <a:rPr kumimoji="1" lang="en-US" altLang="zh-TW" dirty="0" err="1"/>
               <a:t>μm</a:t>
             </a:r>
             <a:endParaRPr kumimoji="1" lang="zh-TW" altLang="en-US" dirty="0"/>
@@ -8504,7 +8466,7 @@
           <a:lstStyle/>
           <a:p>
             <a:r>
-              <a:rPr kumimoji="1" lang="en-US" altLang="zh-TW" dirty="0" smtClean="0">
+              <a:rPr kumimoji="1" lang="en-US" altLang="zh-TW" dirty="0">
                 <a:solidFill>
                   <a:srgbClr val="FF0000"/>
                 </a:solidFill>
@@ -8512,20 +8474,12 @@
               <a:t>IR</a:t>
             </a:r>
             <a:r>
-              <a:rPr kumimoji="1" lang="en-US" altLang="zh-TW" baseline="-25000" dirty="0" smtClean="0">
-                <a:solidFill>
-                  <a:srgbClr val="FF0000"/>
-                </a:solidFill>
-              </a:rPr>
-              <a:t>4</a:t>
-            </a:r>
-            <a:r>
               <a:rPr kumimoji="1" lang="en-US" altLang="zh-TW" baseline="-25000" dirty="0">
                 <a:solidFill>
                   <a:srgbClr val="FF0000"/>
                 </a:solidFill>
               </a:rPr>
-              <a:t>b</a:t>
+              <a:t>4b</a:t>
             </a:r>
             <a:endParaRPr kumimoji="1" lang="zh-TW" altLang="en-US" baseline="-25000" dirty="0">
               <a:solidFill>
@@ -8564,7 +8518,7 @@
           <a:p>
             <a:pPr algn="ctr"/>
             <a:r>
-              <a:rPr kumimoji="1" lang="en-US" altLang="zh-TW" b="1" dirty="0" smtClean="0">
+              <a:rPr kumimoji="1" lang="en-US" altLang="zh-TW" b="1" dirty="0">
                 <a:solidFill>
                   <a:schemeClr val="bg1"/>
                 </a:solidFill>
@@ -8575,7 +8529,7 @@
           <a:p>
             <a:pPr algn="ctr"/>
             <a:r>
-              <a:rPr kumimoji="1" lang="en-US" altLang="zh-TW" b="1" dirty="0" smtClean="0">
+              <a:rPr kumimoji="1" lang="en-US" altLang="zh-TW" b="1" dirty="0">
                 <a:solidFill>
                   <a:srgbClr val="FFFFFF"/>
                 </a:solidFill>
@@ -8583,7 +8537,7 @@
               <a:t>(</a:t>
             </a:r>
             <a:r>
-              <a:rPr kumimoji="1" lang="en-US" altLang="zh-TW" b="1" dirty="0" err="1" smtClean="0">
+              <a:rPr kumimoji="1" lang="en-US" altLang="zh-TW" b="1" dirty="0" err="1">
                 <a:solidFill>
                   <a:srgbClr val="FFFFFF"/>
                 </a:solidFill>
@@ -8591,7 +8545,7 @@
               <a:t>microzoo</a:t>
             </a:r>
             <a:r>
-              <a:rPr kumimoji="1" lang="en-US" altLang="zh-TW" b="1" dirty="0" smtClean="0">
+              <a:rPr kumimoji="1" lang="en-US" altLang="zh-TW" b="1" dirty="0">
                 <a:solidFill>
                   <a:srgbClr val="FFFFFF"/>
                 </a:solidFill>
@@ -8632,7 +8586,7 @@
           <a:p>
             <a:pPr algn="ctr"/>
             <a:r>
-              <a:rPr kumimoji="1" lang="en-US" altLang="zh-TW" b="1" dirty="0" smtClean="0">
+              <a:rPr kumimoji="1" lang="en-US" altLang="zh-TW" b="1" dirty="0">
                 <a:solidFill>
                   <a:srgbClr val="FFFFFF"/>
                 </a:solidFill>
@@ -8752,7 +8706,7 @@
           <a:p>
             <a:pPr algn="ctr"/>
             <a:r>
-              <a:rPr kumimoji="1" lang="en-US" altLang="zh-TW" b="1" dirty="0" smtClean="0">
+              <a:rPr kumimoji="1" lang="en-US" altLang="zh-TW" b="1" dirty="0">
                 <a:solidFill>
                   <a:srgbClr val="FFFFFF"/>
                 </a:solidFill>
@@ -8786,11 +8740,11 @@
           <a:p>
             <a:pPr algn="ctr"/>
             <a:r>
-              <a:rPr kumimoji="1" lang="en-US" altLang="zh-TW" dirty="0" smtClean="0"/>
+              <a:rPr kumimoji="1" lang="en-US" altLang="zh-TW" dirty="0"/>
               <a:t>2-20 </a:t>
             </a:r>
             <a:r>
-              <a:rPr kumimoji="1" lang="en-US" altLang="zh-TW" dirty="0" err="1" smtClean="0"/>
+              <a:rPr kumimoji="1" lang="en-US" altLang="zh-TW" dirty="0" err="1"/>
               <a:t>μm</a:t>
             </a:r>
             <a:endParaRPr kumimoji="1" lang="zh-TW" altLang="en-US" dirty="0"/>
@@ -8820,7 +8774,7 @@
           <a:lstStyle/>
           <a:p>
             <a:r>
-              <a:rPr kumimoji="1" lang="en-US" altLang="zh-TW" dirty="0" smtClean="0">
+              <a:rPr kumimoji="1" lang="en-US" altLang="zh-TW" dirty="0">
                 <a:solidFill>
                   <a:srgbClr val="FF0000"/>
                 </a:solidFill>
@@ -8871,14 +8825,14 @@
           <a:lstStyle/>
           <a:p>
             <a:r>
-              <a:rPr kumimoji="1" lang="en-US" altLang="zh-TW" b="1" dirty="0" err="1" smtClean="0">
+              <a:rPr kumimoji="1" lang="en-US" altLang="zh-TW" b="1" dirty="0" err="1">
                 <a:solidFill>
                   <a:srgbClr val="FFFFFF"/>
                 </a:solidFill>
               </a:rPr>
               <a:t>Microphyto</a:t>
             </a:r>
-            <a:endParaRPr kumimoji="1" lang="en-US" altLang="zh-TW" b="1" dirty="0" smtClean="0">
+            <a:endParaRPr kumimoji="1" lang="en-US" altLang="zh-TW" b="1" dirty="0">
               <a:solidFill>
                 <a:srgbClr val="FFFFFF"/>
               </a:solidFill>
@@ -8917,7 +8871,7 @@
           <a:p>
             <a:pPr algn="ctr"/>
             <a:r>
-              <a:rPr kumimoji="1" lang="en-US" altLang="zh-TW" b="1" dirty="0" smtClean="0">
+              <a:rPr kumimoji="1" lang="en-US" altLang="zh-TW" b="1" dirty="0">
                 <a:solidFill>
                   <a:srgbClr val="FFFFFF"/>
                 </a:solidFill>
@@ -8950,7 +8904,7 @@
           <a:lstStyle/>
           <a:p>
             <a:r>
-              <a:rPr kumimoji="1" lang="en-US" altLang="zh-TW" dirty="0" smtClean="0">
+              <a:rPr kumimoji="1" lang="en-US" altLang="zh-TW" dirty="0">
                 <a:solidFill>
                   <a:srgbClr val="FF0000"/>
                 </a:solidFill>
@@ -9033,7 +8987,7 @@
           <a:lstStyle/>
           <a:p>
             <a:r>
-              <a:rPr kumimoji="1" lang="en-US" altLang="zh-TW" dirty="0" smtClean="0">
+              <a:rPr kumimoji="1" lang="en-US" altLang="zh-TW" dirty="0">
                 <a:solidFill>
                   <a:srgbClr val="FF0000"/>
                 </a:solidFill>
@@ -9041,7 +8995,7 @@
               <a:t>IR</a:t>
             </a:r>
             <a:r>
-              <a:rPr kumimoji="1" lang="en-US" altLang="zh-TW" baseline="-25000" dirty="0" smtClean="0">
+              <a:rPr kumimoji="1" lang="en-US" altLang="zh-TW" baseline="-25000" dirty="0">
                 <a:solidFill>
                   <a:srgbClr val="FF0000"/>
                 </a:solidFill>
@@ -9079,7 +9033,7 @@
           <a:lstStyle/>
           <a:p>
             <a:r>
-              <a:rPr kumimoji="1" lang="en-US" altLang="zh-TW" dirty="0" smtClean="0">
+              <a:rPr kumimoji="1" lang="en-US" altLang="zh-TW" dirty="0">
                 <a:solidFill>
                   <a:srgbClr val="FF0000"/>
                 </a:solidFill>
@@ -9092,15 +9046,7 @@
                   <a:srgbClr val="FF0000"/>
                 </a:solidFill>
               </a:rPr>
-              <a:t>4</a:t>
-            </a:r>
-            <a:r>
-              <a:rPr kumimoji="1" lang="en-US" altLang="zh-TW" baseline="-25000" dirty="0" smtClean="0">
-                <a:solidFill>
-                  <a:srgbClr val="FF0000"/>
-                </a:solidFill>
-              </a:rPr>
-              <a:t>a</a:t>
+              <a:t>4a</a:t>
             </a:r>
             <a:endParaRPr kumimoji="1" lang="zh-TW" altLang="en-US" baseline="-25000" dirty="0">
               <a:solidFill>
@@ -9211,7 +9157,7 @@
           <a:lstStyle/>
           <a:p>
             <a:r>
-              <a:rPr kumimoji="1" lang="en-US" altLang="zh-TW" dirty="0" smtClean="0">
+              <a:rPr kumimoji="1" lang="en-US" altLang="zh-TW" dirty="0">
                 <a:solidFill>
                   <a:srgbClr val="FF0000"/>
                 </a:solidFill>
@@ -9219,7 +9165,7 @@
               <a:t>IR</a:t>
             </a:r>
             <a:r>
-              <a:rPr kumimoji="1" lang="en-US" altLang="zh-TW" baseline="-25000" dirty="0" smtClean="0">
+              <a:rPr kumimoji="1" lang="en-US" altLang="zh-TW" baseline="-25000" dirty="0">
                 <a:solidFill>
                   <a:srgbClr val="FF0000"/>
                 </a:solidFill>
@@ -9277,14 +9223,14 @@
             <a:lstStyle/>
             <a:p>
               <a:r>
-                <a:rPr kumimoji="1" lang="en-US" altLang="zh-TW" b="1" dirty="0" err="1" smtClean="0">
+                <a:rPr kumimoji="1" lang="en-US" altLang="zh-TW" b="1" dirty="0" err="1">
                   <a:solidFill>
                     <a:schemeClr val="bg1"/>
                   </a:solidFill>
                 </a:rPr>
                 <a:t>Copepodites</a:t>
               </a:r>
-              <a:endParaRPr kumimoji="1" lang="en-US" altLang="zh-TW" b="1" dirty="0" smtClean="0">
+              <a:endParaRPr kumimoji="1" lang="en-US" altLang="zh-TW" b="1" dirty="0">
                 <a:solidFill>
                   <a:schemeClr val="bg1"/>
                 </a:solidFill>
@@ -9324,14 +9270,14 @@
             <a:p>
               <a:pPr algn="ctr"/>
               <a:r>
-                <a:rPr kumimoji="1" lang="en-US" altLang="zh-TW" b="1" dirty="0" err="1" smtClean="0">
+                <a:rPr kumimoji="1" lang="en-US" altLang="zh-TW" b="1" dirty="0" err="1">
                   <a:solidFill>
                     <a:schemeClr val="bg1"/>
                   </a:solidFill>
                 </a:rPr>
                 <a:t>Nauplia</a:t>
               </a:r>
-              <a:endParaRPr kumimoji="1" lang="en-US" altLang="zh-TW" b="1" dirty="0" smtClean="0">
+              <a:endParaRPr kumimoji="1" lang="en-US" altLang="zh-TW" b="1" dirty="0">
                 <a:solidFill>
                   <a:schemeClr val="bg1"/>
                 </a:solidFill>
@@ -9363,7 +9309,7 @@
           <a:lstStyle/>
           <a:p>
             <a:r>
-              <a:rPr kumimoji="1" lang="en-US" altLang="zh-TW" dirty="0" smtClean="0">
+              <a:rPr kumimoji="1" lang="en-US" altLang="zh-TW" dirty="0">
                 <a:solidFill>
                   <a:srgbClr val="FF0000"/>
                 </a:solidFill>
@@ -9371,7 +9317,7 @@
               <a:t>IR</a:t>
             </a:r>
             <a:r>
-              <a:rPr kumimoji="1" lang="en-US" altLang="zh-TW" baseline="-25000" dirty="0" smtClean="0">
+              <a:rPr kumimoji="1" lang="en-US" altLang="zh-TW" baseline="-25000" dirty="0">
                 <a:solidFill>
                   <a:srgbClr val="FF0000"/>
                 </a:solidFill>
@@ -9409,11 +9355,11 @@
           <a:lstStyle/>
           <a:p>
             <a:r>
-              <a:rPr kumimoji="1" lang="en-US" altLang="zh-TW" dirty="0" smtClean="0"/>
+              <a:rPr kumimoji="1" lang="en-US" altLang="zh-TW" dirty="0"/>
               <a:t>100-150 </a:t>
             </a:r>
             <a:r>
-              <a:rPr kumimoji="1" lang="en-US" altLang="zh-TW" dirty="0" err="1" smtClean="0"/>
+              <a:rPr kumimoji="1" lang="en-US" altLang="zh-TW" dirty="0" err="1"/>
               <a:t>μm</a:t>
             </a:r>
             <a:endParaRPr kumimoji="1" lang="zh-TW" altLang="en-US" dirty="0"/>
@@ -9443,11 +9389,11 @@
           <a:lstStyle/>
           <a:p>
             <a:r>
-              <a:rPr kumimoji="1" lang="en-US" altLang="zh-TW" dirty="0" smtClean="0"/>
+              <a:rPr kumimoji="1" lang="en-US" altLang="zh-TW" dirty="0"/>
               <a:t>50-80 </a:t>
             </a:r>
             <a:r>
-              <a:rPr kumimoji="1" lang="en-US" altLang="zh-TW" dirty="0" err="1" smtClean="0"/>
+              <a:rPr kumimoji="1" lang="en-US" altLang="zh-TW" dirty="0" err="1"/>
               <a:t>μm</a:t>
             </a:r>
             <a:endParaRPr kumimoji="1" lang="zh-TW" altLang="en-US" dirty="0"/>
@@ -9741,7 +9687,7 @@
           <a:lstStyle/>
           <a:p>
             <a:r>
-              <a:rPr kumimoji="1" lang="en-US" altLang="zh-TW" dirty="0" smtClean="0"/>
+              <a:rPr kumimoji="1" lang="en-US" altLang="zh-TW" dirty="0"/>
               <a:t>IR</a:t>
             </a:r>
             <a:r>
@@ -9749,7 +9695,7 @@
               <a:t>5</a:t>
             </a:r>
             <a:r>
-              <a:rPr kumimoji="1" lang="en-US" altLang="zh-TW" dirty="0" smtClean="0"/>
+              <a:rPr kumimoji="1" lang="en-US" altLang="zh-TW" dirty="0"/>
               <a:t>, IR</a:t>
             </a:r>
             <a:r>
@@ -9757,11 +9703,11 @@
               <a:t>6</a:t>
             </a:r>
             <a:r>
-              <a:rPr kumimoji="1" lang="en-US" altLang="zh-TW" dirty="0" smtClean="0"/>
+              <a:rPr kumimoji="1" lang="en-US" altLang="zh-TW" dirty="0"/>
               <a:t>:</a:t>
             </a:r>
             <a:r>
-              <a:rPr kumimoji="1" lang="zh-TW" altLang="en-US" dirty="0" smtClean="0"/>
+              <a:rPr kumimoji="1" lang="zh-TW" altLang="en-US" dirty="0"/>
               <a:t> </a:t>
             </a:r>
             <a:r>
@@ -9814,15 +9760,7 @@
             </a:r>
             <a:r>
               <a:rPr kumimoji="1" lang="en-US" altLang="zh-TW" dirty="0"/>
-              <a:t>-filtered water (should be </a:t>
-            </a:r>
-            <a:r>
-              <a:rPr kumimoji="1" lang="en-US" altLang="zh-TW" dirty="0" smtClean="0"/>
-              <a:t>particle-free</a:t>
-            </a:r>
-            <a:r>
-              <a:rPr kumimoji="1" lang="en-US" altLang="zh-TW" dirty="0"/>
-              <a:t>) is the diluent. 20 </a:t>
+              <a:t>-filtered water (should be particle-free) is the diluent. 20 </a:t>
             </a:r>
             <a:r>
               <a:rPr kumimoji="1" lang="en-US" altLang="zh-TW" dirty="0" err="1"/>
@@ -9830,11 +9768,7 @@
             </a:r>
             <a:r>
               <a:rPr kumimoji="1" lang="en-US" altLang="zh-TW" dirty="0"/>
-              <a:t>-filtered water (flagellates, bacteria) is the water with </a:t>
-            </a:r>
-            <a:r>
-              <a:rPr kumimoji="1" lang="en-US" altLang="zh-TW" dirty="0" smtClean="0"/>
-              <a:t>predators.</a:t>
+              <a:t>-filtered water (flagellates, bacteria) is the water with predators.</a:t>
             </a:r>
           </a:p>
           <a:p>
@@ -9842,24 +9776,16 @@
               <a:buAutoNum type="arabicParenBoth"/>
             </a:pPr>
             <a:r>
-              <a:rPr kumimoji="1" lang="en-US" altLang="zh-TW" dirty="0" smtClean="0"/>
+              <a:rPr kumimoji="1" lang="en-US" altLang="zh-TW" dirty="0"/>
               <a:t>Preserve HNF + ANF in ice-cold 2% </a:t>
             </a:r>
             <a:r>
-              <a:rPr kumimoji="1" lang="en-US" altLang="zh-TW" dirty="0" err="1" smtClean="0"/>
+              <a:rPr kumimoji="1" lang="en-US" altLang="zh-TW" dirty="0" err="1"/>
               <a:t>glutaraldehyde</a:t>
             </a:r>
             <a:r>
-              <a:rPr kumimoji="1" lang="en-US" altLang="zh-TW" dirty="0" smtClean="0"/>
-              <a:t>. </a:t>
-            </a:r>
-            <a:r>
               <a:rPr kumimoji="1" lang="en-US" altLang="zh-TW" dirty="0"/>
-              <a:t>C</a:t>
-            </a:r>
-            <a:r>
-              <a:rPr kumimoji="1" lang="en-US" altLang="zh-TW" dirty="0" smtClean="0"/>
-              <a:t>ount the ANF by </a:t>
+              <a:t>. Count the ANF by </a:t>
             </a:r>
             <a:r>
               <a:rPr kumimoji="1" lang="en-US" altLang="zh-TW" dirty="0" err="1"/>
@@ -9867,22 +9793,10 @@
             </a:r>
             <a:r>
               <a:rPr kumimoji="1" lang="en-US" altLang="zh-TW" dirty="0"/>
-              <a:t> </a:t>
-            </a:r>
-            <a:r>
-              <a:rPr kumimoji="1" lang="en-US" altLang="zh-TW" dirty="0" smtClean="0"/>
-              <a:t>microscope with green light excitation </a:t>
-            </a:r>
-            <a:r>
-              <a:rPr kumimoji="1" lang="en-US" altLang="zh-TW" dirty="0"/>
-              <a:t>to </a:t>
-            </a:r>
-            <a:r>
-              <a:rPr kumimoji="1" lang="en-US" altLang="zh-TW" dirty="0" smtClean="0"/>
-              <a:t>measure IR</a:t>
-            </a:r>
-            <a:r>
-              <a:rPr kumimoji="1" lang="en-US" altLang="zh-TW" baseline="-25000" dirty="0" smtClean="0"/>
+              <a:t> microscope with green light excitation to measure IR</a:t>
+            </a:r>
+            <a:r>
+              <a:rPr kumimoji="1" lang="en-US" altLang="zh-TW" baseline="-25000" dirty="0"/>
               <a:t>5</a:t>
             </a:r>
           </a:p>
@@ -9891,15 +9805,15 @@
               <a:buAutoNum type="arabicParenBoth"/>
             </a:pPr>
             <a:r>
-              <a:rPr kumimoji="1" lang="en-US" altLang="zh-TW" dirty="0" smtClean="0"/>
+              <a:rPr kumimoji="1" lang="en-US" altLang="zh-TW" dirty="0"/>
               <a:t>Preserve &lt;1.2μm particles (bacteria) for </a:t>
             </a:r>
             <a:r>
-              <a:rPr kumimoji="1" lang="en-US" altLang="zh-TW" dirty="0" err="1" smtClean="0"/>
+              <a:rPr kumimoji="1" lang="en-US" altLang="zh-TW" dirty="0" err="1"/>
               <a:t>flowcytometry</a:t>
             </a:r>
             <a:r>
-              <a:rPr kumimoji="1" lang="en-US" altLang="zh-TW" dirty="0" smtClean="0"/>
+              <a:rPr kumimoji="1" lang="en-US" altLang="zh-TW" dirty="0"/>
               <a:t>.</a:t>
             </a:r>
           </a:p>
@@ -9929,11 +9843,11 @@
           <a:p>
             <a:pPr algn="ctr"/>
             <a:r>
-              <a:rPr kumimoji="1" lang="en-US" altLang="zh-TW" dirty="0" smtClean="0"/>
+              <a:rPr kumimoji="1" lang="en-US" altLang="zh-TW" dirty="0"/>
               <a:t>200-20 </a:t>
             </a:r>
             <a:r>
-              <a:rPr kumimoji="1" lang="en-US" altLang="zh-TW" dirty="0" err="1" smtClean="0"/>
+              <a:rPr kumimoji="1" lang="en-US" altLang="zh-TW" dirty="0" err="1"/>
               <a:t>μm</a:t>
             </a:r>
             <a:endParaRPr kumimoji="1" lang="zh-TW" altLang="en-US" dirty="0"/>
@@ -9963,11 +9877,11 @@
           <a:lstStyle/>
           <a:p>
             <a:r>
-              <a:rPr kumimoji="1" lang="en-US" altLang="zh-TW" dirty="0" smtClean="0"/>
+              <a:rPr kumimoji="1" lang="en-US" altLang="zh-TW" dirty="0"/>
               <a:t>&lt; 1.2 </a:t>
             </a:r>
             <a:r>
-              <a:rPr kumimoji="1" lang="en-US" altLang="zh-TW" dirty="0" err="1" smtClean="0"/>
+              <a:rPr kumimoji="1" lang="en-US" altLang="zh-TW" dirty="0" err="1"/>
               <a:t>μm</a:t>
             </a:r>
             <a:endParaRPr kumimoji="1" lang="zh-TW" altLang="en-US" dirty="0"/>
@@ -10074,7 +9988,7 @@
           <a:lstStyle/>
           <a:p>
             <a:r>
-              <a:rPr kumimoji="1" lang="en-US" altLang="zh-TW" dirty="0" smtClean="0">
+              <a:rPr kumimoji="1" lang="en-US" altLang="zh-TW" dirty="0">
                 <a:solidFill>
                   <a:srgbClr val="FF0000"/>
                 </a:solidFill>
@@ -10082,20 +9996,12 @@
               <a:t>IR</a:t>
             </a:r>
             <a:r>
-              <a:rPr kumimoji="1" lang="en-US" altLang="zh-TW" baseline="-25000" dirty="0" smtClean="0">
-                <a:solidFill>
-                  <a:srgbClr val="FF0000"/>
-                </a:solidFill>
-              </a:rPr>
-              <a:t>4</a:t>
-            </a:r>
-            <a:r>
               <a:rPr kumimoji="1" lang="en-US" altLang="zh-TW" baseline="-25000" dirty="0">
                 <a:solidFill>
                   <a:srgbClr val="FF0000"/>
                 </a:solidFill>
               </a:rPr>
-              <a:t>b</a:t>
+              <a:t>4b</a:t>
             </a:r>
             <a:endParaRPr kumimoji="1" lang="zh-TW" altLang="en-US" baseline="-25000" dirty="0">
               <a:solidFill>
@@ -10134,7 +10040,7 @@
           <a:p>
             <a:pPr algn="ctr"/>
             <a:r>
-              <a:rPr kumimoji="1" lang="en-US" altLang="zh-TW" b="1" dirty="0" smtClean="0">
+              <a:rPr kumimoji="1" lang="en-US" altLang="zh-TW" b="1" dirty="0">
                 <a:solidFill>
                   <a:schemeClr val="bg1"/>
                 </a:solidFill>
@@ -10145,7 +10051,7 @@
           <a:p>
             <a:pPr algn="ctr"/>
             <a:r>
-              <a:rPr kumimoji="1" lang="en-US" altLang="zh-TW" b="1" dirty="0" smtClean="0">
+              <a:rPr kumimoji="1" lang="en-US" altLang="zh-TW" b="1" dirty="0">
                 <a:solidFill>
                   <a:srgbClr val="FFFFFF"/>
                 </a:solidFill>
@@ -10153,7 +10059,7 @@
               <a:t>(</a:t>
             </a:r>
             <a:r>
-              <a:rPr kumimoji="1" lang="en-US" altLang="zh-TW" b="1" dirty="0" err="1" smtClean="0">
+              <a:rPr kumimoji="1" lang="en-US" altLang="zh-TW" b="1" dirty="0" err="1">
                 <a:solidFill>
                   <a:srgbClr val="FFFFFF"/>
                 </a:solidFill>
@@ -10161,7 +10067,7 @@
               <a:t>microzoo</a:t>
             </a:r>
             <a:r>
-              <a:rPr kumimoji="1" lang="en-US" altLang="zh-TW" b="1" dirty="0" smtClean="0">
+              <a:rPr kumimoji="1" lang="en-US" altLang="zh-TW" b="1" dirty="0">
                 <a:solidFill>
                   <a:srgbClr val="FFFFFF"/>
                 </a:solidFill>
@@ -10202,7 +10108,7 @@
           <a:p>
             <a:pPr algn="ctr"/>
             <a:r>
-              <a:rPr kumimoji="1" lang="en-US" altLang="zh-TW" b="1" dirty="0" smtClean="0">
+              <a:rPr kumimoji="1" lang="en-US" altLang="zh-TW" b="1" dirty="0">
                 <a:solidFill>
                   <a:srgbClr val="FFFFFF"/>
                 </a:solidFill>
@@ -10322,7 +10228,7 @@
           <a:p>
             <a:pPr algn="ctr"/>
             <a:r>
-              <a:rPr kumimoji="1" lang="en-US" altLang="zh-TW" b="1" dirty="0" smtClean="0">
+              <a:rPr kumimoji="1" lang="en-US" altLang="zh-TW" b="1" dirty="0">
                 <a:solidFill>
                   <a:srgbClr val="FFFFFF"/>
                 </a:solidFill>
@@ -10356,11 +10262,11 @@
           <a:p>
             <a:pPr algn="ctr"/>
             <a:r>
-              <a:rPr kumimoji="1" lang="en-US" altLang="zh-TW" dirty="0" smtClean="0"/>
+              <a:rPr kumimoji="1" lang="en-US" altLang="zh-TW" dirty="0"/>
               <a:t>2-20 </a:t>
             </a:r>
             <a:r>
-              <a:rPr kumimoji="1" lang="en-US" altLang="zh-TW" dirty="0" err="1" smtClean="0"/>
+              <a:rPr kumimoji="1" lang="en-US" altLang="zh-TW" dirty="0" err="1"/>
               <a:t>μm</a:t>
             </a:r>
             <a:endParaRPr kumimoji="1" lang="zh-TW" altLang="en-US" dirty="0"/>
@@ -10390,7 +10296,7 @@
           <a:lstStyle/>
           <a:p>
             <a:r>
-              <a:rPr kumimoji="1" lang="en-US" altLang="zh-TW" dirty="0" smtClean="0">
+              <a:rPr kumimoji="1" lang="en-US" altLang="zh-TW" dirty="0">
                 <a:solidFill>
                   <a:srgbClr val="FF0000"/>
                 </a:solidFill>
@@ -10441,14 +10347,14 @@
           <a:lstStyle/>
           <a:p>
             <a:r>
-              <a:rPr kumimoji="1" lang="en-US" altLang="zh-TW" b="1" dirty="0" err="1" smtClean="0">
+              <a:rPr kumimoji="1" lang="en-US" altLang="zh-TW" b="1" dirty="0" err="1">
                 <a:solidFill>
                   <a:srgbClr val="FFFFFF"/>
                 </a:solidFill>
               </a:rPr>
               <a:t>Microphyto</a:t>
             </a:r>
-            <a:endParaRPr kumimoji="1" lang="en-US" altLang="zh-TW" b="1" dirty="0" smtClean="0">
+            <a:endParaRPr kumimoji="1" lang="en-US" altLang="zh-TW" b="1" dirty="0">
               <a:solidFill>
                 <a:srgbClr val="FFFFFF"/>
               </a:solidFill>
@@ -10487,7 +10393,7 @@
           <a:p>
             <a:pPr algn="ctr"/>
             <a:r>
-              <a:rPr kumimoji="1" lang="en-US" altLang="zh-TW" b="1" dirty="0" smtClean="0">
+              <a:rPr kumimoji="1" lang="en-US" altLang="zh-TW" b="1" dirty="0">
                 <a:solidFill>
                   <a:srgbClr val="FFFFFF"/>
                 </a:solidFill>
@@ -10520,7 +10426,7 @@
           <a:lstStyle/>
           <a:p>
             <a:r>
-              <a:rPr kumimoji="1" lang="en-US" altLang="zh-TW" dirty="0" smtClean="0">
+              <a:rPr kumimoji="1" lang="en-US" altLang="zh-TW" dirty="0">
                 <a:solidFill>
                   <a:srgbClr val="FF0000"/>
                 </a:solidFill>
@@ -10603,7 +10509,7 @@
           <a:lstStyle/>
           <a:p>
             <a:r>
-              <a:rPr kumimoji="1" lang="en-US" altLang="zh-TW" dirty="0" smtClean="0">
+              <a:rPr kumimoji="1" lang="en-US" altLang="zh-TW" dirty="0">
                 <a:solidFill>
                   <a:srgbClr val="FF0000"/>
                 </a:solidFill>
@@ -10611,7 +10517,7 @@
               <a:t>IR</a:t>
             </a:r>
             <a:r>
-              <a:rPr kumimoji="1" lang="en-US" altLang="zh-TW" baseline="-25000" dirty="0" smtClean="0">
+              <a:rPr kumimoji="1" lang="en-US" altLang="zh-TW" baseline="-25000" dirty="0">
                 <a:solidFill>
                   <a:srgbClr val="FF0000"/>
                 </a:solidFill>
@@ -10649,7 +10555,7 @@
           <a:lstStyle/>
           <a:p>
             <a:r>
-              <a:rPr kumimoji="1" lang="en-US" altLang="zh-TW" dirty="0" smtClean="0">
+              <a:rPr kumimoji="1" lang="en-US" altLang="zh-TW" dirty="0">
                 <a:solidFill>
                   <a:srgbClr val="FF0000"/>
                 </a:solidFill>
@@ -10662,15 +10568,7 @@
                   <a:srgbClr val="FF0000"/>
                 </a:solidFill>
               </a:rPr>
-              <a:t>4</a:t>
-            </a:r>
-            <a:r>
-              <a:rPr kumimoji="1" lang="en-US" altLang="zh-TW" baseline="-25000" dirty="0" smtClean="0">
-                <a:solidFill>
-                  <a:srgbClr val="FF0000"/>
-                </a:solidFill>
-              </a:rPr>
-              <a:t>a</a:t>
+              <a:t>4a</a:t>
             </a:r>
             <a:endParaRPr kumimoji="1" lang="zh-TW" altLang="en-US" baseline="-25000" dirty="0">
               <a:solidFill>
@@ -10781,7 +10679,7 @@
           <a:lstStyle/>
           <a:p>
             <a:r>
-              <a:rPr kumimoji="1" lang="en-US" altLang="zh-TW" dirty="0" smtClean="0">
+              <a:rPr kumimoji="1" lang="en-US" altLang="zh-TW" dirty="0">
                 <a:solidFill>
                   <a:srgbClr val="FF0000"/>
                 </a:solidFill>
@@ -10789,7 +10687,7 @@
               <a:t>IR</a:t>
             </a:r>
             <a:r>
-              <a:rPr kumimoji="1" lang="en-US" altLang="zh-TW" baseline="-25000" dirty="0" smtClean="0">
+              <a:rPr kumimoji="1" lang="en-US" altLang="zh-TW" baseline="-25000" dirty="0">
                 <a:solidFill>
                   <a:srgbClr val="FF0000"/>
                 </a:solidFill>
@@ -10847,14 +10745,14 @@
             <a:lstStyle/>
             <a:p>
               <a:r>
-                <a:rPr kumimoji="1" lang="en-US" altLang="zh-TW" b="1" dirty="0" err="1" smtClean="0">
+                <a:rPr kumimoji="1" lang="en-US" altLang="zh-TW" b="1" dirty="0" err="1">
                   <a:solidFill>
                     <a:schemeClr val="bg1"/>
                   </a:solidFill>
                 </a:rPr>
                 <a:t>Copepodites</a:t>
               </a:r>
-              <a:endParaRPr kumimoji="1" lang="en-US" altLang="zh-TW" b="1" dirty="0" smtClean="0">
+              <a:endParaRPr kumimoji="1" lang="en-US" altLang="zh-TW" b="1" dirty="0">
                 <a:solidFill>
                   <a:schemeClr val="bg1"/>
                 </a:solidFill>
@@ -10894,14 +10792,14 @@
             <a:p>
               <a:pPr algn="ctr"/>
               <a:r>
-                <a:rPr kumimoji="1" lang="en-US" altLang="zh-TW" b="1" dirty="0" err="1" smtClean="0">
+                <a:rPr kumimoji="1" lang="en-US" altLang="zh-TW" b="1" dirty="0" err="1">
                   <a:solidFill>
                     <a:schemeClr val="bg1"/>
                   </a:solidFill>
                 </a:rPr>
                 <a:t>Nauplia</a:t>
               </a:r>
-              <a:endParaRPr kumimoji="1" lang="en-US" altLang="zh-TW" b="1" dirty="0" smtClean="0">
+              <a:endParaRPr kumimoji="1" lang="en-US" altLang="zh-TW" b="1" dirty="0">
                 <a:solidFill>
                   <a:schemeClr val="bg1"/>
                 </a:solidFill>
@@ -10933,7 +10831,7 @@
           <a:lstStyle/>
           <a:p>
             <a:r>
-              <a:rPr kumimoji="1" lang="en-US" altLang="zh-TW" dirty="0" smtClean="0">
+              <a:rPr kumimoji="1" lang="en-US" altLang="zh-TW" dirty="0">
                 <a:solidFill>
                   <a:srgbClr val="FF0000"/>
                 </a:solidFill>
@@ -10941,7 +10839,7 @@
               <a:t>IR</a:t>
             </a:r>
             <a:r>
-              <a:rPr kumimoji="1" lang="en-US" altLang="zh-TW" baseline="-25000" dirty="0" smtClean="0">
+              <a:rPr kumimoji="1" lang="en-US" altLang="zh-TW" baseline="-25000" dirty="0">
                 <a:solidFill>
                   <a:srgbClr val="FF0000"/>
                 </a:solidFill>
@@ -10979,11 +10877,11 @@
           <a:lstStyle/>
           <a:p>
             <a:r>
-              <a:rPr kumimoji="1" lang="en-US" altLang="zh-TW" dirty="0" smtClean="0"/>
+              <a:rPr kumimoji="1" lang="en-US" altLang="zh-TW" dirty="0"/>
               <a:t>100-150 </a:t>
             </a:r>
             <a:r>
-              <a:rPr kumimoji="1" lang="en-US" altLang="zh-TW" dirty="0" err="1" smtClean="0"/>
+              <a:rPr kumimoji="1" lang="en-US" altLang="zh-TW" dirty="0" err="1"/>
               <a:t>μm</a:t>
             </a:r>
             <a:endParaRPr kumimoji="1" lang="zh-TW" altLang="en-US" dirty="0"/>
@@ -11013,11 +10911,11 @@
           <a:lstStyle/>
           <a:p>
             <a:r>
-              <a:rPr kumimoji="1" lang="en-US" altLang="zh-TW" dirty="0" smtClean="0"/>
+              <a:rPr kumimoji="1" lang="en-US" altLang="zh-TW" dirty="0"/>
               <a:t>50-80 </a:t>
             </a:r>
             <a:r>
-              <a:rPr kumimoji="1" lang="en-US" altLang="zh-TW" dirty="0" err="1" smtClean="0"/>
+              <a:rPr kumimoji="1" lang="en-US" altLang="zh-TW" dirty="0" err="1"/>
               <a:t>μm</a:t>
             </a:r>
             <a:endParaRPr kumimoji="1" lang="zh-TW" altLang="en-US" dirty="0"/>
@@ -11126,6 +11024,4271 @@
     <p:extLst>
       <p:ext uri="{BB962C8B-B14F-4D97-AF65-F5344CB8AC3E}">
         <p14:creationId xmlns:p14="http://schemas.microsoft.com/office/powerpoint/2010/main" val="1154071845"/>
+      </p:ext>
+    </p:extLst>
+  </p:cSld>
+  <p:clrMapOvr>
+    <a:masterClrMapping/>
+  </p:clrMapOvr>
+</p:sld>
+</file>
+
+<file path=ppt/slides/slide5.xml><?xml version="1.0" encoding="utf-8"?>
+<p:sld xmlns:a="http://schemas.openxmlformats.org/drawingml/2006/main" xmlns:r="http://schemas.openxmlformats.org/officeDocument/2006/relationships" xmlns:p="http://schemas.openxmlformats.org/presentationml/2006/main">
+  <p:cSld>
+    <p:spTree>
+      <p:nvGrpSpPr>
+        <p:cNvPr id="1" name=""/>
+        <p:cNvGrpSpPr/>
+        <p:nvPr/>
+      </p:nvGrpSpPr>
+      <p:grpSpPr>
+        <a:xfrm>
+          <a:off x="0" y="0"/>
+          <a:ext cx="0" cy="0"/>
+          <a:chOff x="0" y="0"/>
+          <a:chExt cx="0" cy="0"/>
+        </a:xfrm>
+      </p:grpSpPr>
+      <p:graphicFrame>
+        <p:nvGraphicFramePr>
+          <p:cNvPr id="6" name="Table 5"/>
+          <p:cNvGraphicFramePr>
+            <a:graphicFrameLocks noGrp="1"/>
+          </p:cNvGraphicFramePr>
+          <p:nvPr>
+            <p:extLst>
+              <p:ext uri="{D42A27DB-BD31-4B8C-83A1-F6EECF244321}">
+                <p14:modId xmlns:p14="http://schemas.microsoft.com/office/powerpoint/2010/main" val="135623836"/>
+              </p:ext>
+            </p:extLst>
+          </p:nvPr>
+        </p:nvGraphicFramePr>
+        <p:xfrm>
+          <a:off x="245806" y="1261110"/>
+          <a:ext cx="8334900" cy="2917698"/>
+        </p:xfrm>
+        <a:graphic>
+          <a:graphicData uri="http://schemas.openxmlformats.org/drawingml/2006/table">
+            <a:tbl>
+              <a:tblPr firstRow="1" bandRow="1">
+                <a:tableStyleId>{2D5ABB26-0587-4C30-8999-92F81FD0307C}</a:tableStyleId>
+              </a:tblPr>
+              <a:tblGrid>
+                <a:gridCol w="1422742">
+                  <a:extLst>
+                    <a:ext uri="{9D8B030D-6E8A-4147-A177-3AD203B41FA5}">
+                      <a16:colId xmlns:a16="http://schemas.microsoft.com/office/drawing/2014/main" val="299007584"/>
+                    </a:ext>
+                  </a:extLst>
+                </a:gridCol>
+                <a:gridCol w="628378">
+                  <a:extLst>
+                    <a:ext uri="{9D8B030D-6E8A-4147-A177-3AD203B41FA5}">
+                      <a16:colId xmlns:a16="http://schemas.microsoft.com/office/drawing/2014/main" val="728586351"/>
+                    </a:ext>
+                  </a:extLst>
+                </a:gridCol>
+                <a:gridCol w="628378">
+                  <a:extLst>
+                    <a:ext uri="{9D8B030D-6E8A-4147-A177-3AD203B41FA5}">
+                      <a16:colId xmlns:a16="http://schemas.microsoft.com/office/drawing/2014/main" val="4024377777"/>
+                    </a:ext>
+                  </a:extLst>
+                </a:gridCol>
+                <a:gridCol w="628378">
+                  <a:extLst>
+                    <a:ext uri="{9D8B030D-6E8A-4147-A177-3AD203B41FA5}">
+                      <a16:colId xmlns:a16="http://schemas.microsoft.com/office/drawing/2014/main" val="3016760325"/>
+                    </a:ext>
+                  </a:extLst>
+                </a:gridCol>
+                <a:gridCol w="628378">
+                  <a:extLst>
+                    <a:ext uri="{9D8B030D-6E8A-4147-A177-3AD203B41FA5}">
+                      <a16:colId xmlns:a16="http://schemas.microsoft.com/office/drawing/2014/main" val="1508639280"/>
+                    </a:ext>
+                  </a:extLst>
+                </a:gridCol>
+                <a:gridCol w="628378">
+                  <a:extLst>
+                    <a:ext uri="{9D8B030D-6E8A-4147-A177-3AD203B41FA5}">
+                      <a16:colId xmlns:a16="http://schemas.microsoft.com/office/drawing/2014/main" val="2580221927"/>
+                    </a:ext>
+                  </a:extLst>
+                </a:gridCol>
+                <a:gridCol w="628378">
+                  <a:extLst>
+                    <a:ext uri="{9D8B030D-6E8A-4147-A177-3AD203B41FA5}">
+                      <a16:colId xmlns:a16="http://schemas.microsoft.com/office/drawing/2014/main" val="4076236313"/>
+                    </a:ext>
+                  </a:extLst>
+                </a:gridCol>
+                <a:gridCol w="628378">
+                  <a:extLst>
+                    <a:ext uri="{9D8B030D-6E8A-4147-A177-3AD203B41FA5}">
+                      <a16:colId xmlns:a16="http://schemas.microsoft.com/office/drawing/2014/main" val="2118980061"/>
+                    </a:ext>
+                  </a:extLst>
+                </a:gridCol>
+                <a:gridCol w="628378">
+                  <a:extLst>
+                    <a:ext uri="{9D8B030D-6E8A-4147-A177-3AD203B41FA5}">
+                      <a16:colId xmlns:a16="http://schemas.microsoft.com/office/drawing/2014/main" val="1147838213"/>
+                    </a:ext>
+                  </a:extLst>
+                </a:gridCol>
+                <a:gridCol w="628378">
+                  <a:extLst>
+                    <a:ext uri="{9D8B030D-6E8A-4147-A177-3AD203B41FA5}">
+                      <a16:colId xmlns:a16="http://schemas.microsoft.com/office/drawing/2014/main" val="666739950"/>
+                    </a:ext>
+                  </a:extLst>
+                </a:gridCol>
+                <a:gridCol w="628378">
+                  <a:extLst>
+                    <a:ext uri="{9D8B030D-6E8A-4147-A177-3AD203B41FA5}">
+                      <a16:colId xmlns:a16="http://schemas.microsoft.com/office/drawing/2014/main" val="3154320665"/>
+                    </a:ext>
+                  </a:extLst>
+                </a:gridCol>
+                <a:gridCol w="628378">
+                  <a:extLst>
+                    <a:ext uri="{9D8B030D-6E8A-4147-A177-3AD203B41FA5}">
+                      <a16:colId xmlns:a16="http://schemas.microsoft.com/office/drawing/2014/main" val="2259718357"/>
+                    </a:ext>
+                  </a:extLst>
+                </a:gridCol>
+              </a:tblGrid>
+              <a:tr h="289038">
+                <a:tc>
+                  <a:txBody>
+                    <a:bodyPr/>
+                    <a:lstStyle/>
+                    <a:p>
+                      <a:pPr algn="l"/>
+                      <a:r>
+                        <a:rPr lang="en-US" sz="1800" dirty="0"/>
+                        <a:t>treatment</a:t>
+                      </a:r>
+                    </a:p>
+                  </a:txBody>
+                  <a:tcPr marL="37328" marR="37328" marT="18664" marB="18664" anchor="ctr">
+                    <a:lnL w="12700" cap="flat" cmpd="sng" algn="ctr">
+                      <a:noFill/>
+                      <a:prstDash val="solid"/>
+                      <a:round/>
+                      <a:headEnd type="none" w="med" len="med"/>
+                      <a:tailEnd type="none" w="med" len="med"/>
+                    </a:lnL>
+                    <a:lnR w="12700" cap="flat" cmpd="sng" algn="ctr">
+                      <a:noFill/>
+                      <a:prstDash val="solid"/>
+                      <a:round/>
+                      <a:headEnd type="none" w="med" len="med"/>
+                      <a:tailEnd type="none" w="med" len="med"/>
+                    </a:lnR>
+                    <a:lnT w="12700" cap="flat" cmpd="sng" algn="ctr">
+                      <a:noFill/>
+                      <a:prstDash val="solid"/>
+                      <a:round/>
+                      <a:headEnd type="none" w="med" len="med"/>
+                      <a:tailEnd type="none" w="med" len="med"/>
+                    </a:lnT>
+                    <a:lnB w="12700" cap="flat" cmpd="sng" algn="ctr">
+                      <a:solidFill>
+                        <a:schemeClr val="tx1"/>
+                      </a:solidFill>
+                      <a:prstDash val="solid"/>
+                      <a:round/>
+                      <a:headEnd type="none" w="med" len="med"/>
+                      <a:tailEnd type="none" w="med" len="med"/>
+                    </a:lnB>
+                    <a:lnTlToBr w="12700" cmpd="sng">
+                      <a:noFill/>
+                      <a:prstDash val="solid"/>
+                    </a:lnTlToBr>
+                    <a:lnBlToTr w="12700" cmpd="sng">
+                      <a:noFill/>
+                      <a:prstDash val="solid"/>
+                    </a:lnBlToTr>
+                  </a:tcPr>
+                </a:tc>
+                <a:tc>
+                  <a:txBody>
+                    <a:bodyPr/>
+                    <a:lstStyle/>
+                    <a:p>
+                      <a:pPr algn="ctr"/>
+                      <a:r>
+                        <a:rPr lang="en-US" sz="1800" dirty="0"/>
+                        <a:t>1</a:t>
+                      </a:r>
+                    </a:p>
+                  </a:txBody>
+                  <a:tcPr marL="37328" marR="37328" marT="18664" marB="18664" anchor="ctr">
+                    <a:lnL w="12700" cap="flat" cmpd="sng" algn="ctr">
+                      <a:noFill/>
+                      <a:prstDash val="solid"/>
+                      <a:round/>
+                      <a:headEnd type="none" w="med" len="med"/>
+                      <a:tailEnd type="none" w="med" len="med"/>
+                    </a:lnL>
+                    <a:lnR w="12700" cap="flat" cmpd="sng" algn="ctr">
+                      <a:noFill/>
+                      <a:prstDash val="solid"/>
+                      <a:round/>
+                      <a:headEnd type="none" w="med" len="med"/>
+                      <a:tailEnd type="none" w="med" len="med"/>
+                    </a:lnR>
+                    <a:lnT w="12700" cap="flat" cmpd="sng" algn="ctr">
+                      <a:noFill/>
+                      <a:prstDash val="solid"/>
+                      <a:round/>
+                      <a:headEnd type="none" w="med" len="med"/>
+                      <a:tailEnd type="none" w="med" len="med"/>
+                    </a:lnT>
+                    <a:lnB w="12700" cap="flat" cmpd="sng" algn="ctr">
+                      <a:solidFill>
+                        <a:schemeClr val="tx1"/>
+                      </a:solidFill>
+                      <a:prstDash val="solid"/>
+                      <a:round/>
+                      <a:headEnd type="none" w="med" len="med"/>
+                      <a:tailEnd type="none" w="med" len="med"/>
+                    </a:lnB>
+                    <a:lnTlToBr w="12700" cmpd="sng">
+                      <a:noFill/>
+                      <a:prstDash val="solid"/>
+                    </a:lnTlToBr>
+                    <a:lnBlToTr w="12700" cmpd="sng">
+                      <a:noFill/>
+                      <a:prstDash val="solid"/>
+                    </a:lnBlToTr>
+                    <a:noFill/>
+                  </a:tcPr>
+                </a:tc>
+                <a:tc>
+                  <a:txBody>
+                    <a:bodyPr/>
+                    <a:lstStyle/>
+                    <a:p>
+                      <a:pPr algn="ctr"/>
+                      <a:r>
+                        <a:rPr lang="en-US" sz="1800" dirty="0"/>
+                        <a:t>2</a:t>
+                      </a:r>
+                    </a:p>
+                  </a:txBody>
+                  <a:tcPr marL="37328" marR="37328" marT="18664" marB="18664" anchor="ctr">
+                    <a:lnL w="12700" cap="flat" cmpd="sng" algn="ctr">
+                      <a:noFill/>
+                      <a:prstDash val="solid"/>
+                      <a:round/>
+                      <a:headEnd type="none" w="med" len="med"/>
+                      <a:tailEnd type="none" w="med" len="med"/>
+                    </a:lnL>
+                    <a:lnR w="12700" cap="flat" cmpd="sng" algn="ctr">
+                      <a:noFill/>
+                      <a:prstDash val="solid"/>
+                      <a:round/>
+                      <a:headEnd type="none" w="med" len="med"/>
+                      <a:tailEnd type="none" w="med" len="med"/>
+                    </a:lnR>
+                    <a:lnT w="12700" cap="flat" cmpd="sng" algn="ctr">
+                      <a:noFill/>
+                      <a:prstDash val="solid"/>
+                      <a:round/>
+                      <a:headEnd type="none" w="med" len="med"/>
+                      <a:tailEnd type="none" w="med" len="med"/>
+                    </a:lnT>
+                    <a:lnB w="12700" cap="flat" cmpd="sng" algn="ctr">
+                      <a:solidFill>
+                        <a:schemeClr val="tx1"/>
+                      </a:solidFill>
+                      <a:prstDash val="solid"/>
+                      <a:round/>
+                      <a:headEnd type="none" w="med" len="med"/>
+                      <a:tailEnd type="none" w="med" len="med"/>
+                    </a:lnB>
+                    <a:lnTlToBr w="12700" cmpd="sng">
+                      <a:noFill/>
+                      <a:prstDash val="solid"/>
+                    </a:lnTlToBr>
+                    <a:lnBlToTr w="12700" cmpd="sng">
+                      <a:noFill/>
+                      <a:prstDash val="solid"/>
+                    </a:lnBlToTr>
+                    <a:noFill/>
+                  </a:tcPr>
+                </a:tc>
+                <a:tc>
+                  <a:txBody>
+                    <a:bodyPr/>
+                    <a:lstStyle/>
+                    <a:p>
+                      <a:pPr algn="ctr"/>
+                      <a:r>
+                        <a:rPr lang="en-US" sz="1800" dirty="0"/>
+                        <a:t>3</a:t>
+                      </a:r>
+                    </a:p>
+                  </a:txBody>
+                  <a:tcPr marL="37328" marR="37328" marT="18664" marB="18664" anchor="ctr">
+                    <a:lnL w="12700" cap="flat" cmpd="sng" algn="ctr">
+                      <a:noFill/>
+                      <a:prstDash val="solid"/>
+                      <a:round/>
+                      <a:headEnd type="none" w="med" len="med"/>
+                      <a:tailEnd type="none" w="med" len="med"/>
+                    </a:lnL>
+                    <a:lnR w="12700" cap="flat" cmpd="sng" algn="ctr">
+                      <a:noFill/>
+                      <a:prstDash val="solid"/>
+                      <a:round/>
+                      <a:headEnd type="none" w="med" len="med"/>
+                      <a:tailEnd type="none" w="med" len="med"/>
+                    </a:lnR>
+                    <a:lnT w="12700" cap="flat" cmpd="sng" algn="ctr">
+                      <a:noFill/>
+                      <a:prstDash val="solid"/>
+                      <a:round/>
+                      <a:headEnd type="none" w="med" len="med"/>
+                      <a:tailEnd type="none" w="med" len="med"/>
+                    </a:lnT>
+                    <a:lnB w="12700" cap="flat" cmpd="sng" algn="ctr">
+                      <a:solidFill>
+                        <a:schemeClr val="tx1"/>
+                      </a:solidFill>
+                      <a:prstDash val="solid"/>
+                      <a:round/>
+                      <a:headEnd type="none" w="med" len="med"/>
+                      <a:tailEnd type="none" w="med" len="med"/>
+                    </a:lnB>
+                    <a:lnTlToBr w="12700" cmpd="sng">
+                      <a:noFill/>
+                      <a:prstDash val="solid"/>
+                    </a:lnTlToBr>
+                    <a:lnBlToTr w="12700" cmpd="sng">
+                      <a:noFill/>
+                      <a:prstDash val="solid"/>
+                    </a:lnBlToTr>
+                    <a:noFill/>
+                  </a:tcPr>
+                </a:tc>
+                <a:tc>
+                  <a:txBody>
+                    <a:bodyPr/>
+                    <a:lstStyle/>
+                    <a:p>
+                      <a:pPr algn="ctr"/>
+                      <a:r>
+                        <a:rPr lang="en-US" sz="1800" dirty="0"/>
+                        <a:t>4</a:t>
+                      </a:r>
+                    </a:p>
+                  </a:txBody>
+                  <a:tcPr marL="37328" marR="37328" marT="18664" marB="18664" anchor="ctr">
+                    <a:lnL w="12700" cap="flat" cmpd="sng" algn="ctr">
+                      <a:noFill/>
+                      <a:prstDash val="solid"/>
+                      <a:round/>
+                      <a:headEnd type="none" w="med" len="med"/>
+                      <a:tailEnd type="none" w="med" len="med"/>
+                    </a:lnL>
+                    <a:lnR w="12700" cap="flat" cmpd="sng" algn="ctr">
+                      <a:noFill/>
+                      <a:prstDash val="solid"/>
+                      <a:round/>
+                      <a:headEnd type="none" w="med" len="med"/>
+                      <a:tailEnd type="none" w="med" len="med"/>
+                    </a:lnR>
+                    <a:lnT w="12700" cap="flat" cmpd="sng" algn="ctr">
+                      <a:noFill/>
+                      <a:prstDash val="solid"/>
+                      <a:round/>
+                      <a:headEnd type="none" w="med" len="med"/>
+                      <a:tailEnd type="none" w="med" len="med"/>
+                    </a:lnT>
+                    <a:lnB w="12700" cap="flat" cmpd="sng" algn="ctr">
+                      <a:solidFill>
+                        <a:schemeClr val="tx1"/>
+                      </a:solidFill>
+                      <a:prstDash val="solid"/>
+                      <a:round/>
+                      <a:headEnd type="none" w="med" len="med"/>
+                      <a:tailEnd type="none" w="med" len="med"/>
+                    </a:lnB>
+                    <a:lnTlToBr w="12700" cmpd="sng">
+                      <a:noFill/>
+                      <a:prstDash val="solid"/>
+                    </a:lnTlToBr>
+                    <a:lnBlToTr w="12700" cmpd="sng">
+                      <a:noFill/>
+                      <a:prstDash val="solid"/>
+                    </a:lnBlToTr>
+                    <a:noFill/>
+                  </a:tcPr>
+                </a:tc>
+                <a:tc>
+                  <a:txBody>
+                    <a:bodyPr/>
+                    <a:lstStyle/>
+                    <a:p>
+                      <a:pPr algn="ctr"/>
+                      <a:r>
+                        <a:rPr lang="en-US" sz="1800" dirty="0"/>
+                        <a:t>5</a:t>
+                      </a:r>
+                    </a:p>
+                  </a:txBody>
+                  <a:tcPr marL="37328" marR="37328" marT="18664" marB="18664" anchor="ctr">
+                    <a:lnL w="12700" cap="flat" cmpd="sng" algn="ctr">
+                      <a:noFill/>
+                      <a:prstDash val="solid"/>
+                      <a:round/>
+                      <a:headEnd type="none" w="med" len="med"/>
+                      <a:tailEnd type="none" w="med" len="med"/>
+                    </a:lnL>
+                    <a:lnR w="12700" cap="flat" cmpd="sng" algn="ctr">
+                      <a:noFill/>
+                      <a:prstDash val="solid"/>
+                      <a:round/>
+                      <a:headEnd type="none" w="med" len="med"/>
+                      <a:tailEnd type="none" w="med" len="med"/>
+                    </a:lnR>
+                    <a:lnT w="12700" cap="flat" cmpd="sng" algn="ctr">
+                      <a:noFill/>
+                      <a:prstDash val="solid"/>
+                      <a:round/>
+                      <a:headEnd type="none" w="med" len="med"/>
+                      <a:tailEnd type="none" w="med" len="med"/>
+                    </a:lnT>
+                    <a:lnB w="12700" cap="flat" cmpd="sng" algn="ctr">
+                      <a:solidFill>
+                        <a:schemeClr val="tx1"/>
+                      </a:solidFill>
+                      <a:prstDash val="solid"/>
+                      <a:round/>
+                      <a:headEnd type="none" w="med" len="med"/>
+                      <a:tailEnd type="none" w="med" len="med"/>
+                    </a:lnB>
+                    <a:lnTlToBr w="12700" cmpd="sng">
+                      <a:noFill/>
+                      <a:prstDash val="solid"/>
+                    </a:lnTlToBr>
+                    <a:lnBlToTr w="12700" cmpd="sng">
+                      <a:noFill/>
+                      <a:prstDash val="solid"/>
+                    </a:lnBlToTr>
+                    <a:noFill/>
+                  </a:tcPr>
+                </a:tc>
+                <a:tc>
+                  <a:txBody>
+                    <a:bodyPr/>
+                    <a:lstStyle/>
+                    <a:p>
+                      <a:pPr algn="ctr"/>
+                      <a:r>
+                        <a:rPr lang="en-US" sz="1800" dirty="0"/>
+                        <a:t>6</a:t>
+                      </a:r>
+                    </a:p>
+                  </a:txBody>
+                  <a:tcPr marL="37328" marR="37328" marT="18664" marB="18664" anchor="ctr">
+                    <a:lnL w="12700" cap="flat" cmpd="sng" algn="ctr">
+                      <a:noFill/>
+                      <a:prstDash val="solid"/>
+                      <a:round/>
+                      <a:headEnd type="none" w="med" len="med"/>
+                      <a:tailEnd type="none" w="med" len="med"/>
+                    </a:lnL>
+                    <a:lnR w="12700" cap="flat" cmpd="sng" algn="ctr">
+                      <a:noFill/>
+                      <a:prstDash val="sysDash"/>
+                      <a:round/>
+                      <a:headEnd type="none" w="med" len="med"/>
+                      <a:tailEnd type="none" w="med" len="med"/>
+                    </a:lnR>
+                    <a:lnT w="12700" cap="flat" cmpd="sng" algn="ctr">
+                      <a:noFill/>
+                      <a:prstDash val="solid"/>
+                      <a:round/>
+                      <a:headEnd type="none" w="med" len="med"/>
+                      <a:tailEnd type="none" w="med" len="med"/>
+                    </a:lnT>
+                    <a:lnB w="12700" cap="flat" cmpd="sng" algn="ctr">
+                      <a:solidFill>
+                        <a:schemeClr val="tx1"/>
+                      </a:solidFill>
+                      <a:prstDash val="solid"/>
+                      <a:round/>
+                      <a:headEnd type="none" w="med" len="med"/>
+                      <a:tailEnd type="none" w="med" len="med"/>
+                    </a:lnB>
+                    <a:lnTlToBr w="12700" cmpd="sng">
+                      <a:noFill/>
+                      <a:prstDash val="solid"/>
+                    </a:lnTlToBr>
+                    <a:lnBlToTr w="12700" cmpd="sng">
+                      <a:noFill/>
+                      <a:prstDash val="solid"/>
+                    </a:lnBlToTr>
+                    <a:noFill/>
+                  </a:tcPr>
+                </a:tc>
+                <a:tc>
+                  <a:txBody>
+                    <a:bodyPr/>
+                    <a:lstStyle/>
+                    <a:p>
+                      <a:pPr algn="ctr"/>
+                      <a:r>
+                        <a:rPr lang="en-US" sz="1800" dirty="0"/>
+                        <a:t>7</a:t>
+                      </a:r>
+                    </a:p>
+                  </a:txBody>
+                  <a:tcPr marL="37328" marR="37328" marT="18664" marB="18664" anchor="ctr">
+                    <a:lnL w="12700" cap="flat" cmpd="sng" algn="ctr">
+                      <a:noFill/>
+                      <a:prstDash val="sysDash"/>
+                      <a:round/>
+                      <a:headEnd type="none" w="med" len="med"/>
+                      <a:tailEnd type="none" w="med" len="med"/>
+                    </a:lnL>
+                    <a:lnR w="12700" cap="flat" cmpd="sng" algn="ctr">
+                      <a:noFill/>
+                      <a:prstDash val="solid"/>
+                      <a:round/>
+                      <a:headEnd type="none" w="med" len="med"/>
+                      <a:tailEnd type="none" w="med" len="med"/>
+                    </a:lnR>
+                    <a:lnT w="12700" cap="flat" cmpd="sng" algn="ctr">
+                      <a:noFill/>
+                      <a:prstDash val="solid"/>
+                      <a:round/>
+                      <a:headEnd type="none" w="med" len="med"/>
+                      <a:tailEnd type="none" w="med" len="med"/>
+                    </a:lnT>
+                    <a:lnB w="12700" cap="flat" cmpd="sng" algn="ctr">
+                      <a:solidFill>
+                        <a:schemeClr val="tx1"/>
+                      </a:solidFill>
+                      <a:prstDash val="solid"/>
+                      <a:round/>
+                      <a:headEnd type="none" w="med" len="med"/>
+                      <a:tailEnd type="none" w="med" len="med"/>
+                    </a:lnB>
+                    <a:lnTlToBr w="12700" cmpd="sng">
+                      <a:noFill/>
+                      <a:prstDash val="solid"/>
+                    </a:lnTlToBr>
+                    <a:lnBlToTr w="12700" cmpd="sng">
+                      <a:noFill/>
+                      <a:prstDash val="solid"/>
+                    </a:lnBlToTr>
+                    <a:noFill/>
+                  </a:tcPr>
+                </a:tc>
+                <a:tc>
+                  <a:txBody>
+                    <a:bodyPr/>
+                    <a:lstStyle/>
+                    <a:p>
+                      <a:pPr algn="ctr"/>
+                      <a:r>
+                        <a:rPr lang="en-US" sz="1800" dirty="0"/>
+                        <a:t>8</a:t>
+                      </a:r>
+                    </a:p>
+                  </a:txBody>
+                  <a:tcPr marL="37328" marR="37328" marT="18664" marB="18664" anchor="ctr">
+                    <a:lnL w="12700" cap="flat" cmpd="sng" algn="ctr">
+                      <a:noFill/>
+                      <a:prstDash val="solid"/>
+                      <a:round/>
+                      <a:headEnd type="none" w="med" len="med"/>
+                      <a:tailEnd type="none" w="med" len="med"/>
+                    </a:lnL>
+                    <a:lnR w="12700" cap="flat" cmpd="sng" algn="ctr">
+                      <a:noFill/>
+                      <a:prstDash val="solid"/>
+                      <a:round/>
+                      <a:headEnd type="none" w="med" len="med"/>
+                      <a:tailEnd type="none" w="med" len="med"/>
+                    </a:lnR>
+                    <a:lnT w="12700" cap="flat" cmpd="sng" algn="ctr">
+                      <a:noFill/>
+                      <a:prstDash val="solid"/>
+                      <a:round/>
+                      <a:headEnd type="none" w="med" len="med"/>
+                      <a:tailEnd type="none" w="med" len="med"/>
+                    </a:lnT>
+                    <a:lnB w="12700" cap="flat" cmpd="sng" algn="ctr">
+                      <a:solidFill>
+                        <a:schemeClr val="tx1"/>
+                      </a:solidFill>
+                      <a:prstDash val="solid"/>
+                      <a:round/>
+                      <a:headEnd type="none" w="med" len="med"/>
+                      <a:tailEnd type="none" w="med" len="med"/>
+                    </a:lnB>
+                    <a:lnTlToBr w="12700" cmpd="sng">
+                      <a:noFill/>
+                      <a:prstDash val="solid"/>
+                    </a:lnTlToBr>
+                    <a:lnBlToTr w="12700" cmpd="sng">
+                      <a:noFill/>
+                      <a:prstDash val="solid"/>
+                    </a:lnBlToTr>
+                    <a:noFill/>
+                  </a:tcPr>
+                </a:tc>
+                <a:tc>
+                  <a:txBody>
+                    <a:bodyPr/>
+                    <a:lstStyle/>
+                    <a:p>
+                      <a:pPr algn="ctr"/>
+                      <a:r>
+                        <a:rPr lang="en-US" sz="1800" dirty="0"/>
+                        <a:t>9</a:t>
+                      </a:r>
+                    </a:p>
+                  </a:txBody>
+                  <a:tcPr marL="37328" marR="37328" marT="18664" marB="18664" anchor="ctr">
+                    <a:lnL w="12700" cap="flat" cmpd="sng" algn="ctr">
+                      <a:noFill/>
+                      <a:prstDash val="solid"/>
+                      <a:round/>
+                      <a:headEnd type="none" w="med" len="med"/>
+                      <a:tailEnd type="none" w="med" len="med"/>
+                    </a:lnL>
+                    <a:lnR w="12700" cap="flat" cmpd="sng" algn="ctr">
+                      <a:noFill/>
+                      <a:prstDash val="solid"/>
+                      <a:round/>
+                      <a:headEnd type="none" w="med" len="med"/>
+                      <a:tailEnd type="none" w="med" len="med"/>
+                    </a:lnR>
+                    <a:lnT w="12700" cap="flat" cmpd="sng" algn="ctr">
+                      <a:noFill/>
+                      <a:prstDash val="solid"/>
+                      <a:round/>
+                      <a:headEnd type="none" w="med" len="med"/>
+                      <a:tailEnd type="none" w="med" len="med"/>
+                    </a:lnT>
+                    <a:lnB w="12700" cap="flat" cmpd="sng" algn="ctr">
+                      <a:solidFill>
+                        <a:schemeClr val="tx1"/>
+                      </a:solidFill>
+                      <a:prstDash val="solid"/>
+                      <a:round/>
+                      <a:headEnd type="none" w="med" len="med"/>
+                      <a:tailEnd type="none" w="med" len="med"/>
+                    </a:lnB>
+                    <a:lnTlToBr w="12700" cmpd="sng">
+                      <a:noFill/>
+                      <a:prstDash val="solid"/>
+                    </a:lnTlToBr>
+                    <a:lnBlToTr w="12700" cmpd="sng">
+                      <a:noFill/>
+                      <a:prstDash val="solid"/>
+                    </a:lnBlToTr>
+                    <a:noFill/>
+                  </a:tcPr>
+                </a:tc>
+                <a:tc>
+                  <a:txBody>
+                    <a:bodyPr/>
+                    <a:lstStyle/>
+                    <a:p>
+                      <a:pPr algn="ctr"/>
+                      <a:r>
+                        <a:rPr lang="en-US" sz="1800" dirty="0"/>
+                        <a:t>10</a:t>
+                      </a:r>
+                    </a:p>
+                  </a:txBody>
+                  <a:tcPr marL="37328" marR="37328" marT="18664" marB="18664" anchor="ctr">
+                    <a:lnL w="12700" cap="flat" cmpd="sng" algn="ctr">
+                      <a:noFill/>
+                      <a:prstDash val="solid"/>
+                      <a:round/>
+                      <a:headEnd type="none" w="med" len="med"/>
+                      <a:tailEnd type="none" w="med" len="med"/>
+                    </a:lnL>
+                    <a:lnR w="12700" cap="flat" cmpd="sng" algn="ctr">
+                      <a:noFill/>
+                      <a:prstDash val="solid"/>
+                      <a:round/>
+                      <a:headEnd type="none" w="med" len="med"/>
+                      <a:tailEnd type="none" w="med" len="med"/>
+                    </a:lnR>
+                    <a:lnT w="12700" cap="flat" cmpd="sng" algn="ctr">
+                      <a:noFill/>
+                      <a:prstDash val="solid"/>
+                      <a:round/>
+                      <a:headEnd type="none" w="med" len="med"/>
+                      <a:tailEnd type="none" w="med" len="med"/>
+                    </a:lnT>
+                    <a:lnB w="12700" cap="flat" cmpd="sng" algn="ctr">
+                      <a:solidFill>
+                        <a:schemeClr val="tx1"/>
+                      </a:solidFill>
+                      <a:prstDash val="solid"/>
+                      <a:round/>
+                      <a:headEnd type="none" w="med" len="med"/>
+                      <a:tailEnd type="none" w="med" len="med"/>
+                    </a:lnB>
+                    <a:lnTlToBr w="12700" cmpd="sng">
+                      <a:noFill/>
+                      <a:prstDash val="solid"/>
+                    </a:lnTlToBr>
+                    <a:lnBlToTr w="12700" cmpd="sng">
+                      <a:noFill/>
+                      <a:prstDash val="solid"/>
+                    </a:lnBlToTr>
+                    <a:noFill/>
+                  </a:tcPr>
+                </a:tc>
+                <a:tc>
+                  <a:txBody>
+                    <a:bodyPr/>
+                    <a:lstStyle/>
+                    <a:p>
+                      <a:pPr algn="ctr"/>
+                      <a:r>
+                        <a:rPr lang="en-US" dirty="0"/>
+                        <a:t>11</a:t>
+                      </a:r>
+                    </a:p>
+                  </a:txBody>
+                  <a:tcPr marL="37328" marR="37328" marT="18664" marB="18664" anchor="ctr">
+                    <a:lnL w="12700" cap="flat" cmpd="sng" algn="ctr">
+                      <a:noFill/>
+                      <a:prstDash val="solid"/>
+                      <a:round/>
+                      <a:headEnd type="none" w="med" len="med"/>
+                      <a:tailEnd type="none" w="med" len="med"/>
+                    </a:lnL>
+                    <a:lnR w="12700" cap="flat" cmpd="sng" algn="ctr">
+                      <a:noFill/>
+                      <a:prstDash val="solid"/>
+                      <a:round/>
+                      <a:headEnd type="none" w="med" len="med"/>
+                      <a:tailEnd type="none" w="med" len="med"/>
+                    </a:lnR>
+                    <a:lnT w="12700" cap="flat" cmpd="sng" algn="ctr">
+                      <a:noFill/>
+                      <a:prstDash val="solid"/>
+                      <a:round/>
+                      <a:headEnd type="none" w="med" len="med"/>
+                      <a:tailEnd type="none" w="med" len="med"/>
+                    </a:lnT>
+                    <a:lnB w="12700" cap="flat" cmpd="sng" algn="ctr">
+                      <a:solidFill>
+                        <a:schemeClr val="tx1"/>
+                      </a:solidFill>
+                      <a:prstDash val="solid"/>
+                      <a:round/>
+                      <a:headEnd type="none" w="med" len="med"/>
+                      <a:tailEnd type="none" w="med" len="med"/>
+                    </a:lnB>
+                    <a:lnTlToBr w="12700" cmpd="sng">
+                      <a:noFill/>
+                      <a:prstDash val="solid"/>
+                    </a:lnTlToBr>
+                    <a:lnBlToTr w="12700" cmpd="sng">
+                      <a:noFill/>
+                      <a:prstDash val="solid"/>
+                    </a:lnBlToTr>
+                    <a:noFill/>
+                  </a:tcPr>
+                </a:tc>
+                <a:extLst>
+                  <a:ext uri="{0D108BD9-81ED-4DB2-BD59-A6C34878D82A}">
+                    <a16:rowId xmlns:a16="http://schemas.microsoft.com/office/drawing/2014/main" val="1581252352"/>
+                  </a:ext>
+                </a:extLst>
+              </a:tr>
+              <a:tr h="521210">
+                <a:tc>
+                  <a:txBody>
+                    <a:bodyPr/>
+                    <a:lstStyle/>
+                    <a:p>
+                      <a:pPr algn="l"/>
+                      <a:r>
+                        <a:rPr lang="en-US" sz="1800" dirty="0"/>
+                        <a:t>%</a:t>
+                      </a:r>
+                      <a:r>
+                        <a:rPr lang="en-US" sz="1800" baseline="0" dirty="0"/>
+                        <a:t> of</a:t>
+                      </a:r>
+                      <a:r>
+                        <a:rPr lang="zh-TW" altLang="en-US" sz="1800" baseline="0" dirty="0"/>
+                        <a:t> </a:t>
+                      </a:r>
+                      <a:r>
+                        <a:rPr lang="en-US" altLang="zh-TW" sz="1800" baseline="0" dirty="0" err="1"/>
+                        <a:t>mzp</a:t>
+                      </a:r>
+                      <a:endParaRPr lang="en-US" sz="1800" dirty="0"/>
+                    </a:p>
+                  </a:txBody>
+                  <a:tcPr marL="37328" marR="37328" marT="18664" marB="18664" anchor="ctr">
+                    <a:lnL w="12700" cap="flat" cmpd="sng" algn="ctr">
+                      <a:noFill/>
+                      <a:prstDash val="solid"/>
+                      <a:round/>
+                      <a:headEnd type="none" w="med" len="med"/>
+                      <a:tailEnd type="none" w="med" len="med"/>
+                    </a:lnL>
+                    <a:lnR w="12700" cap="flat" cmpd="sng" algn="ctr">
+                      <a:noFill/>
+                      <a:prstDash val="solid"/>
+                      <a:round/>
+                      <a:headEnd type="none" w="med" len="med"/>
+                      <a:tailEnd type="none" w="med" len="med"/>
+                    </a:lnR>
+                    <a:lnT w="12700" cap="flat" cmpd="sng" algn="ctr">
+                      <a:solidFill>
+                        <a:schemeClr val="tx1"/>
+                      </a:solidFill>
+                      <a:prstDash val="solid"/>
+                      <a:round/>
+                      <a:headEnd type="none" w="med" len="med"/>
+                      <a:tailEnd type="none" w="med" len="med"/>
+                    </a:lnT>
+                    <a:lnB w="12700" cap="flat" cmpd="sng" algn="ctr">
+                      <a:solidFill>
+                        <a:schemeClr val="tx1"/>
+                      </a:solidFill>
+                      <a:prstDash val="solid"/>
+                      <a:round/>
+                      <a:headEnd type="none" w="med" len="med"/>
+                      <a:tailEnd type="none" w="med" len="med"/>
+                    </a:lnB>
+                    <a:lnTlToBr w="12700" cmpd="sng">
+                      <a:noFill/>
+                      <a:prstDash val="solid"/>
+                    </a:lnTlToBr>
+                    <a:lnBlToTr w="12700" cmpd="sng">
+                      <a:noFill/>
+                      <a:prstDash val="solid"/>
+                    </a:lnBlToTr>
+                  </a:tcPr>
+                </a:tc>
+                <a:tc>
+                  <a:txBody>
+                    <a:bodyPr/>
+                    <a:lstStyle/>
+                    <a:p>
+                      <a:pPr algn="ctr"/>
+                      <a:r>
+                        <a:rPr lang="en-US" sz="1800" dirty="0"/>
+                        <a:t>0</a:t>
+                      </a:r>
+                    </a:p>
+                  </a:txBody>
+                  <a:tcPr marL="37328" marR="37328" marT="18664" marB="18664" anchor="ctr">
+                    <a:lnL w="12700" cap="flat" cmpd="sng" algn="ctr">
+                      <a:noFill/>
+                      <a:prstDash val="solid"/>
+                      <a:round/>
+                      <a:headEnd type="none" w="med" len="med"/>
+                      <a:tailEnd type="none" w="med" len="med"/>
+                    </a:lnL>
+                    <a:lnR w="12700" cap="flat" cmpd="sng" algn="ctr">
+                      <a:noFill/>
+                      <a:prstDash val="solid"/>
+                      <a:round/>
+                      <a:headEnd type="none" w="med" len="med"/>
+                      <a:tailEnd type="none" w="med" len="med"/>
+                    </a:lnR>
+                    <a:lnT w="12700" cap="flat" cmpd="sng" algn="ctr">
+                      <a:solidFill>
+                        <a:schemeClr val="tx1"/>
+                      </a:solidFill>
+                      <a:prstDash val="solid"/>
+                      <a:round/>
+                      <a:headEnd type="none" w="med" len="med"/>
+                      <a:tailEnd type="none" w="med" len="med"/>
+                    </a:lnT>
+                    <a:lnB w="12700" cap="flat" cmpd="sng" algn="ctr">
+                      <a:solidFill>
+                        <a:schemeClr val="tx1"/>
+                      </a:solidFill>
+                      <a:prstDash val="solid"/>
+                      <a:round/>
+                      <a:headEnd type="none" w="med" len="med"/>
+                      <a:tailEnd type="none" w="med" len="med"/>
+                    </a:lnB>
+                    <a:lnTlToBr w="12700" cmpd="sng">
+                      <a:noFill/>
+                      <a:prstDash val="solid"/>
+                    </a:lnTlToBr>
+                    <a:lnBlToTr w="12700" cmpd="sng">
+                      <a:noFill/>
+                      <a:prstDash val="solid"/>
+                    </a:lnBlToTr>
+                    <a:noFill/>
+                  </a:tcPr>
+                </a:tc>
+                <a:tc>
+                  <a:txBody>
+                    <a:bodyPr/>
+                    <a:lstStyle/>
+                    <a:p>
+                      <a:pPr algn="ctr"/>
+                      <a:r>
+                        <a:rPr lang="en-US" sz="1800" dirty="0"/>
+                        <a:t>0</a:t>
+                      </a:r>
+                    </a:p>
+                  </a:txBody>
+                  <a:tcPr marL="37328" marR="37328" marT="18664" marB="18664" anchor="ctr">
+                    <a:lnL w="12700" cap="flat" cmpd="sng" algn="ctr">
+                      <a:noFill/>
+                      <a:prstDash val="solid"/>
+                      <a:round/>
+                      <a:headEnd type="none" w="med" len="med"/>
+                      <a:tailEnd type="none" w="med" len="med"/>
+                    </a:lnL>
+                    <a:lnR w="12700" cap="flat" cmpd="sng" algn="ctr">
+                      <a:noFill/>
+                      <a:prstDash val="solid"/>
+                      <a:round/>
+                      <a:headEnd type="none" w="med" len="med"/>
+                      <a:tailEnd type="none" w="med" len="med"/>
+                    </a:lnR>
+                    <a:lnT w="12700" cap="flat" cmpd="sng" algn="ctr">
+                      <a:solidFill>
+                        <a:schemeClr val="tx1"/>
+                      </a:solidFill>
+                      <a:prstDash val="solid"/>
+                      <a:round/>
+                      <a:headEnd type="none" w="med" len="med"/>
+                      <a:tailEnd type="none" w="med" len="med"/>
+                    </a:lnT>
+                    <a:lnB w="12700" cap="flat" cmpd="sng" algn="ctr">
+                      <a:solidFill>
+                        <a:schemeClr val="tx1"/>
+                      </a:solidFill>
+                      <a:prstDash val="solid"/>
+                      <a:round/>
+                      <a:headEnd type="none" w="med" len="med"/>
+                      <a:tailEnd type="none" w="med" len="med"/>
+                    </a:lnB>
+                    <a:lnTlToBr w="12700" cmpd="sng">
+                      <a:noFill/>
+                      <a:prstDash val="solid"/>
+                    </a:lnTlToBr>
+                    <a:lnBlToTr w="12700" cmpd="sng">
+                      <a:noFill/>
+                      <a:prstDash val="solid"/>
+                    </a:lnBlToTr>
+                    <a:noFill/>
+                  </a:tcPr>
+                </a:tc>
+                <a:tc>
+                  <a:txBody>
+                    <a:bodyPr/>
+                    <a:lstStyle/>
+                    <a:p>
+                      <a:pPr algn="ctr"/>
+                      <a:r>
+                        <a:rPr lang="en-US" sz="1800" dirty="0"/>
+                        <a:t>0</a:t>
+                      </a:r>
+                    </a:p>
+                  </a:txBody>
+                  <a:tcPr marL="37328" marR="37328" marT="18664" marB="18664" anchor="ctr">
+                    <a:lnL w="12700" cap="flat" cmpd="sng" algn="ctr">
+                      <a:noFill/>
+                      <a:prstDash val="solid"/>
+                      <a:round/>
+                      <a:headEnd type="none" w="med" len="med"/>
+                      <a:tailEnd type="none" w="med" len="med"/>
+                    </a:lnL>
+                    <a:lnR w="12700" cap="flat" cmpd="sng" algn="ctr">
+                      <a:noFill/>
+                      <a:prstDash val="solid"/>
+                      <a:round/>
+                      <a:headEnd type="none" w="med" len="med"/>
+                      <a:tailEnd type="none" w="med" len="med"/>
+                    </a:lnR>
+                    <a:lnT w="12700" cap="flat" cmpd="sng" algn="ctr">
+                      <a:solidFill>
+                        <a:schemeClr val="tx1"/>
+                      </a:solidFill>
+                      <a:prstDash val="solid"/>
+                      <a:round/>
+                      <a:headEnd type="none" w="med" len="med"/>
+                      <a:tailEnd type="none" w="med" len="med"/>
+                    </a:lnT>
+                    <a:lnB w="12700" cap="flat" cmpd="sng" algn="ctr">
+                      <a:solidFill>
+                        <a:schemeClr val="tx1"/>
+                      </a:solidFill>
+                      <a:prstDash val="solid"/>
+                      <a:round/>
+                      <a:headEnd type="none" w="med" len="med"/>
+                      <a:tailEnd type="none" w="med" len="med"/>
+                    </a:lnB>
+                    <a:lnTlToBr w="12700" cmpd="sng">
+                      <a:noFill/>
+                      <a:prstDash val="solid"/>
+                    </a:lnTlToBr>
+                    <a:lnBlToTr w="12700" cmpd="sng">
+                      <a:noFill/>
+                      <a:prstDash val="solid"/>
+                    </a:lnBlToTr>
+                    <a:noFill/>
+                  </a:tcPr>
+                </a:tc>
+                <a:tc>
+                  <a:txBody>
+                    <a:bodyPr/>
+                    <a:lstStyle/>
+                    <a:p>
+                      <a:pPr algn="ctr"/>
+                      <a:r>
+                        <a:rPr lang="en-US" altLang="zh-TW" sz="1800" dirty="0"/>
+                        <a:t>0</a:t>
+                      </a:r>
+                      <a:endParaRPr lang="en-US" sz="1800" dirty="0"/>
+                    </a:p>
+                  </a:txBody>
+                  <a:tcPr marL="37328" marR="37328" marT="18664" marB="18664" anchor="ctr">
+                    <a:lnL w="12700" cap="flat" cmpd="sng" algn="ctr">
+                      <a:noFill/>
+                      <a:prstDash val="solid"/>
+                      <a:round/>
+                      <a:headEnd type="none" w="med" len="med"/>
+                      <a:tailEnd type="none" w="med" len="med"/>
+                    </a:lnL>
+                    <a:lnR w="12700" cap="flat" cmpd="sng" algn="ctr">
+                      <a:noFill/>
+                      <a:prstDash val="solid"/>
+                      <a:round/>
+                      <a:headEnd type="none" w="med" len="med"/>
+                      <a:tailEnd type="none" w="med" len="med"/>
+                    </a:lnR>
+                    <a:lnT w="12700" cap="flat" cmpd="sng" algn="ctr">
+                      <a:solidFill>
+                        <a:schemeClr val="tx1"/>
+                      </a:solidFill>
+                      <a:prstDash val="solid"/>
+                      <a:round/>
+                      <a:headEnd type="none" w="med" len="med"/>
+                      <a:tailEnd type="none" w="med" len="med"/>
+                    </a:lnT>
+                    <a:lnB w="12700" cap="flat" cmpd="sng" algn="ctr">
+                      <a:solidFill>
+                        <a:schemeClr val="tx1"/>
+                      </a:solidFill>
+                      <a:prstDash val="solid"/>
+                      <a:round/>
+                      <a:headEnd type="none" w="med" len="med"/>
+                      <a:tailEnd type="none" w="med" len="med"/>
+                    </a:lnB>
+                    <a:lnTlToBr w="12700" cmpd="sng">
+                      <a:noFill/>
+                      <a:prstDash val="solid"/>
+                    </a:lnTlToBr>
+                    <a:lnBlToTr w="12700" cmpd="sng">
+                      <a:noFill/>
+                      <a:prstDash val="solid"/>
+                    </a:lnBlToTr>
+                    <a:noFill/>
+                  </a:tcPr>
+                </a:tc>
+                <a:tc>
+                  <a:txBody>
+                    <a:bodyPr/>
+                    <a:lstStyle/>
+                    <a:p>
+                      <a:pPr algn="ctr"/>
+                      <a:r>
+                        <a:rPr lang="en-US" sz="1800" dirty="0"/>
+                        <a:t>0</a:t>
+                      </a:r>
+                    </a:p>
+                  </a:txBody>
+                  <a:tcPr marL="37328" marR="37328" marT="18664" marB="18664" anchor="ctr">
+                    <a:lnL w="12700" cap="flat" cmpd="sng" algn="ctr">
+                      <a:noFill/>
+                      <a:prstDash val="solid"/>
+                      <a:round/>
+                      <a:headEnd type="none" w="med" len="med"/>
+                      <a:tailEnd type="none" w="med" len="med"/>
+                    </a:lnL>
+                    <a:lnR w="12700" cap="flat" cmpd="sng" algn="ctr">
+                      <a:noFill/>
+                      <a:prstDash val="solid"/>
+                      <a:round/>
+                      <a:headEnd type="none" w="med" len="med"/>
+                      <a:tailEnd type="none" w="med" len="med"/>
+                    </a:lnR>
+                    <a:lnT w="12700" cap="flat" cmpd="sng" algn="ctr">
+                      <a:solidFill>
+                        <a:schemeClr val="tx1"/>
+                      </a:solidFill>
+                      <a:prstDash val="solid"/>
+                      <a:round/>
+                      <a:headEnd type="none" w="med" len="med"/>
+                      <a:tailEnd type="none" w="med" len="med"/>
+                    </a:lnT>
+                    <a:lnB w="12700" cap="flat" cmpd="sng" algn="ctr">
+                      <a:solidFill>
+                        <a:schemeClr val="tx1"/>
+                      </a:solidFill>
+                      <a:prstDash val="solid"/>
+                      <a:round/>
+                      <a:headEnd type="none" w="med" len="med"/>
+                      <a:tailEnd type="none" w="med" len="med"/>
+                    </a:lnB>
+                    <a:lnTlToBr w="12700" cmpd="sng">
+                      <a:noFill/>
+                      <a:prstDash val="solid"/>
+                    </a:lnTlToBr>
+                    <a:lnBlToTr w="12700" cmpd="sng">
+                      <a:noFill/>
+                      <a:prstDash val="solid"/>
+                    </a:lnBlToTr>
+                    <a:noFill/>
+                  </a:tcPr>
+                </a:tc>
+                <a:tc>
+                  <a:txBody>
+                    <a:bodyPr/>
+                    <a:lstStyle/>
+                    <a:p>
+                      <a:pPr algn="ctr"/>
+                      <a:r>
+                        <a:rPr lang="en-US" sz="1800" dirty="0"/>
+                        <a:t>0</a:t>
+                      </a:r>
+                    </a:p>
+                  </a:txBody>
+                  <a:tcPr marL="37328" marR="37328" marT="18664" marB="18664" anchor="ctr">
+                    <a:lnL w="12700" cap="flat" cmpd="sng" algn="ctr">
+                      <a:noFill/>
+                      <a:prstDash val="solid"/>
+                      <a:round/>
+                      <a:headEnd type="none" w="med" len="med"/>
+                      <a:tailEnd type="none" w="med" len="med"/>
+                    </a:lnL>
+                    <a:lnR w="12700" cap="flat" cmpd="sng" algn="ctr">
+                      <a:noFill/>
+                      <a:prstDash val="sysDash"/>
+                      <a:round/>
+                      <a:headEnd type="none" w="med" len="med"/>
+                      <a:tailEnd type="none" w="med" len="med"/>
+                    </a:lnR>
+                    <a:lnT w="12700" cap="flat" cmpd="sng" algn="ctr">
+                      <a:solidFill>
+                        <a:schemeClr val="tx1"/>
+                      </a:solidFill>
+                      <a:prstDash val="solid"/>
+                      <a:round/>
+                      <a:headEnd type="none" w="med" len="med"/>
+                      <a:tailEnd type="none" w="med" len="med"/>
+                    </a:lnT>
+                    <a:lnB w="12700" cap="flat" cmpd="sng" algn="ctr">
+                      <a:solidFill>
+                        <a:schemeClr val="tx1"/>
+                      </a:solidFill>
+                      <a:prstDash val="solid"/>
+                      <a:round/>
+                      <a:headEnd type="none" w="med" len="med"/>
+                      <a:tailEnd type="none" w="med" len="med"/>
+                    </a:lnB>
+                    <a:lnTlToBr w="12700" cmpd="sng">
+                      <a:noFill/>
+                      <a:prstDash val="solid"/>
+                    </a:lnTlToBr>
+                    <a:lnBlToTr w="12700" cmpd="sng">
+                      <a:noFill/>
+                      <a:prstDash val="solid"/>
+                    </a:lnBlToTr>
+                    <a:noFill/>
+                  </a:tcPr>
+                </a:tc>
+                <a:tc>
+                  <a:txBody>
+                    <a:bodyPr/>
+                    <a:lstStyle/>
+                    <a:p>
+                      <a:pPr algn="ctr"/>
+                      <a:r>
+                        <a:rPr lang="en-US" sz="1800" dirty="0"/>
+                        <a:t>20</a:t>
+                      </a:r>
+                    </a:p>
+                  </a:txBody>
+                  <a:tcPr marL="37328" marR="37328" marT="18664" marB="18664" anchor="ctr">
+                    <a:lnL w="12700" cap="flat" cmpd="sng" algn="ctr">
+                      <a:noFill/>
+                      <a:prstDash val="sysDash"/>
+                      <a:round/>
+                      <a:headEnd type="none" w="med" len="med"/>
+                      <a:tailEnd type="none" w="med" len="med"/>
+                    </a:lnL>
+                    <a:lnR w="12700" cap="flat" cmpd="sng" algn="ctr">
+                      <a:noFill/>
+                      <a:prstDash val="solid"/>
+                      <a:round/>
+                      <a:headEnd type="none" w="med" len="med"/>
+                      <a:tailEnd type="none" w="med" len="med"/>
+                    </a:lnR>
+                    <a:lnT w="12700" cap="flat" cmpd="sng" algn="ctr">
+                      <a:solidFill>
+                        <a:schemeClr val="tx1"/>
+                      </a:solidFill>
+                      <a:prstDash val="solid"/>
+                      <a:round/>
+                      <a:headEnd type="none" w="med" len="med"/>
+                      <a:tailEnd type="none" w="med" len="med"/>
+                    </a:lnT>
+                    <a:lnB w="12700" cap="flat" cmpd="sng" algn="ctr">
+                      <a:solidFill>
+                        <a:schemeClr val="tx1"/>
+                      </a:solidFill>
+                      <a:prstDash val="solid"/>
+                      <a:round/>
+                      <a:headEnd type="none" w="med" len="med"/>
+                      <a:tailEnd type="none" w="med" len="med"/>
+                    </a:lnB>
+                    <a:lnTlToBr w="12700" cmpd="sng">
+                      <a:noFill/>
+                      <a:prstDash val="solid"/>
+                    </a:lnTlToBr>
+                    <a:lnBlToTr w="12700" cmpd="sng">
+                      <a:noFill/>
+                      <a:prstDash val="solid"/>
+                    </a:lnBlToTr>
+                    <a:noFill/>
+                  </a:tcPr>
+                </a:tc>
+                <a:tc>
+                  <a:txBody>
+                    <a:bodyPr/>
+                    <a:lstStyle/>
+                    <a:p>
+                      <a:pPr algn="ctr"/>
+                      <a:r>
+                        <a:rPr lang="en-US" sz="1800" dirty="0"/>
+                        <a:t>40</a:t>
+                      </a:r>
+                    </a:p>
+                  </a:txBody>
+                  <a:tcPr marL="37328" marR="37328" marT="18664" marB="18664" anchor="ctr">
+                    <a:lnL w="12700" cap="flat" cmpd="sng" algn="ctr">
+                      <a:noFill/>
+                      <a:prstDash val="solid"/>
+                      <a:round/>
+                      <a:headEnd type="none" w="med" len="med"/>
+                      <a:tailEnd type="none" w="med" len="med"/>
+                    </a:lnL>
+                    <a:lnR w="12700" cap="flat" cmpd="sng" algn="ctr">
+                      <a:noFill/>
+                      <a:prstDash val="solid"/>
+                      <a:round/>
+                      <a:headEnd type="none" w="med" len="med"/>
+                      <a:tailEnd type="none" w="med" len="med"/>
+                    </a:lnR>
+                    <a:lnT w="12700" cap="flat" cmpd="sng" algn="ctr">
+                      <a:solidFill>
+                        <a:schemeClr val="tx1"/>
+                      </a:solidFill>
+                      <a:prstDash val="solid"/>
+                      <a:round/>
+                      <a:headEnd type="none" w="med" len="med"/>
+                      <a:tailEnd type="none" w="med" len="med"/>
+                    </a:lnT>
+                    <a:lnB w="12700" cap="flat" cmpd="sng" algn="ctr">
+                      <a:solidFill>
+                        <a:schemeClr val="tx1"/>
+                      </a:solidFill>
+                      <a:prstDash val="solid"/>
+                      <a:round/>
+                      <a:headEnd type="none" w="med" len="med"/>
+                      <a:tailEnd type="none" w="med" len="med"/>
+                    </a:lnB>
+                    <a:lnTlToBr w="12700" cmpd="sng">
+                      <a:noFill/>
+                      <a:prstDash val="solid"/>
+                    </a:lnTlToBr>
+                    <a:lnBlToTr w="12700" cmpd="sng">
+                      <a:noFill/>
+                      <a:prstDash val="solid"/>
+                    </a:lnBlToTr>
+                    <a:noFill/>
+                  </a:tcPr>
+                </a:tc>
+                <a:tc>
+                  <a:txBody>
+                    <a:bodyPr/>
+                    <a:lstStyle/>
+                    <a:p>
+                      <a:pPr algn="ctr"/>
+                      <a:r>
+                        <a:rPr lang="en-US" sz="1800" dirty="0"/>
+                        <a:t>60</a:t>
+                      </a:r>
+                    </a:p>
+                  </a:txBody>
+                  <a:tcPr marL="37328" marR="37328" marT="18664" marB="18664" anchor="ctr">
+                    <a:lnL w="12700" cap="flat" cmpd="sng" algn="ctr">
+                      <a:noFill/>
+                      <a:prstDash val="solid"/>
+                      <a:round/>
+                      <a:headEnd type="none" w="med" len="med"/>
+                      <a:tailEnd type="none" w="med" len="med"/>
+                    </a:lnL>
+                    <a:lnR w="12700" cap="flat" cmpd="sng" algn="ctr">
+                      <a:noFill/>
+                      <a:prstDash val="solid"/>
+                      <a:round/>
+                      <a:headEnd type="none" w="med" len="med"/>
+                      <a:tailEnd type="none" w="med" len="med"/>
+                    </a:lnR>
+                    <a:lnT w="12700" cap="flat" cmpd="sng" algn="ctr">
+                      <a:solidFill>
+                        <a:schemeClr val="tx1"/>
+                      </a:solidFill>
+                      <a:prstDash val="solid"/>
+                      <a:round/>
+                      <a:headEnd type="none" w="med" len="med"/>
+                      <a:tailEnd type="none" w="med" len="med"/>
+                    </a:lnT>
+                    <a:lnB w="12700" cap="flat" cmpd="sng" algn="ctr">
+                      <a:solidFill>
+                        <a:schemeClr val="tx1"/>
+                      </a:solidFill>
+                      <a:prstDash val="solid"/>
+                      <a:round/>
+                      <a:headEnd type="none" w="med" len="med"/>
+                      <a:tailEnd type="none" w="med" len="med"/>
+                    </a:lnB>
+                    <a:lnTlToBr w="12700" cmpd="sng">
+                      <a:noFill/>
+                      <a:prstDash val="solid"/>
+                    </a:lnTlToBr>
+                    <a:lnBlToTr w="12700" cmpd="sng">
+                      <a:noFill/>
+                      <a:prstDash val="solid"/>
+                    </a:lnBlToTr>
+                    <a:noFill/>
+                  </a:tcPr>
+                </a:tc>
+                <a:tc>
+                  <a:txBody>
+                    <a:bodyPr/>
+                    <a:lstStyle/>
+                    <a:p>
+                      <a:pPr algn="ctr"/>
+                      <a:r>
+                        <a:rPr lang="en-US" sz="1800" dirty="0"/>
+                        <a:t>80</a:t>
+                      </a:r>
+                    </a:p>
+                  </a:txBody>
+                  <a:tcPr marL="37328" marR="37328" marT="18664" marB="18664" anchor="ctr">
+                    <a:lnL w="12700" cap="flat" cmpd="sng" algn="ctr">
+                      <a:noFill/>
+                      <a:prstDash val="solid"/>
+                      <a:round/>
+                      <a:headEnd type="none" w="med" len="med"/>
+                      <a:tailEnd type="none" w="med" len="med"/>
+                    </a:lnL>
+                    <a:lnR w="12700" cap="flat" cmpd="sng" algn="ctr">
+                      <a:noFill/>
+                      <a:prstDash val="solid"/>
+                      <a:round/>
+                      <a:headEnd type="none" w="med" len="med"/>
+                      <a:tailEnd type="none" w="med" len="med"/>
+                    </a:lnR>
+                    <a:lnT w="12700" cap="flat" cmpd="sng" algn="ctr">
+                      <a:solidFill>
+                        <a:schemeClr val="tx1"/>
+                      </a:solidFill>
+                      <a:prstDash val="solid"/>
+                      <a:round/>
+                      <a:headEnd type="none" w="med" len="med"/>
+                      <a:tailEnd type="none" w="med" len="med"/>
+                    </a:lnT>
+                    <a:lnB w="12700" cap="flat" cmpd="sng" algn="ctr">
+                      <a:solidFill>
+                        <a:schemeClr val="tx1"/>
+                      </a:solidFill>
+                      <a:prstDash val="solid"/>
+                      <a:round/>
+                      <a:headEnd type="none" w="med" len="med"/>
+                      <a:tailEnd type="none" w="med" len="med"/>
+                    </a:lnB>
+                    <a:lnTlToBr w="12700" cmpd="sng">
+                      <a:noFill/>
+                      <a:prstDash val="solid"/>
+                    </a:lnTlToBr>
+                    <a:lnBlToTr w="12700" cmpd="sng">
+                      <a:noFill/>
+                      <a:prstDash val="solid"/>
+                    </a:lnBlToTr>
+                    <a:noFill/>
+                  </a:tcPr>
+                </a:tc>
+                <a:tc>
+                  <a:txBody>
+                    <a:bodyPr/>
+                    <a:lstStyle/>
+                    <a:p>
+                      <a:pPr algn="ctr"/>
+                      <a:r>
+                        <a:rPr lang="en-US" sz="1800" dirty="0"/>
+                        <a:t>100</a:t>
+                      </a:r>
+                    </a:p>
+                  </a:txBody>
+                  <a:tcPr marL="37328" marR="37328" marT="18664" marB="18664" anchor="ctr">
+                    <a:lnL w="12700" cap="flat" cmpd="sng" algn="ctr">
+                      <a:noFill/>
+                      <a:prstDash val="solid"/>
+                      <a:round/>
+                      <a:headEnd type="none" w="med" len="med"/>
+                      <a:tailEnd type="none" w="med" len="med"/>
+                    </a:lnL>
+                    <a:lnR w="12700" cap="flat" cmpd="sng" algn="ctr">
+                      <a:noFill/>
+                      <a:prstDash val="solid"/>
+                      <a:round/>
+                      <a:headEnd type="none" w="med" len="med"/>
+                      <a:tailEnd type="none" w="med" len="med"/>
+                    </a:lnR>
+                    <a:lnT w="12700" cap="flat" cmpd="sng" algn="ctr">
+                      <a:solidFill>
+                        <a:schemeClr val="tx1"/>
+                      </a:solidFill>
+                      <a:prstDash val="solid"/>
+                      <a:round/>
+                      <a:headEnd type="none" w="med" len="med"/>
+                      <a:tailEnd type="none" w="med" len="med"/>
+                    </a:lnT>
+                    <a:lnB w="12700" cap="flat" cmpd="sng" algn="ctr">
+                      <a:solidFill>
+                        <a:schemeClr val="tx1"/>
+                      </a:solidFill>
+                      <a:prstDash val="solid"/>
+                      <a:round/>
+                      <a:headEnd type="none" w="med" len="med"/>
+                      <a:tailEnd type="none" w="med" len="med"/>
+                    </a:lnB>
+                    <a:lnTlToBr w="12700" cmpd="sng">
+                      <a:noFill/>
+                      <a:prstDash val="solid"/>
+                    </a:lnTlToBr>
+                    <a:lnBlToTr w="12700" cmpd="sng">
+                      <a:noFill/>
+                      <a:prstDash val="solid"/>
+                    </a:lnBlToTr>
+                    <a:noFill/>
+                  </a:tcPr>
+                </a:tc>
+                <a:extLst>
+                  <a:ext uri="{0D108BD9-81ED-4DB2-BD59-A6C34878D82A}">
+                    <a16:rowId xmlns:a16="http://schemas.microsoft.com/office/drawing/2014/main" val="3828245149"/>
+                  </a:ext>
+                </a:extLst>
+              </a:tr>
+              <a:tr h="521210">
+                <a:tc>
+                  <a:txBody>
+                    <a:bodyPr/>
+                    <a:lstStyle/>
+                    <a:p>
+                      <a:pPr algn="l"/>
+                      <a:r>
+                        <a:rPr lang="en-US" sz="1800" dirty="0"/>
+                        <a:t>%</a:t>
+                      </a:r>
+                      <a:r>
+                        <a:rPr lang="en-US" sz="1800" baseline="0" dirty="0"/>
+                        <a:t> of HNF</a:t>
+                      </a:r>
+                      <a:endParaRPr lang="en-US" sz="1800" dirty="0"/>
+                    </a:p>
+                  </a:txBody>
+                  <a:tcPr marL="37328" marR="37328" marT="18664" marB="18664" anchor="ctr">
+                    <a:lnL w="12700" cap="flat" cmpd="sng" algn="ctr">
+                      <a:noFill/>
+                      <a:prstDash val="solid"/>
+                      <a:round/>
+                      <a:headEnd type="none" w="med" len="med"/>
+                      <a:tailEnd type="none" w="med" len="med"/>
+                    </a:lnL>
+                    <a:lnR w="12700" cap="flat" cmpd="sng" algn="ctr">
+                      <a:noFill/>
+                      <a:prstDash val="solid"/>
+                      <a:round/>
+                      <a:headEnd type="none" w="med" len="med"/>
+                      <a:tailEnd type="none" w="med" len="med"/>
+                    </a:lnR>
+                    <a:lnT w="12700" cap="flat" cmpd="sng" algn="ctr">
+                      <a:solidFill>
+                        <a:schemeClr val="tx1"/>
+                      </a:solidFill>
+                      <a:prstDash val="solid"/>
+                      <a:round/>
+                      <a:headEnd type="none" w="med" len="med"/>
+                      <a:tailEnd type="none" w="med" len="med"/>
+                    </a:lnT>
+                    <a:lnB w="12700" cap="flat" cmpd="sng" algn="ctr">
+                      <a:solidFill>
+                        <a:schemeClr val="tx1"/>
+                      </a:solidFill>
+                      <a:prstDash val="solid"/>
+                      <a:round/>
+                      <a:headEnd type="none" w="med" len="med"/>
+                      <a:tailEnd type="none" w="med" len="med"/>
+                    </a:lnB>
+                    <a:lnTlToBr w="12700" cmpd="sng">
+                      <a:noFill/>
+                      <a:prstDash val="solid"/>
+                    </a:lnTlToBr>
+                    <a:lnBlToTr w="12700" cmpd="sng">
+                      <a:noFill/>
+                      <a:prstDash val="solid"/>
+                    </a:lnBlToTr>
+                  </a:tcPr>
+                </a:tc>
+                <a:tc>
+                  <a:txBody>
+                    <a:bodyPr/>
+                    <a:lstStyle/>
+                    <a:p>
+                      <a:pPr algn="ctr"/>
+                      <a:r>
+                        <a:rPr lang="en-US" sz="1800" dirty="0"/>
+                        <a:t>0</a:t>
+                      </a:r>
+                    </a:p>
+                  </a:txBody>
+                  <a:tcPr marL="37328" marR="37328" marT="18664" marB="18664" anchor="ctr">
+                    <a:lnL w="12700" cap="flat" cmpd="sng" algn="ctr">
+                      <a:noFill/>
+                      <a:prstDash val="solid"/>
+                      <a:round/>
+                      <a:headEnd type="none" w="med" len="med"/>
+                      <a:tailEnd type="none" w="med" len="med"/>
+                    </a:lnL>
+                    <a:lnR w="12700" cap="flat" cmpd="sng" algn="ctr">
+                      <a:noFill/>
+                      <a:prstDash val="solid"/>
+                      <a:round/>
+                      <a:headEnd type="none" w="med" len="med"/>
+                      <a:tailEnd type="none" w="med" len="med"/>
+                    </a:lnR>
+                    <a:lnT w="12700" cap="flat" cmpd="sng" algn="ctr">
+                      <a:solidFill>
+                        <a:schemeClr val="tx1"/>
+                      </a:solidFill>
+                      <a:prstDash val="solid"/>
+                      <a:round/>
+                      <a:headEnd type="none" w="med" len="med"/>
+                      <a:tailEnd type="none" w="med" len="med"/>
+                    </a:lnT>
+                    <a:lnB w="12700" cap="flat" cmpd="sng" algn="ctr">
+                      <a:solidFill>
+                        <a:schemeClr val="tx1"/>
+                      </a:solidFill>
+                      <a:prstDash val="solid"/>
+                      <a:round/>
+                      <a:headEnd type="none" w="med" len="med"/>
+                      <a:tailEnd type="none" w="med" len="med"/>
+                    </a:lnB>
+                    <a:lnTlToBr w="12700" cmpd="sng">
+                      <a:noFill/>
+                      <a:prstDash val="solid"/>
+                    </a:lnTlToBr>
+                    <a:lnBlToTr w="12700" cmpd="sng">
+                      <a:noFill/>
+                      <a:prstDash val="solid"/>
+                    </a:lnBlToTr>
+                    <a:noFill/>
+                  </a:tcPr>
+                </a:tc>
+                <a:tc>
+                  <a:txBody>
+                    <a:bodyPr/>
+                    <a:lstStyle/>
+                    <a:p>
+                      <a:pPr algn="ctr"/>
+                      <a:r>
+                        <a:rPr lang="en-US" sz="1800" dirty="0"/>
+                        <a:t>20</a:t>
+                      </a:r>
+                    </a:p>
+                  </a:txBody>
+                  <a:tcPr marL="37328" marR="37328" marT="18664" marB="18664" anchor="ctr">
+                    <a:lnL w="12700" cap="flat" cmpd="sng" algn="ctr">
+                      <a:noFill/>
+                      <a:prstDash val="solid"/>
+                      <a:round/>
+                      <a:headEnd type="none" w="med" len="med"/>
+                      <a:tailEnd type="none" w="med" len="med"/>
+                    </a:lnL>
+                    <a:lnR w="12700" cap="flat" cmpd="sng" algn="ctr">
+                      <a:noFill/>
+                      <a:prstDash val="solid"/>
+                      <a:round/>
+                      <a:headEnd type="none" w="med" len="med"/>
+                      <a:tailEnd type="none" w="med" len="med"/>
+                    </a:lnR>
+                    <a:lnT w="12700" cap="flat" cmpd="sng" algn="ctr">
+                      <a:solidFill>
+                        <a:schemeClr val="tx1"/>
+                      </a:solidFill>
+                      <a:prstDash val="solid"/>
+                      <a:round/>
+                      <a:headEnd type="none" w="med" len="med"/>
+                      <a:tailEnd type="none" w="med" len="med"/>
+                    </a:lnT>
+                    <a:lnB w="12700" cap="flat" cmpd="sng" algn="ctr">
+                      <a:solidFill>
+                        <a:schemeClr val="tx1"/>
+                      </a:solidFill>
+                      <a:prstDash val="solid"/>
+                      <a:round/>
+                      <a:headEnd type="none" w="med" len="med"/>
+                      <a:tailEnd type="none" w="med" len="med"/>
+                    </a:lnB>
+                    <a:lnTlToBr w="12700" cmpd="sng">
+                      <a:noFill/>
+                      <a:prstDash val="solid"/>
+                    </a:lnTlToBr>
+                    <a:lnBlToTr w="12700" cmpd="sng">
+                      <a:noFill/>
+                      <a:prstDash val="solid"/>
+                    </a:lnBlToTr>
+                    <a:noFill/>
+                  </a:tcPr>
+                </a:tc>
+                <a:tc>
+                  <a:txBody>
+                    <a:bodyPr/>
+                    <a:lstStyle/>
+                    <a:p>
+                      <a:pPr algn="ctr"/>
+                      <a:r>
+                        <a:rPr lang="en-US" sz="1800" dirty="0"/>
+                        <a:t>40</a:t>
+                      </a:r>
+                    </a:p>
+                  </a:txBody>
+                  <a:tcPr marL="37328" marR="37328" marT="18664" marB="18664" anchor="ctr">
+                    <a:lnL w="12700" cap="flat" cmpd="sng" algn="ctr">
+                      <a:noFill/>
+                      <a:prstDash val="solid"/>
+                      <a:round/>
+                      <a:headEnd type="none" w="med" len="med"/>
+                      <a:tailEnd type="none" w="med" len="med"/>
+                    </a:lnL>
+                    <a:lnR w="12700" cap="flat" cmpd="sng" algn="ctr">
+                      <a:noFill/>
+                      <a:prstDash val="solid"/>
+                      <a:round/>
+                      <a:headEnd type="none" w="med" len="med"/>
+                      <a:tailEnd type="none" w="med" len="med"/>
+                    </a:lnR>
+                    <a:lnT w="12700" cap="flat" cmpd="sng" algn="ctr">
+                      <a:solidFill>
+                        <a:schemeClr val="tx1"/>
+                      </a:solidFill>
+                      <a:prstDash val="solid"/>
+                      <a:round/>
+                      <a:headEnd type="none" w="med" len="med"/>
+                      <a:tailEnd type="none" w="med" len="med"/>
+                    </a:lnT>
+                    <a:lnB w="12700" cap="flat" cmpd="sng" algn="ctr">
+                      <a:solidFill>
+                        <a:schemeClr val="tx1"/>
+                      </a:solidFill>
+                      <a:prstDash val="solid"/>
+                      <a:round/>
+                      <a:headEnd type="none" w="med" len="med"/>
+                      <a:tailEnd type="none" w="med" len="med"/>
+                    </a:lnB>
+                    <a:lnTlToBr w="12700" cmpd="sng">
+                      <a:noFill/>
+                      <a:prstDash val="solid"/>
+                    </a:lnTlToBr>
+                    <a:lnBlToTr w="12700" cmpd="sng">
+                      <a:noFill/>
+                      <a:prstDash val="solid"/>
+                    </a:lnBlToTr>
+                    <a:noFill/>
+                  </a:tcPr>
+                </a:tc>
+                <a:tc>
+                  <a:txBody>
+                    <a:bodyPr/>
+                    <a:lstStyle/>
+                    <a:p>
+                      <a:pPr algn="ctr"/>
+                      <a:r>
+                        <a:rPr lang="en-US" sz="1800" dirty="0"/>
+                        <a:t>60</a:t>
+                      </a:r>
+                    </a:p>
+                  </a:txBody>
+                  <a:tcPr marL="37328" marR="37328" marT="18664" marB="18664" anchor="ctr">
+                    <a:lnL w="12700" cap="flat" cmpd="sng" algn="ctr">
+                      <a:noFill/>
+                      <a:prstDash val="solid"/>
+                      <a:round/>
+                      <a:headEnd type="none" w="med" len="med"/>
+                      <a:tailEnd type="none" w="med" len="med"/>
+                    </a:lnL>
+                    <a:lnR w="12700" cap="flat" cmpd="sng" algn="ctr">
+                      <a:noFill/>
+                      <a:prstDash val="solid"/>
+                      <a:round/>
+                      <a:headEnd type="none" w="med" len="med"/>
+                      <a:tailEnd type="none" w="med" len="med"/>
+                    </a:lnR>
+                    <a:lnT w="12700" cap="flat" cmpd="sng" algn="ctr">
+                      <a:solidFill>
+                        <a:schemeClr val="tx1"/>
+                      </a:solidFill>
+                      <a:prstDash val="solid"/>
+                      <a:round/>
+                      <a:headEnd type="none" w="med" len="med"/>
+                      <a:tailEnd type="none" w="med" len="med"/>
+                    </a:lnT>
+                    <a:lnB w="12700" cap="flat" cmpd="sng" algn="ctr">
+                      <a:solidFill>
+                        <a:schemeClr val="tx1"/>
+                      </a:solidFill>
+                      <a:prstDash val="solid"/>
+                      <a:round/>
+                      <a:headEnd type="none" w="med" len="med"/>
+                      <a:tailEnd type="none" w="med" len="med"/>
+                    </a:lnB>
+                    <a:lnTlToBr w="12700" cmpd="sng">
+                      <a:noFill/>
+                      <a:prstDash val="solid"/>
+                    </a:lnTlToBr>
+                    <a:lnBlToTr w="12700" cmpd="sng">
+                      <a:noFill/>
+                      <a:prstDash val="solid"/>
+                    </a:lnBlToTr>
+                    <a:noFill/>
+                  </a:tcPr>
+                </a:tc>
+                <a:tc>
+                  <a:txBody>
+                    <a:bodyPr/>
+                    <a:lstStyle/>
+                    <a:p>
+                      <a:pPr algn="ctr"/>
+                      <a:r>
+                        <a:rPr lang="en-US" sz="1800" dirty="0"/>
+                        <a:t>80</a:t>
+                      </a:r>
+                    </a:p>
+                  </a:txBody>
+                  <a:tcPr marL="37328" marR="37328" marT="18664" marB="18664" anchor="ctr">
+                    <a:lnL w="12700" cap="flat" cmpd="sng" algn="ctr">
+                      <a:noFill/>
+                      <a:prstDash val="solid"/>
+                      <a:round/>
+                      <a:headEnd type="none" w="med" len="med"/>
+                      <a:tailEnd type="none" w="med" len="med"/>
+                    </a:lnL>
+                    <a:lnR w="12700" cap="flat" cmpd="sng" algn="ctr">
+                      <a:noFill/>
+                      <a:prstDash val="solid"/>
+                      <a:round/>
+                      <a:headEnd type="none" w="med" len="med"/>
+                      <a:tailEnd type="none" w="med" len="med"/>
+                    </a:lnR>
+                    <a:lnT w="12700" cap="flat" cmpd="sng" algn="ctr">
+                      <a:solidFill>
+                        <a:schemeClr val="tx1"/>
+                      </a:solidFill>
+                      <a:prstDash val="solid"/>
+                      <a:round/>
+                      <a:headEnd type="none" w="med" len="med"/>
+                      <a:tailEnd type="none" w="med" len="med"/>
+                    </a:lnT>
+                    <a:lnB w="12700" cap="flat" cmpd="sng" algn="ctr">
+                      <a:solidFill>
+                        <a:schemeClr val="tx1"/>
+                      </a:solidFill>
+                      <a:prstDash val="solid"/>
+                      <a:round/>
+                      <a:headEnd type="none" w="med" len="med"/>
+                      <a:tailEnd type="none" w="med" len="med"/>
+                    </a:lnB>
+                    <a:lnTlToBr w="12700" cmpd="sng">
+                      <a:noFill/>
+                      <a:prstDash val="solid"/>
+                    </a:lnTlToBr>
+                    <a:lnBlToTr w="12700" cmpd="sng">
+                      <a:noFill/>
+                      <a:prstDash val="solid"/>
+                    </a:lnBlToTr>
+                    <a:noFill/>
+                  </a:tcPr>
+                </a:tc>
+                <a:tc>
+                  <a:txBody>
+                    <a:bodyPr/>
+                    <a:lstStyle/>
+                    <a:p>
+                      <a:pPr algn="ctr"/>
+                      <a:r>
+                        <a:rPr lang="en-US" sz="1800" dirty="0"/>
+                        <a:t>100</a:t>
+                      </a:r>
+                    </a:p>
+                  </a:txBody>
+                  <a:tcPr marL="37328" marR="37328" marT="18664" marB="18664" anchor="ctr">
+                    <a:lnL w="12700" cap="flat" cmpd="sng" algn="ctr">
+                      <a:noFill/>
+                      <a:prstDash val="solid"/>
+                      <a:round/>
+                      <a:headEnd type="none" w="med" len="med"/>
+                      <a:tailEnd type="none" w="med" len="med"/>
+                    </a:lnL>
+                    <a:lnR w="12700" cap="flat" cmpd="sng" algn="ctr">
+                      <a:noFill/>
+                      <a:prstDash val="sysDash"/>
+                      <a:round/>
+                      <a:headEnd type="none" w="med" len="med"/>
+                      <a:tailEnd type="none" w="med" len="med"/>
+                    </a:lnR>
+                    <a:lnT w="12700" cap="flat" cmpd="sng" algn="ctr">
+                      <a:solidFill>
+                        <a:schemeClr val="tx1"/>
+                      </a:solidFill>
+                      <a:prstDash val="solid"/>
+                      <a:round/>
+                      <a:headEnd type="none" w="med" len="med"/>
+                      <a:tailEnd type="none" w="med" len="med"/>
+                    </a:lnT>
+                    <a:lnB w="12700" cap="flat" cmpd="sng" algn="ctr">
+                      <a:solidFill>
+                        <a:schemeClr val="tx1"/>
+                      </a:solidFill>
+                      <a:prstDash val="solid"/>
+                      <a:round/>
+                      <a:headEnd type="none" w="med" len="med"/>
+                      <a:tailEnd type="none" w="med" len="med"/>
+                    </a:lnB>
+                    <a:lnTlToBr w="12700" cmpd="sng">
+                      <a:noFill/>
+                      <a:prstDash val="solid"/>
+                    </a:lnTlToBr>
+                    <a:lnBlToTr w="12700" cmpd="sng">
+                      <a:noFill/>
+                      <a:prstDash val="solid"/>
+                    </a:lnBlToTr>
+                    <a:noFill/>
+                  </a:tcPr>
+                </a:tc>
+                <a:tc>
+                  <a:txBody>
+                    <a:bodyPr/>
+                    <a:lstStyle/>
+                    <a:p>
+                      <a:pPr algn="ctr"/>
+                      <a:r>
+                        <a:rPr lang="en-US" sz="1800" dirty="0"/>
+                        <a:t>80</a:t>
+                      </a:r>
+                    </a:p>
+                  </a:txBody>
+                  <a:tcPr marL="37328" marR="37328" marT="18664" marB="18664" anchor="ctr">
+                    <a:lnL w="12700" cap="flat" cmpd="sng" algn="ctr">
+                      <a:noFill/>
+                      <a:prstDash val="sysDash"/>
+                      <a:round/>
+                      <a:headEnd type="none" w="med" len="med"/>
+                      <a:tailEnd type="none" w="med" len="med"/>
+                    </a:lnL>
+                    <a:lnR w="12700" cap="flat" cmpd="sng" algn="ctr">
+                      <a:noFill/>
+                      <a:prstDash val="solid"/>
+                      <a:round/>
+                      <a:headEnd type="none" w="med" len="med"/>
+                      <a:tailEnd type="none" w="med" len="med"/>
+                    </a:lnR>
+                    <a:lnT w="12700" cap="flat" cmpd="sng" algn="ctr">
+                      <a:solidFill>
+                        <a:schemeClr val="tx1"/>
+                      </a:solidFill>
+                      <a:prstDash val="solid"/>
+                      <a:round/>
+                      <a:headEnd type="none" w="med" len="med"/>
+                      <a:tailEnd type="none" w="med" len="med"/>
+                    </a:lnT>
+                    <a:lnB w="12700" cap="flat" cmpd="sng" algn="ctr">
+                      <a:solidFill>
+                        <a:schemeClr val="tx1"/>
+                      </a:solidFill>
+                      <a:prstDash val="solid"/>
+                      <a:round/>
+                      <a:headEnd type="none" w="med" len="med"/>
+                      <a:tailEnd type="none" w="med" len="med"/>
+                    </a:lnB>
+                    <a:lnTlToBr w="12700" cmpd="sng">
+                      <a:noFill/>
+                      <a:prstDash val="solid"/>
+                    </a:lnTlToBr>
+                    <a:lnBlToTr w="12700" cmpd="sng">
+                      <a:noFill/>
+                      <a:prstDash val="solid"/>
+                    </a:lnBlToTr>
+                    <a:noFill/>
+                  </a:tcPr>
+                </a:tc>
+                <a:tc>
+                  <a:txBody>
+                    <a:bodyPr/>
+                    <a:lstStyle/>
+                    <a:p>
+                      <a:pPr algn="ctr"/>
+                      <a:r>
+                        <a:rPr lang="en-US" sz="1800" dirty="0"/>
+                        <a:t>60</a:t>
+                      </a:r>
+                    </a:p>
+                  </a:txBody>
+                  <a:tcPr marL="37328" marR="37328" marT="18664" marB="18664" anchor="ctr">
+                    <a:lnL w="12700" cap="flat" cmpd="sng" algn="ctr">
+                      <a:noFill/>
+                      <a:prstDash val="solid"/>
+                      <a:round/>
+                      <a:headEnd type="none" w="med" len="med"/>
+                      <a:tailEnd type="none" w="med" len="med"/>
+                    </a:lnL>
+                    <a:lnR w="12700" cap="flat" cmpd="sng" algn="ctr">
+                      <a:noFill/>
+                      <a:prstDash val="solid"/>
+                      <a:round/>
+                      <a:headEnd type="none" w="med" len="med"/>
+                      <a:tailEnd type="none" w="med" len="med"/>
+                    </a:lnR>
+                    <a:lnT w="12700" cap="flat" cmpd="sng" algn="ctr">
+                      <a:solidFill>
+                        <a:schemeClr val="tx1"/>
+                      </a:solidFill>
+                      <a:prstDash val="solid"/>
+                      <a:round/>
+                      <a:headEnd type="none" w="med" len="med"/>
+                      <a:tailEnd type="none" w="med" len="med"/>
+                    </a:lnT>
+                    <a:lnB w="12700" cap="flat" cmpd="sng" algn="ctr">
+                      <a:solidFill>
+                        <a:schemeClr val="tx1"/>
+                      </a:solidFill>
+                      <a:prstDash val="solid"/>
+                      <a:round/>
+                      <a:headEnd type="none" w="med" len="med"/>
+                      <a:tailEnd type="none" w="med" len="med"/>
+                    </a:lnB>
+                    <a:lnTlToBr w="12700" cmpd="sng">
+                      <a:noFill/>
+                      <a:prstDash val="solid"/>
+                    </a:lnTlToBr>
+                    <a:lnBlToTr w="12700" cmpd="sng">
+                      <a:noFill/>
+                      <a:prstDash val="solid"/>
+                    </a:lnBlToTr>
+                    <a:noFill/>
+                  </a:tcPr>
+                </a:tc>
+                <a:tc>
+                  <a:txBody>
+                    <a:bodyPr/>
+                    <a:lstStyle/>
+                    <a:p>
+                      <a:pPr algn="ctr"/>
+                      <a:r>
+                        <a:rPr lang="en-US" sz="1800" dirty="0"/>
+                        <a:t>40</a:t>
+                      </a:r>
+                    </a:p>
+                  </a:txBody>
+                  <a:tcPr marL="37328" marR="37328" marT="18664" marB="18664" anchor="ctr">
+                    <a:lnL w="12700" cap="flat" cmpd="sng" algn="ctr">
+                      <a:noFill/>
+                      <a:prstDash val="solid"/>
+                      <a:round/>
+                      <a:headEnd type="none" w="med" len="med"/>
+                      <a:tailEnd type="none" w="med" len="med"/>
+                    </a:lnL>
+                    <a:lnR w="12700" cap="flat" cmpd="sng" algn="ctr">
+                      <a:noFill/>
+                      <a:prstDash val="solid"/>
+                      <a:round/>
+                      <a:headEnd type="none" w="med" len="med"/>
+                      <a:tailEnd type="none" w="med" len="med"/>
+                    </a:lnR>
+                    <a:lnT w="12700" cap="flat" cmpd="sng" algn="ctr">
+                      <a:solidFill>
+                        <a:schemeClr val="tx1"/>
+                      </a:solidFill>
+                      <a:prstDash val="solid"/>
+                      <a:round/>
+                      <a:headEnd type="none" w="med" len="med"/>
+                      <a:tailEnd type="none" w="med" len="med"/>
+                    </a:lnT>
+                    <a:lnB w="12700" cap="flat" cmpd="sng" algn="ctr">
+                      <a:solidFill>
+                        <a:schemeClr val="tx1"/>
+                      </a:solidFill>
+                      <a:prstDash val="solid"/>
+                      <a:round/>
+                      <a:headEnd type="none" w="med" len="med"/>
+                      <a:tailEnd type="none" w="med" len="med"/>
+                    </a:lnB>
+                    <a:lnTlToBr w="12700" cmpd="sng">
+                      <a:noFill/>
+                      <a:prstDash val="solid"/>
+                    </a:lnTlToBr>
+                    <a:lnBlToTr w="12700" cmpd="sng">
+                      <a:noFill/>
+                      <a:prstDash val="solid"/>
+                    </a:lnBlToTr>
+                    <a:noFill/>
+                  </a:tcPr>
+                </a:tc>
+                <a:tc>
+                  <a:txBody>
+                    <a:bodyPr/>
+                    <a:lstStyle/>
+                    <a:p>
+                      <a:pPr algn="ctr"/>
+                      <a:r>
+                        <a:rPr lang="en-US" sz="1800" dirty="0"/>
+                        <a:t>20</a:t>
+                      </a:r>
+                    </a:p>
+                  </a:txBody>
+                  <a:tcPr marL="37328" marR="37328" marT="18664" marB="18664" anchor="ctr">
+                    <a:lnL w="12700" cap="flat" cmpd="sng" algn="ctr">
+                      <a:noFill/>
+                      <a:prstDash val="solid"/>
+                      <a:round/>
+                      <a:headEnd type="none" w="med" len="med"/>
+                      <a:tailEnd type="none" w="med" len="med"/>
+                    </a:lnL>
+                    <a:lnR w="12700" cap="flat" cmpd="sng" algn="ctr">
+                      <a:noFill/>
+                      <a:prstDash val="solid"/>
+                      <a:round/>
+                      <a:headEnd type="none" w="med" len="med"/>
+                      <a:tailEnd type="none" w="med" len="med"/>
+                    </a:lnR>
+                    <a:lnT w="12700" cap="flat" cmpd="sng" algn="ctr">
+                      <a:solidFill>
+                        <a:schemeClr val="tx1"/>
+                      </a:solidFill>
+                      <a:prstDash val="solid"/>
+                      <a:round/>
+                      <a:headEnd type="none" w="med" len="med"/>
+                      <a:tailEnd type="none" w="med" len="med"/>
+                    </a:lnT>
+                    <a:lnB w="12700" cap="flat" cmpd="sng" algn="ctr">
+                      <a:solidFill>
+                        <a:schemeClr val="tx1"/>
+                      </a:solidFill>
+                      <a:prstDash val="solid"/>
+                      <a:round/>
+                      <a:headEnd type="none" w="med" len="med"/>
+                      <a:tailEnd type="none" w="med" len="med"/>
+                    </a:lnB>
+                    <a:lnTlToBr w="12700" cmpd="sng">
+                      <a:noFill/>
+                      <a:prstDash val="solid"/>
+                    </a:lnTlToBr>
+                    <a:lnBlToTr w="12700" cmpd="sng">
+                      <a:noFill/>
+                      <a:prstDash val="solid"/>
+                    </a:lnBlToTr>
+                    <a:noFill/>
+                  </a:tcPr>
+                </a:tc>
+                <a:tc>
+                  <a:txBody>
+                    <a:bodyPr/>
+                    <a:lstStyle/>
+                    <a:p>
+                      <a:pPr algn="ctr"/>
+                      <a:r>
+                        <a:rPr lang="en-US" sz="1800" dirty="0"/>
+                        <a:t>0</a:t>
+                      </a:r>
+                    </a:p>
+                  </a:txBody>
+                  <a:tcPr marL="37328" marR="37328" marT="18664" marB="18664" anchor="ctr">
+                    <a:lnL w="12700" cap="flat" cmpd="sng" algn="ctr">
+                      <a:noFill/>
+                      <a:prstDash val="solid"/>
+                      <a:round/>
+                      <a:headEnd type="none" w="med" len="med"/>
+                      <a:tailEnd type="none" w="med" len="med"/>
+                    </a:lnL>
+                    <a:lnR w="12700" cap="flat" cmpd="sng" algn="ctr">
+                      <a:noFill/>
+                      <a:prstDash val="solid"/>
+                      <a:round/>
+                      <a:headEnd type="none" w="med" len="med"/>
+                      <a:tailEnd type="none" w="med" len="med"/>
+                    </a:lnR>
+                    <a:lnT w="12700" cap="flat" cmpd="sng" algn="ctr">
+                      <a:solidFill>
+                        <a:schemeClr val="tx1"/>
+                      </a:solidFill>
+                      <a:prstDash val="solid"/>
+                      <a:round/>
+                      <a:headEnd type="none" w="med" len="med"/>
+                      <a:tailEnd type="none" w="med" len="med"/>
+                    </a:lnT>
+                    <a:lnB w="12700" cap="flat" cmpd="sng" algn="ctr">
+                      <a:solidFill>
+                        <a:schemeClr val="tx1"/>
+                      </a:solidFill>
+                      <a:prstDash val="solid"/>
+                      <a:round/>
+                      <a:headEnd type="none" w="med" len="med"/>
+                      <a:tailEnd type="none" w="med" len="med"/>
+                    </a:lnB>
+                    <a:lnTlToBr w="12700" cmpd="sng">
+                      <a:noFill/>
+                      <a:prstDash val="solid"/>
+                    </a:lnTlToBr>
+                    <a:lnBlToTr w="12700" cmpd="sng">
+                      <a:noFill/>
+                      <a:prstDash val="solid"/>
+                    </a:lnBlToTr>
+                    <a:noFill/>
+                  </a:tcPr>
+                </a:tc>
+                <a:extLst>
+                  <a:ext uri="{0D108BD9-81ED-4DB2-BD59-A6C34878D82A}">
+                    <a16:rowId xmlns:a16="http://schemas.microsoft.com/office/drawing/2014/main" val="3560994140"/>
+                  </a:ext>
+                </a:extLst>
+              </a:tr>
+              <a:tr h="521210">
+                <a:tc>
+                  <a:txBody>
+                    <a:bodyPr/>
+                    <a:lstStyle/>
+                    <a:p>
+                      <a:pPr marL="0" marR="0" lvl="0" indent="0" algn="l" defTabSz="457200" rtl="0" eaLnBrk="1" fontAlgn="auto" latinLnBrk="0" hangingPunct="1">
+                        <a:lnSpc>
+                          <a:spcPct val="100000"/>
+                        </a:lnSpc>
+                        <a:spcBef>
+                          <a:spcPts val="0"/>
+                        </a:spcBef>
+                        <a:spcAft>
+                          <a:spcPts val="0"/>
+                        </a:spcAft>
+                        <a:buClrTx/>
+                        <a:buSzTx/>
+                        <a:buFontTx/>
+                        <a:buNone/>
+                        <a:tabLst/>
+                        <a:defRPr/>
+                      </a:pPr>
+                      <a:r>
+                        <a:rPr lang="en-US" sz="1800" dirty="0"/>
+                        <a:t>%</a:t>
+                      </a:r>
+                      <a:r>
+                        <a:rPr lang="en-US" sz="1800" baseline="0" dirty="0"/>
+                        <a:t> of PFSW</a:t>
+                      </a:r>
+                      <a:endParaRPr lang="en-US" sz="1800" dirty="0"/>
+                    </a:p>
+                  </a:txBody>
+                  <a:tcPr marL="37328" marR="37328" marT="18664" marB="18664" anchor="ctr">
+                    <a:lnL w="12700" cap="flat" cmpd="sng" algn="ctr">
+                      <a:noFill/>
+                      <a:prstDash val="solid"/>
+                      <a:round/>
+                      <a:headEnd type="none" w="med" len="med"/>
+                      <a:tailEnd type="none" w="med" len="med"/>
+                    </a:lnL>
+                    <a:lnR w="12700" cap="flat" cmpd="sng" algn="ctr">
+                      <a:noFill/>
+                      <a:prstDash val="solid"/>
+                      <a:round/>
+                      <a:headEnd type="none" w="med" len="med"/>
+                      <a:tailEnd type="none" w="med" len="med"/>
+                    </a:lnR>
+                    <a:lnT w="12700" cap="flat" cmpd="sng" algn="ctr">
+                      <a:solidFill>
+                        <a:schemeClr val="tx1"/>
+                      </a:solidFill>
+                      <a:prstDash val="solid"/>
+                      <a:round/>
+                      <a:headEnd type="none" w="med" len="med"/>
+                      <a:tailEnd type="none" w="med" len="med"/>
+                    </a:lnT>
+                    <a:lnB w="12700" cap="flat" cmpd="sng" algn="ctr">
+                      <a:solidFill>
+                        <a:schemeClr val="tx1"/>
+                      </a:solidFill>
+                      <a:prstDash val="solid"/>
+                      <a:round/>
+                      <a:headEnd type="none" w="med" len="med"/>
+                      <a:tailEnd type="none" w="med" len="med"/>
+                    </a:lnB>
+                    <a:lnTlToBr w="12700" cmpd="sng">
+                      <a:noFill/>
+                      <a:prstDash val="solid"/>
+                    </a:lnTlToBr>
+                    <a:lnBlToTr w="12700" cmpd="sng">
+                      <a:noFill/>
+                      <a:prstDash val="solid"/>
+                    </a:lnBlToTr>
+                  </a:tcPr>
+                </a:tc>
+                <a:tc>
+                  <a:txBody>
+                    <a:bodyPr/>
+                    <a:lstStyle/>
+                    <a:p>
+                      <a:pPr algn="ctr"/>
+                      <a:r>
+                        <a:rPr lang="en-US" sz="1800" dirty="0"/>
+                        <a:t>100</a:t>
+                      </a:r>
+                    </a:p>
+                  </a:txBody>
+                  <a:tcPr marL="37328" marR="37328" marT="18664" marB="18664" anchor="ctr">
+                    <a:lnL w="12700" cap="flat" cmpd="sng" algn="ctr">
+                      <a:noFill/>
+                      <a:prstDash val="solid"/>
+                      <a:round/>
+                      <a:headEnd type="none" w="med" len="med"/>
+                      <a:tailEnd type="none" w="med" len="med"/>
+                    </a:lnL>
+                    <a:lnR w="12700" cap="flat" cmpd="sng" algn="ctr">
+                      <a:noFill/>
+                      <a:prstDash val="solid"/>
+                      <a:round/>
+                      <a:headEnd type="none" w="med" len="med"/>
+                      <a:tailEnd type="none" w="med" len="med"/>
+                    </a:lnR>
+                    <a:lnT w="12700" cap="flat" cmpd="sng" algn="ctr">
+                      <a:solidFill>
+                        <a:schemeClr val="tx1"/>
+                      </a:solidFill>
+                      <a:prstDash val="solid"/>
+                      <a:round/>
+                      <a:headEnd type="none" w="med" len="med"/>
+                      <a:tailEnd type="none" w="med" len="med"/>
+                    </a:lnT>
+                    <a:lnB w="12700" cap="flat" cmpd="sng" algn="ctr">
+                      <a:solidFill>
+                        <a:schemeClr val="tx1"/>
+                      </a:solidFill>
+                      <a:prstDash val="solid"/>
+                      <a:round/>
+                      <a:headEnd type="none" w="med" len="med"/>
+                      <a:tailEnd type="none" w="med" len="med"/>
+                    </a:lnB>
+                    <a:lnTlToBr w="12700" cmpd="sng">
+                      <a:noFill/>
+                      <a:prstDash val="solid"/>
+                    </a:lnTlToBr>
+                    <a:lnBlToTr w="12700" cmpd="sng">
+                      <a:noFill/>
+                      <a:prstDash val="solid"/>
+                    </a:lnBlToTr>
+                    <a:noFill/>
+                  </a:tcPr>
+                </a:tc>
+                <a:tc>
+                  <a:txBody>
+                    <a:bodyPr/>
+                    <a:lstStyle/>
+                    <a:p>
+                      <a:pPr algn="ctr"/>
+                      <a:r>
+                        <a:rPr lang="en-US" sz="1800" dirty="0"/>
+                        <a:t>80</a:t>
+                      </a:r>
+                    </a:p>
+                  </a:txBody>
+                  <a:tcPr marL="37328" marR="37328" marT="18664" marB="18664" anchor="ctr">
+                    <a:lnL w="12700" cap="flat" cmpd="sng" algn="ctr">
+                      <a:noFill/>
+                      <a:prstDash val="solid"/>
+                      <a:round/>
+                      <a:headEnd type="none" w="med" len="med"/>
+                      <a:tailEnd type="none" w="med" len="med"/>
+                    </a:lnL>
+                    <a:lnR w="12700" cap="flat" cmpd="sng" algn="ctr">
+                      <a:noFill/>
+                      <a:prstDash val="solid"/>
+                      <a:round/>
+                      <a:headEnd type="none" w="med" len="med"/>
+                      <a:tailEnd type="none" w="med" len="med"/>
+                    </a:lnR>
+                    <a:lnT w="12700" cap="flat" cmpd="sng" algn="ctr">
+                      <a:solidFill>
+                        <a:schemeClr val="tx1"/>
+                      </a:solidFill>
+                      <a:prstDash val="solid"/>
+                      <a:round/>
+                      <a:headEnd type="none" w="med" len="med"/>
+                      <a:tailEnd type="none" w="med" len="med"/>
+                    </a:lnT>
+                    <a:lnB w="12700" cap="flat" cmpd="sng" algn="ctr">
+                      <a:solidFill>
+                        <a:schemeClr val="tx1"/>
+                      </a:solidFill>
+                      <a:prstDash val="solid"/>
+                      <a:round/>
+                      <a:headEnd type="none" w="med" len="med"/>
+                      <a:tailEnd type="none" w="med" len="med"/>
+                    </a:lnB>
+                    <a:lnTlToBr w="12700" cmpd="sng">
+                      <a:noFill/>
+                      <a:prstDash val="solid"/>
+                    </a:lnTlToBr>
+                    <a:lnBlToTr w="12700" cmpd="sng">
+                      <a:noFill/>
+                      <a:prstDash val="solid"/>
+                    </a:lnBlToTr>
+                    <a:noFill/>
+                  </a:tcPr>
+                </a:tc>
+                <a:tc>
+                  <a:txBody>
+                    <a:bodyPr/>
+                    <a:lstStyle/>
+                    <a:p>
+                      <a:pPr algn="ctr"/>
+                      <a:r>
+                        <a:rPr lang="en-US" sz="1800" dirty="0"/>
+                        <a:t>60</a:t>
+                      </a:r>
+                    </a:p>
+                  </a:txBody>
+                  <a:tcPr marL="37328" marR="37328" marT="18664" marB="18664" anchor="ctr">
+                    <a:lnL w="12700" cap="flat" cmpd="sng" algn="ctr">
+                      <a:noFill/>
+                      <a:prstDash val="solid"/>
+                      <a:round/>
+                      <a:headEnd type="none" w="med" len="med"/>
+                      <a:tailEnd type="none" w="med" len="med"/>
+                    </a:lnL>
+                    <a:lnR w="12700" cap="flat" cmpd="sng" algn="ctr">
+                      <a:noFill/>
+                      <a:prstDash val="solid"/>
+                      <a:round/>
+                      <a:headEnd type="none" w="med" len="med"/>
+                      <a:tailEnd type="none" w="med" len="med"/>
+                    </a:lnR>
+                    <a:lnT w="12700" cap="flat" cmpd="sng" algn="ctr">
+                      <a:solidFill>
+                        <a:schemeClr val="tx1"/>
+                      </a:solidFill>
+                      <a:prstDash val="solid"/>
+                      <a:round/>
+                      <a:headEnd type="none" w="med" len="med"/>
+                      <a:tailEnd type="none" w="med" len="med"/>
+                    </a:lnT>
+                    <a:lnB w="12700" cap="flat" cmpd="sng" algn="ctr">
+                      <a:solidFill>
+                        <a:schemeClr val="tx1"/>
+                      </a:solidFill>
+                      <a:prstDash val="solid"/>
+                      <a:round/>
+                      <a:headEnd type="none" w="med" len="med"/>
+                      <a:tailEnd type="none" w="med" len="med"/>
+                    </a:lnB>
+                    <a:lnTlToBr w="12700" cmpd="sng">
+                      <a:noFill/>
+                      <a:prstDash val="solid"/>
+                    </a:lnTlToBr>
+                    <a:lnBlToTr w="12700" cmpd="sng">
+                      <a:noFill/>
+                      <a:prstDash val="solid"/>
+                    </a:lnBlToTr>
+                    <a:noFill/>
+                  </a:tcPr>
+                </a:tc>
+                <a:tc>
+                  <a:txBody>
+                    <a:bodyPr/>
+                    <a:lstStyle/>
+                    <a:p>
+                      <a:pPr algn="ctr"/>
+                      <a:r>
+                        <a:rPr lang="en-US" sz="1800" dirty="0"/>
+                        <a:t>40</a:t>
+                      </a:r>
+                    </a:p>
+                  </a:txBody>
+                  <a:tcPr marL="37328" marR="37328" marT="18664" marB="18664" anchor="ctr">
+                    <a:lnL w="12700" cap="flat" cmpd="sng" algn="ctr">
+                      <a:noFill/>
+                      <a:prstDash val="solid"/>
+                      <a:round/>
+                      <a:headEnd type="none" w="med" len="med"/>
+                      <a:tailEnd type="none" w="med" len="med"/>
+                    </a:lnL>
+                    <a:lnR w="12700" cap="flat" cmpd="sng" algn="ctr">
+                      <a:noFill/>
+                      <a:prstDash val="solid"/>
+                      <a:round/>
+                      <a:headEnd type="none" w="med" len="med"/>
+                      <a:tailEnd type="none" w="med" len="med"/>
+                    </a:lnR>
+                    <a:lnT w="12700" cap="flat" cmpd="sng" algn="ctr">
+                      <a:solidFill>
+                        <a:schemeClr val="tx1"/>
+                      </a:solidFill>
+                      <a:prstDash val="solid"/>
+                      <a:round/>
+                      <a:headEnd type="none" w="med" len="med"/>
+                      <a:tailEnd type="none" w="med" len="med"/>
+                    </a:lnT>
+                    <a:lnB w="12700" cap="flat" cmpd="sng" algn="ctr">
+                      <a:solidFill>
+                        <a:schemeClr val="tx1"/>
+                      </a:solidFill>
+                      <a:prstDash val="solid"/>
+                      <a:round/>
+                      <a:headEnd type="none" w="med" len="med"/>
+                      <a:tailEnd type="none" w="med" len="med"/>
+                    </a:lnB>
+                    <a:lnTlToBr w="12700" cmpd="sng">
+                      <a:noFill/>
+                      <a:prstDash val="solid"/>
+                    </a:lnTlToBr>
+                    <a:lnBlToTr w="12700" cmpd="sng">
+                      <a:noFill/>
+                      <a:prstDash val="solid"/>
+                    </a:lnBlToTr>
+                    <a:noFill/>
+                  </a:tcPr>
+                </a:tc>
+                <a:tc>
+                  <a:txBody>
+                    <a:bodyPr/>
+                    <a:lstStyle/>
+                    <a:p>
+                      <a:pPr algn="ctr"/>
+                      <a:r>
+                        <a:rPr lang="en-US" sz="1800" dirty="0"/>
+                        <a:t>20</a:t>
+                      </a:r>
+                    </a:p>
+                  </a:txBody>
+                  <a:tcPr marL="37328" marR="37328" marT="18664" marB="18664" anchor="ctr">
+                    <a:lnL w="12700" cap="flat" cmpd="sng" algn="ctr">
+                      <a:noFill/>
+                      <a:prstDash val="solid"/>
+                      <a:round/>
+                      <a:headEnd type="none" w="med" len="med"/>
+                      <a:tailEnd type="none" w="med" len="med"/>
+                    </a:lnL>
+                    <a:lnR w="12700" cap="flat" cmpd="sng" algn="ctr">
+                      <a:noFill/>
+                      <a:prstDash val="solid"/>
+                      <a:round/>
+                      <a:headEnd type="none" w="med" len="med"/>
+                      <a:tailEnd type="none" w="med" len="med"/>
+                    </a:lnR>
+                    <a:lnT w="12700" cap="flat" cmpd="sng" algn="ctr">
+                      <a:solidFill>
+                        <a:schemeClr val="tx1"/>
+                      </a:solidFill>
+                      <a:prstDash val="solid"/>
+                      <a:round/>
+                      <a:headEnd type="none" w="med" len="med"/>
+                      <a:tailEnd type="none" w="med" len="med"/>
+                    </a:lnT>
+                    <a:lnB w="12700" cap="flat" cmpd="sng" algn="ctr">
+                      <a:solidFill>
+                        <a:schemeClr val="tx1"/>
+                      </a:solidFill>
+                      <a:prstDash val="solid"/>
+                      <a:round/>
+                      <a:headEnd type="none" w="med" len="med"/>
+                      <a:tailEnd type="none" w="med" len="med"/>
+                    </a:lnB>
+                    <a:lnTlToBr w="12700" cmpd="sng">
+                      <a:noFill/>
+                      <a:prstDash val="solid"/>
+                    </a:lnTlToBr>
+                    <a:lnBlToTr w="12700" cmpd="sng">
+                      <a:noFill/>
+                      <a:prstDash val="solid"/>
+                    </a:lnBlToTr>
+                    <a:noFill/>
+                  </a:tcPr>
+                </a:tc>
+                <a:tc>
+                  <a:txBody>
+                    <a:bodyPr/>
+                    <a:lstStyle/>
+                    <a:p>
+                      <a:pPr algn="ctr"/>
+                      <a:r>
+                        <a:rPr lang="en-US" sz="1800" dirty="0"/>
+                        <a:t>0</a:t>
+                      </a:r>
+                    </a:p>
+                  </a:txBody>
+                  <a:tcPr marL="37328" marR="37328" marT="18664" marB="18664" anchor="ctr">
+                    <a:lnL w="12700" cap="flat" cmpd="sng" algn="ctr">
+                      <a:noFill/>
+                      <a:prstDash val="solid"/>
+                      <a:round/>
+                      <a:headEnd type="none" w="med" len="med"/>
+                      <a:tailEnd type="none" w="med" len="med"/>
+                    </a:lnL>
+                    <a:lnR w="12700" cap="flat" cmpd="sng" algn="ctr">
+                      <a:noFill/>
+                      <a:prstDash val="sysDash"/>
+                      <a:round/>
+                      <a:headEnd type="none" w="med" len="med"/>
+                      <a:tailEnd type="none" w="med" len="med"/>
+                    </a:lnR>
+                    <a:lnT w="12700" cap="flat" cmpd="sng" algn="ctr">
+                      <a:solidFill>
+                        <a:schemeClr val="tx1"/>
+                      </a:solidFill>
+                      <a:prstDash val="solid"/>
+                      <a:round/>
+                      <a:headEnd type="none" w="med" len="med"/>
+                      <a:tailEnd type="none" w="med" len="med"/>
+                    </a:lnT>
+                    <a:lnB w="12700" cap="flat" cmpd="sng" algn="ctr">
+                      <a:solidFill>
+                        <a:schemeClr val="tx1"/>
+                      </a:solidFill>
+                      <a:prstDash val="solid"/>
+                      <a:round/>
+                      <a:headEnd type="none" w="med" len="med"/>
+                      <a:tailEnd type="none" w="med" len="med"/>
+                    </a:lnB>
+                    <a:lnTlToBr w="12700" cmpd="sng">
+                      <a:noFill/>
+                      <a:prstDash val="solid"/>
+                    </a:lnTlToBr>
+                    <a:lnBlToTr w="12700" cmpd="sng">
+                      <a:noFill/>
+                      <a:prstDash val="solid"/>
+                    </a:lnBlToTr>
+                    <a:noFill/>
+                  </a:tcPr>
+                </a:tc>
+                <a:tc>
+                  <a:txBody>
+                    <a:bodyPr/>
+                    <a:lstStyle/>
+                    <a:p>
+                      <a:pPr algn="ctr"/>
+                      <a:r>
+                        <a:rPr lang="en-US" sz="1800" dirty="0"/>
+                        <a:t>0</a:t>
+                      </a:r>
+                    </a:p>
+                  </a:txBody>
+                  <a:tcPr marL="37328" marR="37328" marT="18664" marB="18664" anchor="ctr">
+                    <a:lnL w="12700" cap="flat" cmpd="sng" algn="ctr">
+                      <a:noFill/>
+                      <a:prstDash val="sysDash"/>
+                      <a:round/>
+                      <a:headEnd type="none" w="med" len="med"/>
+                      <a:tailEnd type="none" w="med" len="med"/>
+                    </a:lnL>
+                    <a:lnR w="12700" cap="flat" cmpd="sng" algn="ctr">
+                      <a:noFill/>
+                      <a:prstDash val="solid"/>
+                      <a:round/>
+                      <a:headEnd type="none" w="med" len="med"/>
+                      <a:tailEnd type="none" w="med" len="med"/>
+                    </a:lnR>
+                    <a:lnT w="12700" cap="flat" cmpd="sng" algn="ctr">
+                      <a:solidFill>
+                        <a:schemeClr val="tx1"/>
+                      </a:solidFill>
+                      <a:prstDash val="solid"/>
+                      <a:round/>
+                      <a:headEnd type="none" w="med" len="med"/>
+                      <a:tailEnd type="none" w="med" len="med"/>
+                    </a:lnT>
+                    <a:lnB w="12700" cap="flat" cmpd="sng" algn="ctr">
+                      <a:solidFill>
+                        <a:schemeClr val="tx1"/>
+                      </a:solidFill>
+                      <a:prstDash val="solid"/>
+                      <a:round/>
+                      <a:headEnd type="none" w="med" len="med"/>
+                      <a:tailEnd type="none" w="med" len="med"/>
+                    </a:lnB>
+                    <a:lnTlToBr w="12700" cmpd="sng">
+                      <a:noFill/>
+                      <a:prstDash val="solid"/>
+                    </a:lnTlToBr>
+                    <a:lnBlToTr w="12700" cmpd="sng">
+                      <a:noFill/>
+                      <a:prstDash val="solid"/>
+                    </a:lnBlToTr>
+                    <a:noFill/>
+                  </a:tcPr>
+                </a:tc>
+                <a:tc>
+                  <a:txBody>
+                    <a:bodyPr/>
+                    <a:lstStyle/>
+                    <a:p>
+                      <a:pPr algn="ctr"/>
+                      <a:r>
+                        <a:rPr lang="en-US" sz="1800" dirty="0"/>
+                        <a:t>0</a:t>
+                      </a:r>
+                    </a:p>
+                  </a:txBody>
+                  <a:tcPr marL="37328" marR="37328" marT="18664" marB="18664" anchor="ctr">
+                    <a:lnL w="12700" cap="flat" cmpd="sng" algn="ctr">
+                      <a:noFill/>
+                      <a:prstDash val="solid"/>
+                      <a:round/>
+                      <a:headEnd type="none" w="med" len="med"/>
+                      <a:tailEnd type="none" w="med" len="med"/>
+                    </a:lnL>
+                    <a:lnR w="12700" cap="flat" cmpd="sng" algn="ctr">
+                      <a:noFill/>
+                      <a:prstDash val="solid"/>
+                      <a:round/>
+                      <a:headEnd type="none" w="med" len="med"/>
+                      <a:tailEnd type="none" w="med" len="med"/>
+                    </a:lnR>
+                    <a:lnT w="12700" cap="flat" cmpd="sng" algn="ctr">
+                      <a:solidFill>
+                        <a:schemeClr val="tx1"/>
+                      </a:solidFill>
+                      <a:prstDash val="solid"/>
+                      <a:round/>
+                      <a:headEnd type="none" w="med" len="med"/>
+                      <a:tailEnd type="none" w="med" len="med"/>
+                    </a:lnT>
+                    <a:lnB w="12700" cap="flat" cmpd="sng" algn="ctr">
+                      <a:solidFill>
+                        <a:schemeClr val="tx1"/>
+                      </a:solidFill>
+                      <a:prstDash val="solid"/>
+                      <a:round/>
+                      <a:headEnd type="none" w="med" len="med"/>
+                      <a:tailEnd type="none" w="med" len="med"/>
+                    </a:lnB>
+                    <a:lnTlToBr w="12700" cmpd="sng">
+                      <a:noFill/>
+                      <a:prstDash val="solid"/>
+                    </a:lnTlToBr>
+                    <a:lnBlToTr w="12700" cmpd="sng">
+                      <a:noFill/>
+                      <a:prstDash val="solid"/>
+                    </a:lnBlToTr>
+                    <a:noFill/>
+                  </a:tcPr>
+                </a:tc>
+                <a:tc>
+                  <a:txBody>
+                    <a:bodyPr/>
+                    <a:lstStyle/>
+                    <a:p>
+                      <a:pPr algn="ctr"/>
+                      <a:r>
+                        <a:rPr lang="en-US" sz="1800" dirty="0"/>
+                        <a:t>0</a:t>
+                      </a:r>
+                    </a:p>
+                  </a:txBody>
+                  <a:tcPr marL="37328" marR="37328" marT="18664" marB="18664" anchor="ctr">
+                    <a:lnL w="12700" cap="flat" cmpd="sng" algn="ctr">
+                      <a:noFill/>
+                      <a:prstDash val="solid"/>
+                      <a:round/>
+                      <a:headEnd type="none" w="med" len="med"/>
+                      <a:tailEnd type="none" w="med" len="med"/>
+                    </a:lnL>
+                    <a:lnR w="12700" cap="flat" cmpd="sng" algn="ctr">
+                      <a:noFill/>
+                      <a:prstDash val="solid"/>
+                      <a:round/>
+                      <a:headEnd type="none" w="med" len="med"/>
+                      <a:tailEnd type="none" w="med" len="med"/>
+                    </a:lnR>
+                    <a:lnT w="12700" cap="flat" cmpd="sng" algn="ctr">
+                      <a:solidFill>
+                        <a:schemeClr val="tx1"/>
+                      </a:solidFill>
+                      <a:prstDash val="solid"/>
+                      <a:round/>
+                      <a:headEnd type="none" w="med" len="med"/>
+                      <a:tailEnd type="none" w="med" len="med"/>
+                    </a:lnT>
+                    <a:lnB w="12700" cap="flat" cmpd="sng" algn="ctr">
+                      <a:solidFill>
+                        <a:schemeClr val="tx1"/>
+                      </a:solidFill>
+                      <a:prstDash val="solid"/>
+                      <a:round/>
+                      <a:headEnd type="none" w="med" len="med"/>
+                      <a:tailEnd type="none" w="med" len="med"/>
+                    </a:lnB>
+                    <a:lnTlToBr w="12700" cmpd="sng">
+                      <a:noFill/>
+                      <a:prstDash val="solid"/>
+                    </a:lnTlToBr>
+                    <a:lnBlToTr w="12700" cmpd="sng">
+                      <a:noFill/>
+                      <a:prstDash val="solid"/>
+                    </a:lnBlToTr>
+                    <a:noFill/>
+                  </a:tcPr>
+                </a:tc>
+                <a:tc>
+                  <a:txBody>
+                    <a:bodyPr/>
+                    <a:lstStyle/>
+                    <a:p>
+                      <a:pPr algn="ctr"/>
+                      <a:r>
+                        <a:rPr lang="en-US" sz="1800" dirty="0"/>
+                        <a:t>0</a:t>
+                      </a:r>
+                    </a:p>
+                  </a:txBody>
+                  <a:tcPr marL="37328" marR="37328" marT="18664" marB="18664" anchor="ctr">
+                    <a:lnL w="12700" cap="flat" cmpd="sng" algn="ctr">
+                      <a:noFill/>
+                      <a:prstDash val="solid"/>
+                      <a:round/>
+                      <a:headEnd type="none" w="med" len="med"/>
+                      <a:tailEnd type="none" w="med" len="med"/>
+                    </a:lnL>
+                    <a:lnR w="12700" cap="flat" cmpd="sng" algn="ctr">
+                      <a:noFill/>
+                      <a:prstDash val="solid"/>
+                      <a:round/>
+                      <a:headEnd type="none" w="med" len="med"/>
+                      <a:tailEnd type="none" w="med" len="med"/>
+                    </a:lnR>
+                    <a:lnT w="12700" cap="flat" cmpd="sng" algn="ctr">
+                      <a:solidFill>
+                        <a:schemeClr val="tx1"/>
+                      </a:solidFill>
+                      <a:prstDash val="solid"/>
+                      <a:round/>
+                      <a:headEnd type="none" w="med" len="med"/>
+                      <a:tailEnd type="none" w="med" len="med"/>
+                    </a:lnT>
+                    <a:lnB w="12700" cap="flat" cmpd="sng" algn="ctr">
+                      <a:solidFill>
+                        <a:schemeClr val="tx1"/>
+                      </a:solidFill>
+                      <a:prstDash val="solid"/>
+                      <a:round/>
+                      <a:headEnd type="none" w="med" len="med"/>
+                      <a:tailEnd type="none" w="med" len="med"/>
+                    </a:lnB>
+                    <a:lnTlToBr w="12700" cmpd="sng">
+                      <a:noFill/>
+                      <a:prstDash val="solid"/>
+                    </a:lnTlToBr>
+                    <a:lnBlToTr w="12700" cmpd="sng">
+                      <a:noFill/>
+                      <a:prstDash val="solid"/>
+                    </a:lnBlToTr>
+                    <a:noFill/>
+                  </a:tcPr>
+                </a:tc>
+                <a:tc>
+                  <a:txBody>
+                    <a:bodyPr/>
+                    <a:lstStyle/>
+                    <a:p>
+                      <a:pPr algn="ctr"/>
+                      <a:r>
+                        <a:rPr lang="en-US" sz="1800" dirty="0"/>
+                        <a:t>0</a:t>
+                      </a:r>
+                    </a:p>
+                  </a:txBody>
+                  <a:tcPr marL="37328" marR="37328" marT="18664" marB="18664" anchor="ctr">
+                    <a:lnL w="12700" cap="flat" cmpd="sng" algn="ctr">
+                      <a:noFill/>
+                      <a:prstDash val="solid"/>
+                      <a:round/>
+                      <a:headEnd type="none" w="med" len="med"/>
+                      <a:tailEnd type="none" w="med" len="med"/>
+                    </a:lnL>
+                    <a:lnR w="12700" cap="flat" cmpd="sng" algn="ctr">
+                      <a:noFill/>
+                      <a:prstDash val="solid"/>
+                      <a:round/>
+                      <a:headEnd type="none" w="med" len="med"/>
+                      <a:tailEnd type="none" w="med" len="med"/>
+                    </a:lnR>
+                    <a:lnT w="12700" cap="flat" cmpd="sng" algn="ctr">
+                      <a:solidFill>
+                        <a:schemeClr val="tx1"/>
+                      </a:solidFill>
+                      <a:prstDash val="solid"/>
+                      <a:round/>
+                      <a:headEnd type="none" w="med" len="med"/>
+                      <a:tailEnd type="none" w="med" len="med"/>
+                    </a:lnT>
+                    <a:lnB w="12700" cap="flat" cmpd="sng" algn="ctr">
+                      <a:solidFill>
+                        <a:schemeClr val="tx1"/>
+                      </a:solidFill>
+                      <a:prstDash val="solid"/>
+                      <a:round/>
+                      <a:headEnd type="none" w="med" len="med"/>
+                      <a:tailEnd type="none" w="med" len="med"/>
+                    </a:lnB>
+                    <a:lnTlToBr w="12700" cmpd="sng">
+                      <a:noFill/>
+                      <a:prstDash val="solid"/>
+                    </a:lnTlToBr>
+                    <a:lnBlToTr w="12700" cmpd="sng">
+                      <a:noFill/>
+                      <a:prstDash val="solid"/>
+                    </a:lnBlToTr>
+                    <a:noFill/>
+                  </a:tcPr>
+                </a:tc>
+                <a:extLst>
+                  <a:ext uri="{0D108BD9-81ED-4DB2-BD59-A6C34878D82A}">
+                    <a16:rowId xmlns:a16="http://schemas.microsoft.com/office/drawing/2014/main" val="2186964826"/>
+                  </a:ext>
+                </a:extLst>
+              </a:tr>
+              <a:tr h="521210">
+                <a:tc>
+                  <a:txBody>
+                    <a:bodyPr/>
+                    <a:lstStyle/>
+                    <a:p>
+                      <a:pPr marL="0" marR="0" lvl="0" indent="0" algn="l" defTabSz="457200" rtl="0" eaLnBrk="1" fontAlgn="auto" latinLnBrk="0" hangingPunct="1">
+                        <a:lnSpc>
+                          <a:spcPct val="100000"/>
+                        </a:lnSpc>
+                        <a:spcBef>
+                          <a:spcPts val="0"/>
+                        </a:spcBef>
+                        <a:spcAft>
+                          <a:spcPts val="0"/>
+                        </a:spcAft>
+                        <a:buClrTx/>
+                        <a:buSzTx/>
+                        <a:buFontTx/>
+                        <a:buNone/>
+                        <a:tabLst/>
+                        <a:defRPr/>
+                      </a:pPr>
+                      <a:r>
+                        <a:rPr lang="en-US" sz="1800" dirty="0"/>
+                        <a:t>PFW (L)</a:t>
+                      </a:r>
+                    </a:p>
+                  </a:txBody>
+                  <a:tcPr marL="37328" marR="37328" marT="18664" marB="18664" anchor="ctr">
+                    <a:lnL w="12700" cap="flat" cmpd="sng" algn="ctr">
+                      <a:noFill/>
+                      <a:prstDash val="solid"/>
+                      <a:round/>
+                      <a:headEnd type="none" w="med" len="med"/>
+                      <a:tailEnd type="none" w="med" len="med"/>
+                    </a:lnL>
+                    <a:lnR w="12700" cap="flat" cmpd="sng" algn="ctr">
+                      <a:noFill/>
+                      <a:prstDash val="solid"/>
+                      <a:round/>
+                      <a:headEnd type="none" w="med" len="med"/>
+                      <a:tailEnd type="none" w="med" len="med"/>
+                    </a:lnR>
+                    <a:lnT w="12700" cap="flat" cmpd="sng" algn="ctr">
+                      <a:solidFill>
+                        <a:schemeClr val="tx1"/>
+                      </a:solidFill>
+                      <a:prstDash val="solid"/>
+                      <a:round/>
+                      <a:headEnd type="none" w="med" len="med"/>
+                      <a:tailEnd type="none" w="med" len="med"/>
+                    </a:lnT>
+                    <a:lnB w="12700" cap="flat" cmpd="sng" algn="ctr">
+                      <a:solidFill>
+                        <a:schemeClr val="tx1"/>
+                      </a:solidFill>
+                      <a:prstDash val="solid"/>
+                      <a:round/>
+                      <a:headEnd type="none" w="med" len="med"/>
+                      <a:tailEnd type="none" w="med" len="med"/>
+                    </a:lnB>
+                    <a:lnTlToBr w="12700" cmpd="sng">
+                      <a:noFill/>
+                      <a:prstDash val="solid"/>
+                    </a:lnTlToBr>
+                    <a:lnBlToTr w="12700" cmpd="sng">
+                      <a:noFill/>
+                      <a:prstDash val="solid"/>
+                    </a:lnBlToTr>
+                  </a:tcPr>
+                </a:tc>
+                <a:tc>
+                  <a:txBody>
+                    <a:bodyPr/>
+                    <a:lstStyle/>
+                    <a:p>
+                      <a:pPr algn="ctr"/>
+                      <a:r>
+                        <a:rPr lang="en-US" sz="1800" dirty="0"/>
+                        <a:t>4</a:t>
+                      </a:r>
+                    </a:p>
+                  </a:txBody>
+                  <a:tcPr marL="37328" marR="37328" marT="18664" marB="18664" anchor="ctr">
+                    <a:lnL w="12700" cap="flat" cmpd="sng" algn="ctr">
+                      <a:noFill/>
+                      <a:prstDash val="solid"/>
+                      <a:round/>
+                      <a:headEnd type="none" w="med" len="med"/>
+                      <a:tailEnd type="none" w="med" len="med"/>
+                    </a:lnL>
+                    <a:lnR w="12700" cap="flat" cmpd="sng" algn="ctr">
+                      <a:noFill/>
+                      <a:prstDash val="solid"/>
+                      <a:round/>
+                      <a:headEnd type="none" w="med" len="med"/>
+                      <a:tailEnd type="none" w="med" len="med"/>
+                    </a:lnR>
+                    <a:lnT w="12700" cap="flat" cmpd="sng" algn="ctr">
+                      <a:solidFill>
+                        <a:schemeClr val="tx1"/>
+                      </a:solidFill>
+                      <a:prstDash val="solid"/>
+                      <a:round/>
+                      <a:headEnd type="none" w="med" len="med"/>
+                      <a:tailEnd type="none" w="med" len="med"/>
+                    </a:lnT>
+                    <a:lnB w="12700" cap="flat" cmpd="sng" algn="ctr">
+                      <a:solidFill>
+                        <a:schemeClr val="tx1"/>
+                      </a:solidFill>
+                      <a:prstDash val="solid"/>
+                      <a:round/>
+                      <a:headEnd type="none" w="med" len="med"/>
+                      <a:tailEnd type="none" w="med" len="med"/>
+                    </a:lnB>
+                    <a:lnTlToBr w="12700" cmpd="sng">
+                      <a:noFill/>
+                      <a:prstDash val="solid"/>
+                    </a:lnTlToBr>
+                    <a:lnBlToTr w="12700" cmpd="sng">
+                      <a:noFill/>
+                      <a:prstDash val="solid"/>
+                    </a:lnBlToTr>
+                    <a:noFill/>
+                  </a:tcPr>
+                </a:tc>
+                <a:tc>
+                  <a:txBody>
+                    <a:bodyPr/>
+                    <a:lstStyle/>
+                    <a:p>
+                      <a:pPr algn="ctr"/>
+                      <a:r>
+                        <a:rPr lang="en-US" sz="1800" dirty="0"/>
+                        <a:t>3.2</a:t>
+                      </a:r>
+                    </a:p>
+                  </a:txBody>
+                  <a:tcPr marL="37328" marR="37328" marT="18664" marB="18664" anchor="ctr">
+                    <a:lnL w="12700" cap="flat" cmpd="sng" algn="ctr">
+                      <a:noFill/>
+                      <a:prstDash val="solid"/>
+                      <a:round/>
+                      <a:headEnd type="none" w="med" len="med"/>
+                      <a:tailEnd type="none" w="med" len="med"/>
+                    </a:lnL>
+                    <a:lnR w="12700" cap="flat" cmpd="sng" algn="ctr">
+                      <a:noFill/>
+                      <a:prstDash val="solid"/>
+                      <a:round/>
+                      <a:headEnd type="none" w="med" len="med"/>
+                      <a:tailEnd type="none" w="med" len="med"/>
+                    </a:lnR>
+                    <a:lnT w="12700" cap="flat" cmpd="sng" algn="ctr">
+                      <a:solidFill>
+                        <a:schemeClr val="tx1"/>
+                      </a:solidFill>
+                      <a:prstDash val="solid"/>
+                      <a:round/>
+                      <a:headEnd type="none" w="med" len="med"/>
+                      <a:tailEnd type="none" w="med" len="med"/>
+                    </a:lnT>
+                    <a:lnB w="12700" cap="flat" cmpd="sng" algn="ctr">
+                      <a:solidFill>
+                        <a:schemeClr val="tx1"/>
+                      </a:solidFill>
+                      <a:prstDash val="solid"/>
+                      <a:round/>
+                      <a:headEnd type="none" w="med" len="med"/>
+                      <a:tailEnd type="none" w="med" len="med"/>
+                    </a:lnB>
+                    <a:lnTlToBr w="12700" cmpd="sng">
+                      <a:noFill/>
+                      <a:prstDash val="solid"/>
+                    </a:lnTlToBr>
+                    <a:lnBlToTr w="12700" cmpd="sng">
+                      <a:noFill/>
+                      <a:prstDash val="solid"/>
+                    </a:lnBlToTr>
+                    <a:noFill/>
+                  </a:tcPr>
+                </a:tc>
+                <a:tc>
+                  <a:txBody>
+                    <a:bodyPr/>
+                    <a:lstStyle/>
+                    <a:p>
+                      <a:pPr algn="ctr"/>
+                      <a:r>
+                        <a:rPr lang="en-US" sz="1800" dirty="0"/>
+                        <a:t>2.4</a:t>
+                      </a:r>
+                    </a:p>
+                  </a:txBody>
+                  <a:tcPr marL="37328" marR="37328" marT="18664" marB="18664" anchor="ctr">
+                    <a:lnL w="12700" cap="flat" cmpd="sng" algn="ctr">
+                      <a:noFill/>
+                      <a:prstDash val="solid"/>
+                      <a:round/>
+                      <a:headEnd type="none" w="med" len="med"/>
+                      <a:tailEnd type="none" w="med" len="med"/>
+                    </a:lnL>
+                    <a:lnR w="12700" cap="flat" cmpd="sng" algn="ctr">
+                      <a:noFill/>
+                      <a:prstDash val="solid"/>
+                      <a:round/>
+                      <a:headEnd type="none" w="med" len="med"/>
+                      <a:tailEnd type="none" w="med" len="med"/>
+                    </a:lnR>
+                    <a:lnT w="12700" cap="flat" cmpd="sng" algn="ctr">
+                      <a:solidFill>
+                        <a:schemeClr val="tx1"/>
+                      </a:solidFill>
+                      <a:prstDash val="solid"/>
+                      <a:round/>
+                      <a:headEnd type="none" w="med" len="med"/>
+                      <a:tailEnd type="none" w="med" len="med"/>
+                    </a:lnT>
+                    <a:lnB w="12700" cap="flat" cmpd="sng" algn="ctr">
+                      <a:solidFill>
+                        <a:schemeClr val="tx1"/>
+                      </a:solidFill>
+                      <a:prstDash val="solid"/>
+                      <a:round/>
+                      <a:headEnd type="none" w="med" len="med"/>
+                      <a:tailEnd type="none" w="med" len="med"/>
+                    </a:lnB>
+                    <a:lnTlToBr w="12700" cmpd="sng">
+                      <a:noFill/>
+                      <a:prstDash val="solid"/>
+                    </a:lnTlToBr>
+                    <a:lnBlToTr w="12700" cmpd="sng">
+                      <a:noFill/>
+                      <a:prstDash val="solid"/>
+                    </a:lnBlToTr>
+                    <a:noFill/>
+                  </a:tcPr>
+                </a:tc>
+                <a:tc>
+                  <a:txBody>
+                    <a:bodyPr/>
+                    <a:lstStyle/>
+                    <a:p>
+                      <a:pPr algn="ctr"/>
+                      <a:r>
+                        <a:rPr lang="en-US" sz="1800" dirty="0"/>
+                        <a:t>1.6</a:t>
+                      </a:r>
+                    </a:p>
+                  </a:txBody>
+                  <a:tcPr marL="37328" marR="37328" marT="18664" marB="18664" anchor="ctr">
+                    <a:lnL w="12700" cap="flat" cmpd="sng" algn="ctr">
+                      <a:noFill/>
+                      <a:prstDash val="solid"/>
+                      <a:round/>
+                      <a:headEnd type="none" w="med" len="med"/>
+                      <a:tailEnd type="none" w="med" len="med"/>
+                    </a:lnL>
+                    <a:lnR w="12700" cap="flat" cmpd="sng" algn="ctr">
+                      <a:noFill/>
+                      <a:prstDash val="solid"/>
+                      <a:round/>
+                      <a:headEnd type="none" w="med" len="med"/>
+                      <a:tailEnd type="none" w="med" len="med"/>
+                    </a:lnR>
+                    <a:lnT w="12700" cap="flat" cmpd="sng" algn="ctr">
+                      <a:solidFill>
+                        <a:schemeClr val="tx1"/>
+                      </a:solidFill>
+                      <a:prstDash val="solid"/>
+                      <a:round/>
+                      <a:headEnd type="none" w="med" len="med"/>
+                      <a:tailEnd type="none" w="med" len="med"/>
+                    </a:lnT>
+                    <a:lnB w="12700" cap="flat" cmpd="sng" algn="ctr">
+                      <a:solidFill>
+                        <a:schemeClr val="tx1"/>
+                      </a:solidFill>
+                      <a:prstDash val="solid"/>
+                      <a:round/>
+                      <a:headEnd type="none" w="med" len="med"/>
+                      <a:tailEnd type="none" w="med" len="med"/>
+                    </a:lnB>
+                    <a:lnTlToBr w="12700" cmpd="sng">
+                      <a:noFill/>
+                      <a:prstDash val="solid"/>
+                    </a:lnTlToBr>
+                    <a:lnBlToTr w="12700" cmpd="sng">
+                      <a:noFill/>
+                      <a:prstDash val="solid"/>
+                    </a:lnBlToTr>
+                    <a:noFill/>
+                  </a:tcPr>
+                </a:tc>
+                <a:tc>
+                  <a:txBody>
+                    <a:bodyPr/>
+                    <a:lstStyle/>
+                    <a:p>
+                      <a:pPr algn="ctr"/>
+                      <a:r>
+                        <a:rPr lang="en-US" sz="1800" dirty="0"/>
+                        <a:t>0.8</a:t>
+                      </a:r>
+                    </a:p>
+                  </a:txBody>
+                  <a:tcPr marL="37328" marR="37328" marT="18664" marB="18664" anchor="ctr">
+                    <a:lnL w="12700" cap="flat" cmpd="sng" algn="ctr">
+                      <a:noFill/>
+                      <a:prstDash val="solid"/>
+                      <a:round/>
+                      <a:headEnd type="none" w="med" len="med"/>
+                      <a:tailEnd type="none" w="med" len="med"/>
+                    </a:lnL>
+                    <a:lnR w="12700" cap="flat" cmpd="sng" algn="ctr">
+                      <a:noFill/>
+                      <a:prstDash val="solid"/>
+                      <a:round/>
+                      <a:headEnd type="none" w="med" len="med"/>
+                      <a:tailEnd type="none" w="med" len="med"/>
+                    </a:lnR>
+                    <a:lnT w="12700" cap="flat" cmpd="sng" algn="ctr">
+                      <a:solidFill>
+                        <a:schemeClr val="tx1"/>
+                      </a:solidFill>
+                      <a:prstDash val="solid"/>
+                      <a:round/>
+                      <a:headEnd type="none" w="med" len="med"/>
+                      <a:tailEnd type="none" w="med" len="med"/>
+                    </a:lnT>
+                    <a:lnB w="12700" cap="flat" cmpd="sng" algn="ctr">
+                      <a:solidFill>
+                        <a:schemeClr val="tx1"/>
+                      </a:solidFill>
+                      <a:prstDash val="solid"/>
+                      <a:round/>
+                      <a:headEnd type="none" w="med" len="med"/>
+                      <a:tailEnd type="none" w="med" len="med"/>
+                    </a:lnB>
+                    <a:lnTlToBr w="12700" cmpd="sng">
+                      <a:noFill/>
+                      <a:prstDash val="solid"/>
+                    </a:lnTlToBr>
+                    <a:lnBlToTr w="12700" cmpd="sng">
+                      <a:noFill/>
+                      <a:prstDash val="solid"/>
+                    </a:lnBlToTr>
+                    <a:noFill/>
+                  </a:tcPr>
+                </a:tc>
+                <a:tc>
+                  <a:txBody>
+                    <a:bodyPr/>
+                    <a:lstStyle/>
+                    <a:p>
+                      <a:pPr algn="ctr"/>
+                      <a:endParaRPr lang="en-US" sz="1800" dirty="0"/>
+                    </a:p>
+                  </a:txBody>
+                  <a:tcPr marL="37328" marR="37328" marT="18664" marB="18664" anchor="ctr">
+                    <a:lnL w="12700" cap="flat" cmpd="sng" algn="ctr">
+                      <a:noFill/>
+                      <a:prstDash val="solid"/>
+                      <a:round/>
+                      <a:headEnd type="none" w="med" len="med"/>
+                      <a:tailEnd type="none" w="med" len="med"/>
+                    </a:lnL>
+                    <a:lnR w="12700" cap="flat" cmpd="sng" algn="ctr">
+                      <a:noFill/>
+                      <a:prstDash val="sysDash"/>
+                      <a:round/>
+                      <a:headEnd type="none" w="med" len="med"/>
+                      <a:tailEnd type="none" w="med" len="med"/>
+                    </a:lnR>
+                    <a:lnT w="12700" cap="flat" cmpd="sng" algn="ctr">
+                      <a:solidFill>
+                        <a:schemeClr val="tx1"/>
+                      </a:solidFill>
+                      <a:prstDash val="solid"/>
+                      <a:round/>
+                      <a:headEnd type="none" w="med" len="med"/>
+                      <a:tailEnd type="none" w="med" len="med"/>
+                    </a:lnT>
+                    <a:lnB w="12700" cap="flat" cmpd="sng" algn="ctr">
+                      <a:solidFill>
+                        <a:schemeClr val="tx1"/>
+                      </a:solidFill>
+                      <a:prstDash val="solid"/>
+                      <a:round/>
+                      <a:headEnd type="none" w="med" len="med"/>
+                      <a:tailEnd type="none" w="med" len="med"/>
+                    </a:lnB>
+                    <a:lnTlToBr w="12700" cmpd="sng">
+                      <a:noFill/>
+                      <a:prstDash val="solid"/>
+                    </a:lnTlToBr>
+                    <a:lnBlToTr w="12700" cmpd="sng">
+                      <a:noFill/>
+                      <a:prstDash val="solid"/>
+                    </a:lnBlToTr>
+                    <a:noFill/>
+                  </a:tcPr>
+                </a:tc>
+                <a:tc>
+                  <a:txBody>
+                    <a:bodyPr/>
+                    <a:lstStyle/>
+                    <a:p>
+                      <a:pPr algn="ctr"/>
+                      <a:endParaRPr lang="en-US" sz="1800" dirty="0"/>
+                    </a:p>
+                  </a:txBody>
+                  <a:tcPr marL="37328" marR="37328" marT="18664" marB="18664" anchor="ctr">
+                    <a:lnL w="12700" cap="flat" cmpd="sng" algn="ctr">
+                      <a:noFill/>
+                      <a:prstDash val="sysDash"/>
+                      <a:round/>
+                      <a:headEnd type="none" w="med" len="med"/>
+                      <a:tailEnd type="none" w="med" len="med"/>
+                    </a:lnL>
+                    <a:lnR w="12700" cap="flat" cmpd="sng" algn="ctr">
+                      <a:noFill/>
+                      <a:prstDash val="solid"/>
+                      <a:round/>
+                      <a:headEnd type="none" w="med" len="med"/>
+                      <a:tailEnd type="none" w="med" len="med"/>
+                    </a:lnR>
+                    <a:lnT w="12700" cap="flat" cmpd="sng" algn="ctr">
+                      <a:solidFill>
+                        <a:schemeClr val="tx1"/>
+                      </a:solidFill>
+                      <a:prstDash val="solid"/>
+                      <a:round/>
+                      <a:headEnd type="none" w="med" len="med"/>
+                      <a:tailEnd type="none" w="med" len="med"/>
+                    </a:lnT>
+                    <a:lnB w="12700" cap="flat" cmpd="sng" algn="ctr">
+                      <a:solidFill>
+                        <a:schemeClr val="tx1"/>
+                      </a:solidFill>
+                      <a:prstDash val="solid"/>
+                      <a:round/>
+                      <a:headEnd type="none" w="med" len="med"/>
+                      <a:tailEnd type="none" w="med" len="med"/>
+                    </a:lnB>
+                    <a:lnTlToBr w="12700" cmpd="sng">
+                      <a:noFill/>
+                      <a:prstDash val="solid"/>
+                    </a:lnTlToBr>
+                    <a:lnBlToTr w="12700" cmpd="sng">
+                      <a:noFill/>
+                      <a:prstDash val="solid"/>
+                    </a:lnBlToTr>
+                    <a:noFill/>
+                  </a:tcPr>
+                </a:tc>
+                <a:tc>
+                  <a:txBody>
+                    <a:bodyPr/>
+                    <a:lstStyle/>
+                    <a:p>
+                      <a:pPr algn="ctr"/>
+                      <a:endParaRPr lang="en-US" sz="1800" dirty="0"/>
+                    </a:p>
+                  </a:txBody>
+                  <a:tcPr marL="37328" marR="37328" marT="18664" marB="18664" anchor="ctr">
+                    <a:lnL w="12700" cap="flat" cmpd="sng" algn="ctr">
+                      <a:noFill/>
+                      <a:prstDash val="solid"/>
+                      <a:round/>
+                      <a:headEnd type="none" w="med" len="med"/>
+                      <a:tailEnd type="none" w="med" len="med"/>
+                    </a:lnL>
+                    <a:lnR w="12700" cap="flat" cmpd="sng" algn="ctr">
+                      <a:noFill/>
+                      <a:prstDash val="solid"/>
+                      <a:round/>
+                      <a:headEnd type="none" w="med" len="med"/>
+                      <a:tailEnd type="none" w="med" len="med"/>
+                    </a:lnR>
+                    <a:lnT w="12700" cap="flat" cmpd="sng" algn="ctr">
+                      <a:solidFill>
+                        <a:schemeClr val="tx1"/>
+                      </a:solidFill>
+                      <a:prstDash val="solid"/>
+                      <a:round/>
+                      <a:headEnd type="none" w="med" len="med"/>
+                      <a:tailEnd type="none" w="med" len="med"/>
+                    </a:lnT>
+                    <a:lnB w="12700" cap="flat" cmpd="sng" algn="ctr">
+                      <a:solidFill>
+                        <a:schemeClr val="tx1"/>
+                      </a:solidFill>
+                      <a:prstDash val="solid"/>
+                      <a:round/>
+                      <a:headEnd type="none" w="med" len="med"/>
+                      <a:tailEnd type="none" w="med" len="med"/>
+                    </a:lnB>
+                    <a:lnTlToBr w="12700" cmpd="sng">
+                      <a:noFill/>
+                      <a:prstDash val="solid"/>
+                    </a:lnTlToBr>
+                    <a:lnBlToTr w="12700" cmpd="sng">
+                      <a:noFill/>
+                      <a:prstDash val="solid"/>
+                    </a:lnBlToTr>
+                    <a:noFill/>
+                  </a:tcPr>
+                </a:tc>
+                <a:tc>
+                  <a:txBody>
+                    <a:bodyPr/>
+                    <a:lstStyle/>
+                    <a:p>
+                      <a:pPr algn="ctr"/>
+                      <a:endParaRPr lang="en-US" sz="1800" dirty="0"/>
+                    </a:p>
+                  </a:txBody>
+                  <a:tcPr marL="37328" marR="37328" marT="18664" marB="18664" anchor="ctr">
+                    <a:lnL w="12700" cap="flat" cmpd="sng" algn="ctr">
+                      <a:noFill/>
+                      <a:prstDash val="solid"/>
+                      <a:round/>
+                      <a:headEnd type="none" w="med" len="med"/>
+                      <a:tailEnd type="none" w="med" len="med"/>
+                    </a:lnL>
+                    <a:lnR w="12700" cap="flat" cmpd="sng" algn="ctr">
+                      <a:noFill/>
+                      <a:prstDash val="solid"/>
+                      <a:round/>
+                      <a:headEnd type="none" w="med" len="med"/>
+                      <a:tailEnd type="none" w="med" len="med"/>
+                    </a:lnR>
+                    <a:lnT w="12700" cap="flat" cmpd="sng" algn="ctr">
+                      <a:solidFill>
+                        <a:schemeClr val="tx1"/>
+                      </a:solidFill>
+                      <a:prstDash val="solid"/>
+                      <a:round/>
+                      <a:headEnd type="none" w="med" len="med"/>
+                      <a:tailEnd type="none" w="med" len="med"/>
+                    </a:lnT>
+                    <a:lnB w="12700" cap="flat" cmpd="sng" algn="ctr">
+                      <a:solidFill>
+                        <a:schemeClr val="tx1"/>
+                      </a:solidFill>
+                      <a:prstDash val="solid"/>
+                      <a:round/>
+                      <a:headEnd type="none" w="med" len="med"/>
+                      <a:tailEnd type="none" w="med" len="med"/>
+                    </a:lnB>
+                    <a:lnTlToBr w="12700" cmpd="sng">
+                      <a:noFill/>
+                      <a:prstDash val="solid"/>
+                    </a:lnTlToBr>
+                    <a:lnBlToTr w="12700" cmpd="sng">
+                      <a:noFill/>
+                      <a:prstDash val="solid"/>
+                    </a:lnBlToTr>
+                    <a:noFill/>
+                  </a:tcPr>
+                </a:tc>
+                <a:tc>
+                  <a:txBody>
+                    <a:bodyPr/>
+                    <a:lstStyle/>
+                    <a:p>
+                      <a:pPr algn="ctr"/>
+                      <a:endParaRPr lang="en-US" sz="1800" dirty="0"/>
+                    </a:p>
+                  </a:txBody>
+                  <a:tcPr marL="37328" marR="37328" marT="18664" marB="18664" anchor="ctr">
+                    <a:lnL w="12700" cap="flat" cmpd="sng" algn="ctr">
+                      <a:noFill/>
+                      <a:prstDash val="solid"/>
+                      <a:round/>
+                      <a:headEnd type="none" w="med" len="med"/>
+                      <a:tailEnd type="none" w="med" len="med"/>
+                    </a:lnL>
+                    <a:lnR w="12700" cap="flat" cmpd="sng" algn="ctr">
+                      <a:noFill/>
+                      <a:prstDash val="solid"/>
+                      <a:round/>
+                      <a:headEnd type="none" w="med" len="med"/>
+                      <a:tailEnd type="none" w="med" len="med"/>
+                    </a:lnR>
+                    <a:lnT w="12700" cap="flat" cmpd="sng" algn="ctr">
+                      <a:solidFill>
+                        <a:schemeClr val="tx1"/>
+                      </a:solidFill>
+                      <a:prstDash val="solid"/>
+                      <a:round/>
+                      <a:headEnd type="none" w="med" len="med"/>
+                      <a:tailEnd type="none" w="med" len="med"/>
+                    </a:lnT>
+                    <a:lnB w="12700" cap="flat" cmpd="sng" algn="ctr">
+                      <a:solidFill>
+                        <a:schemeClr val="tx1"/>
+                      </a:solidFill>
+                      <a:prstDash val="solid"/>
+                      <a:round/>
+                      <a:headEnd type="none" w="med" len="med"/>
+                      <a:tailEnd type="none" w="med" len="med"/>
+                    </a:lnB>
+                    <a:lnTlToBr w="12700" cmpd="sng">
+                      <a:noFill/>
+                      <a:prstDash val="solid"/>
+                    </a:lnTlToBr>
+                    <a:lnBlToTr w="12700" cmpd="sng">
+                      <a:noFill/>
+                      <a:prstDash val="solid"/>
+                    </a:lnBlToTr>
+                    <a:noFill/>
+                  </a:tcPr>
+                </a:tc>
+                <a:tc>
+                  <a:txBody>
+                    <a:bodyPr/>
+                    <a:lstStyle/>
+                    <a:p>
+                      <a:pPr algn="ctr"/>
+                      <a:endParaRPr lang="en-US" sz="1800" dirty="0"/>
+                    </a:p>
+                  </a:txBody>
+                  <a:tcPr marL="37328" marR="37328" marT="18664" marB="18664" anchor="ctr">
+                    <a:lnL w="12700" cap="flat" cmpd="sng" algn="ctr">
+                      <a:noFill/>
+                      <a:prstDash val="solid"/>
+                      <a:round/>
+                      <a:headEnd type="none" w="med" len="med"/>
+                      <a:tailEnd type="none" w="med" len="med"/>
+                    </a:lnL>
+                    <a:lnR w="12700" cap="flat" cmpd="sng" algn="ctr">
+                      <a:noFill/>
+                      <a:prstDash val="solid"/>
+                      <a:round/>
+                      <a:headEnd type="none" w="med" len="med"/>
+                      <a:tailEnd type="none" w="med" len="med"/>
+                    </a:lnR>
+                    <a:lnT w="12700" cap="flat" cmpd="sng" algn="ctr">
+                      <a:solidFill>
+                        <a:schemeClr val="tx1"/>
+                      </a:solidFill>
+                      <a:prstDash val="solid"/>
+                      <a:round/>
+                      <a:headEnd type="none" w="med" len="med"/>
+                      <a:tailEnd type="none" w="med" len="med"/>
+                    </a:lnT>
+                    <a:lnB w="12700" cap="flat" cmpd="sng" algn="ctr">
+                      <a:solidFill>
+                        <a:schemeClr val="tx1"/>
+                      </a:solidFill>
+                      <a:prstDash val="solid"/>
+                      <a:round/>
+                      <a:headEnd type="none" w="med" len="med"/>
+                      <a:tailEnd type="none" w="med" len="med"/>
+                    </a:lnB>
+                    <a:lnTlToBr w="12700" cmpd="sng">
+                      <a:noFill/>
+                      <a:prstDash val="solid"/>
+                    </a:lnTlToBr>
+                    <a:lnBlToTr w="12700" cmpd="sng">
+                      <a:noFill/>
+                      <a:prstDash val="solid"/>
+                    </a:lnBlToTr>
+                    <a:noFill/>
+                  </a:tcPr>
+                </a:tc>
+                <a:extLst>
+                  <a:ext uri="{0D108BD9-81ED-4DB2-BD59-A6C34878D82A}">
+                    <a16:rowId xmlns:a16="http://schemas.microsoft.com/office/drawing/2014/main" val="2848236020"/>
+                  </a:ext>
+                </a:extLst>
+              </a:tr>
+              <a:tr h="521210">
+                <a:tc>
+                  <a:txBody>
+                    <a:bodyPr/>
+                    <a:lstStyle/>
+                    <a:p>
+                      <a:pPr marL="0" marR="0" lvl="0" indent="0" algn="l" defTabSz="457200" rtl="0" eaLnBrk="1" fontAlgn="auto" latinLnBrk="0" hangingPunct="1">
+                        <a:lnSpc>
+                          <a:spcPct val="100000"/>
+                        </a:lnSpc>
+                        <a:spcBef>
+                          <a:spcPts val="0"/>
+                        </a:spcBef>
+                        <a:spcAft>
+                          <a:spcPts val="0"/>
+                        </a:spcAft>
+                        <a:buClrTx/>
+                        <a:buSzTx/>
+                        <a:buFontTx/>
+                        <a:buNone/>
+                        <a:tabLst/>
+                        <a:defRPr/>
+                      </a:pPr>
+                      <a:endParaRPr lang="en-US" sz="1800" dirty="0"/>
+                    </a:p>
+                  </a:txBody>
+                  <a:tcPr marL="37328" marR="37328" marT="18664" marB="18664" anchor="ctr">
+                    <a:lnL w="12700" cap="flat" cmpd="sng" algn="ctr">
+                      <a:noFill/>
+                      <a:prstDash val="solid"/>
+                      <a:round/>
+                      <a:headEnd type="none" w="med" len="med"/>
+                      <a:tailEnd type="none" w="med" len="med"/>
+                    </a:lnL>
+                    <a:lnR w="12700" cap="flat" cmpd="sng" algn="ctr">
+                      <a:noFill/>
+                      <a:prstDash val="solid"/>
+                      <a:round/>
+                      <a:headEnd type="none" w="med" len="med"/>
+                      <a:tailEnd type="none" w="med" len="med"/>
+                    </a:lnR>
+                    <a:lnT w="12700" cap="flat" cmpd="sng" algn="ctr">
+                      <a:solidFill>
+                        <a:schemeClr val="tx1"/>
+                      </a:solidFill>
+                      <a:prstDash val="solid"/>
+                      <a:round/>
+                      <a:headEnd type="none" w="med" len="med"/>
+                      <a:tailEnd type="none" w="med" len="med"/>
+                    </a:lnT>
+                    <a:lnB w="12700" cap="flat" cmpd="sng" algn="ctr">
+                      <a:noFill/>
+                      <a:prstDash val="solid"/>
+                      <a:round/>
+                      <a:headEnd type="none" w="med" len="med"/>
+                      <a:tailEnd type="none" w="med" len="med"/>
+                    </a:lnB>
+                    <a:lnTlToBr w="12700" cmpd="sng">
+                      <a:noFill/>
+                      <a:prstDash val="solid"/>
+                    </a:lnTlToBr>
+                    <a:lnBlToTr w="12700" cmpd="sng">
+                      <a:noFill/>
+                      <a:prstDash val="solid"/>
+                    </a:lnBlToTr>
+                  </a:tcPr>
+                </a:tc>
+                <a:tc>
+                  <a:txBody>
+                    <a:bodyPr/>
+                    <a:lstStyle/>
+                    <a:p>
+                      <a:pPr algn="ctr"/>
+                      <a:endParaRPr lang="en-US" sz="1800" dirty="0"/>
+                    </a:p>
+                  </a:txBody>
+                  <a:tcPr marL="37328" marR="37328" marT="18664" marB="18664" anchor="ctr">
+                    <a:lnL w="12700" cap="flat" cmpd="sng" algn="ctr">
+                      <a:noFill/>
+                      <a:prstDash val="solid"/>
+                      <a:round/>
+                      <a:headEnd type="none" w="med" len="med"/>
+                      <a:tailEnd type="none" w="med" len="med"/>
+                    </a:lnL>
+                    <a:lnR w="12700" cap="flat" cmpd="sng" algn="ctr">
+                      <a:noFill/>
+                      <a:prstDash val="solid"/>
+                      <a:round/>
+                      <a:headEnd type="none" w="med" len="med"/>
+                      <a:tailEnd type="none" w="med" len="med"/>
+                    </a:lnR>
+                    <a:lnT w="12700" cap="flat" cmpd="sng" algn="ctr">
+                      <a:solidFill>
+                        <a:schemeClr val="tx1"/>
+                      </a:solidFill>
+                      <a:prstDash val="solid"/>
+                      <a:round/>
+                      <a:headEnd type="none" w="med" len="med"/>
+                      <a:tailEnd type="none" w="med" len="med"/>
+                    </a:lnT>
+                    <a:lnB w="12700" cap="flat" cmpd="sng" algn="ctr">
+                      <a:noFill/>
+                      <a:prstDash val="solid"/>
+                      <a:round/>
+                      <a:headEnd type="none" w="med" len="med"/>
+                      <a:tailEnd type="none" w="med" len="med"/>
+                    </a:lnB>
+                    <a:lnTlToBr w="12700" cmpd="sng">
+                      <a:noFill/>
+                      <a:prstDash val="solid"/>
+                    </a:lnTlToBr>
+                    <a:lnBlToTr w="12700" cmpd="sng">
+                      <a:noFill/>
+                      <a:prstDash val="solid"/>
+                    </a:lnBlToTr>
+                    <a:noFill/>
+                  </a:tcPr>
+                </a:tc>
+                <a:tc>
+                  <a:txBody>
+                    <a:bodyPr/>
+                    <a:lstStyle/>
+                    <a:p>
+                      <a:pPr algn="ctr"/>
+                      <a:r>
+                        <a:rPr lang="en-US" sz="1800" dirty="0"/>
+                        <a:t>0.8</a:t>
+                      </a:r>
+                    </a:p>
+                  </a:txBody>
+                  <a:tcPr marL="37328" marR="37328" marT="18664" marB="18664" anchor="ctr">
+                    <a:lnL w="12700" cap="flat" cmpd="sng" algn="ctr">
+                      <a:noFill/>
+                      <a:prstDash val="solid"/>
+                      <a:round/>
+                      <a:headEnd type="none" w="med" len="med"/>
+                      <a:tailEnd type="none" w="med" len="med"/>
+                    </a:lnL>
+                    <a:lnR w="12700" cap="flat" cmpd="sng" algn="ctr">
+                      <a:noFill/>
+                      <a:prstDash val="solid"/>
+                      <a:round/>
+                      <a:headEnd type="none" w="med" len="med"/>
+                      <a:tailEnd type="none" w="med" len="med"/>
+                    </a:lnR>
+                    <a:lnT w="12700" cap="flat" cmpd="sng" algn="ctr">
+                      <a:solidFill>
+                        <a:schemeClr val="tx1"/>
+                      </a:solidFill>
+                      <a:prstDash val="solid"/>
+                      <a:round/>
+                      <a:headEnd type="none" w="med" len="med"/>
+                      <a:tailEnd type="none" w="med" len="med"/>
+                    </a:lnT>
+                    <a:lnB w="12700" cap="flat" cmpd="sng" algn="ctr">
+                      <a:noFill/>
+                      <a:prstDash val="solid"/>
+                      <a:round/>
+                      <a:headEnd type="none" w="med" len="med"/>
+                      <a:tailEnd type="none" w="med" len="med"/>
+                    </a:lnB>
+                    <a:lnTlToBr w="12700" cmpd="sng">
+                      <a:noFill/>
+                      <a:prstDash val="solid"/>
+                    </a:lnTlToBr>
+                    <a:lnBlToTr w="12700" cmpd="sng">
+                      <a:noFill/>
+                      <a:prstDash val="solid"/>
+                    </a:lnBlToTr>
+                    <a:noFill/>
+                  </a:tcPr>
+                </a:tc>
+                <a:tc>
+                  <a:txBody>
+                    <a:bodyPr/>
+                    <a:lstStyle/>
+                    <a:p>
+                      <a:pPr algn="ctr"/>
+                      <a:r>
+                        <a:rPr lang="en-US" sz="1800" dirty="0"/>
+                        <a:t>1.6</a:t>
+                      </a:r>
+                    </a:p>
+                  </a:txBody>
+                  <a:tcPr marL="37328" marR="37328" marT="18664" marB="18664" anchor="ctr">
+                    <a:lnL w="12700" cap="flat" cmpd="sng" algn="ctr">
+                      <a:noFill/>
+                      <a:prstDash val="solid"/>
+                      <a:round/>
+                      <a:headEnd type="none" w="med" len="med"/>
+                      <a:tailEnd type="none" w="med" len="med"/>
+                    </a:lnL>
+                    <a:lnR w="12700" cap="flat" cmpd="sng" algn="ctr">
+                      <a:noFill/>
+                      <a:prstDash val="solid"/>
+                      <a:round/>
+                      <a:headEnd type="none" w="med" len="med"/>
+                      <a:tailEnd type="none" w="med" len="med"/>
+                    </a:lnR>
+                    <a:lnT w="12700" cap="flat" cmpd="sng" algn="ctr">
+                      <a:solidFill>
+                        <a:schemeClr val="tx1"/>
+                      </a:solidFill>
+                      <a:prstDash val="solid"/>
+                      <a:round/>
+                      <a:headEnd type="none" w="med" len="med"/>
+                      <a:tailEnd type="none" w="med" len="med"/>
+                    </a:lnT>
+                    <a:lnB w="12700" cap="flat" cmpd="sng" algn="ctr">
+                      <a:noFill/>
+                      <a:prstDash val="solid"/>
+                      <a:round/>
+                      <a:headEnd type="none" w="med" len="med"/>
+                      <a:tailEnd type="none" w="med" len="med"/>
+                    </a:lnB>
+                    <a:lnTlToBr w="12700" cmpd="sng">
+                      <a:noFill/>
+                      <a:prstDash val="solid"/>
+                    </a:lnTlToBr>
+                    <a:lnBlToTr w="12700" cmpd="sng">
+                      <a:noFill/>
+                      <a:prstDash val="solid"/>
+                    </a:lnBlToTr>
+                    <a:noFill/>
+                  </a:tcPr>
+                </a:tc>
+                <a:tc>
+                  <a:txBody>
+                    <a:bodyPr/>
+                    <a:lstStyle/>
+                    <a:p>
+                      <a:pPr algn="ctr"/>
+                      <a:r>
+                        <a:rPr lang="en-US" sz="1800" dirty="0"/>
+                        <a:t>2.4</a:t>
+                      </a:r>
+                    </a:p>
+                  </a:txBody>
+                  <a:tcPr marL="37328" marR="37328" marT="18664" marB="18664" anchor="ctr">
+                    <a:lnL w="12700" cap="flat" cmpd="sng" algn="ctr">
+                      <a:noFill/>
+                      <a:prstDash val="solid"/>
+                      <a:round/>
+                      <a:headEnd type="none" w="med" len="med"/>
+                      <a:tailEnd type="none" w="med" len="med"/>
+                    </a:lnL>
+                    <a:lnR w="12700" cap="flat" cmpd="sng" algn="ctr">
+                      <a:noFill/>
+                      <a:prstDash val="solid"/>
+                      <a:round/>
+                      <a:headEnd type="none" w="med" len="med"/>
+                      <a:tailEnd type="none" w="med" len="med"/>
+                    </a:lnR>
+                    <a:lnT w="12700" cap="flat" cmpd="sng" algn="ctr">
+                      <a:solidFill>
+                        <a:schemeClr val="tx1"/>
+                      </a:solidFill>
+                      <a:prstDash val="solid"/>
+                      <a:round/>
+                      <a:headEnd type="none" w="med" len="med"/>
+                      <a:tailEnd type="none" w="med" len="med"/>
+                    </a:lnT>
+                    <a:lnB w="12700" cap="flat" cmpd="sng" algn="ctr">
+                      <a:noFill/>
+                      <a:prstDash val="solid"/>
+                      <a:round/>
+                      <a:headEnd type="none" w="med" len="med"/>
+                      <a:tailEnd type="none" w="med" len="med"/>
+                    </a:lnB>
+                    <a:lnTlToBr w="12700" cmpd="sng">
+                      <a:noFill/>
+                      <a:prstDash val="solid"/>
+                    </a:lnTlToBr>
+                    <a:lnBlToTr w="12700" cmpd="sng">
+                      <a:noFill/>
+                      <a:prstDash val="solid"/>
+                    </a:lnBlToTr>
+                    <a:noFill/>
+                  </a:tcPr>
+                </a:tc>
+                <a:tc>
+                  <a:txBody>
+                    <a:bodyPr/>
+                    <a:lstStyle/>
+                    <a:p>
+                      <a:pPr algn="ctr"/>
+                      <a:r>
+                        <a:rPr lang="en-US" sz="1800" dirty="0"/>
+                        <a:t>3.2</a:t>
+                      </a:r>
+                    </a:p>
+                  </a:txBody>
+                  <a:tcPr marL="37328" marR="37328" marT="18664" marB="18664" anchor="ctr">
+                    <a:lnL w="12700" cap="flat" cmpd="sng" algn="ctr">
+                      <a:noFill/>
+                      <a:prstDash val="solid"/>
+                      <a:round/>
+                      <a:headEnd type="none" w="med" len="med"/>
+                      <a:tailEnd type="none" w="med" len="med"/>
+                    </a:lnL>
+                    <a:lnR w="12700" cap="flat" cmpd="sng" algn="ctr">
+                      <a:noFill/>
+                      <a:prstDash val="solid"/>
+                      <a:round/>
+                      <a:headEnd type="none" w="med" len="med"/>
+                      <a:tailEnd type="none" w="med" len="med"/>
+                    </a:lnR>
+                    <a:lnT w="12700" cap="flat" cmpd="sng" algn="ctr">
+                      <a:solidFill>
+                        <a:schemeClr val="tx1"/>
+                      </a:solidFill>
+                      <a:prstDash val="solid"/>
+                      <a:round/>
+                      <a:headEnd type="none" w="med" len="med"/>
+                      <a:tailEnd type="none" w="med" len="med"/>
+                    </a:lnT>
+                    <a:lnB w="12700" cap="flat" cmpd="sng" algn="ctr">
+                      <a:noFill/>
+                      <a:prstDash val="solid"/>
+                      <a:round/>
+                      <a:headEnd type="none" w="med" len="med"/>
+                      <a:tailEnd type="none" w="med" len="med"/>
+                    </a:lnB>
+                    <a:lnTlToBr w="12700" cmpd="sng">
+                      <a:noFill/>
+                      <a:prstDash val="solid"/>
+                    </a:lnTlToBr>
+                    <a:lnBlToTr w="12700" cmpd="sng">
+                      <a:noFill/>
+                      <a:prstDash val="solid"/>
+                    </a:lnBlToTr>
+                    <a:noFill/>
+                  </a:tcPr>
+                </a:tc>
+                <a:tc>
+                  <a:txBody>
+                    <a:bodyPr/>
+                    <a:lstStyle/>
+                    <a:p>
+                      <a:pPr algn="ctr"/>
+                      <a:r>
+                        <a:rPr lang="en-US" sz="1800" dirty="0"/>
+                        <a:t>4</a:t>
+                      </a:r>
+                    </a:p>
+                  </a:txBody>
+                  <a:tcPr marL="37328" marR="37328" marT="18664" marB="18664" anchor="ctr">
+                    <a:lnL w="12700" cap="flat" cmpd="sng" algn="ctr">
+                      <a:noFill/>
+                      <a:prstDash val="solid"/>
+                      <a:round/>
+                      <a:headEnd type="none" w="med" len="med"/>
+                      <a:tailEnd type="none" w="med" len="med"/>
+                    </a:lnL>
+                    <a:lnR w="12700" cap="flat" cmpd="sng" algn="ctr">
+                      <a:noFill/>
+                      <a:prstDash val="sysDash"/>
+                      <a:round/>
+                      <a:headEnd type="none" w="med" len="med"/>
+                      <a:tailEnd type="none" w="med" len="med"/>
+                    </a:lnR>
+                    <a:lnT w="12700" cap="flat" cmpd="sng" algn="ctr">
+                      <a:solidFill>
+                        <a:schemeClr val="tx1"/>
+                      </a:solidFill>
+                      <a:prstDash val="solid"/>
+                      <a:round/>
+                      <a:headEnd type="none" w="med" len="med"/>
+                      <a:tailEnd type="none" w="med" len="med"/>
+                    </a:lnT>
+                    <a:lnB w="12700" cap="flat" cmpd="sng" algn="ctr">
+                      <a:noFill/>
+                      <a:prstDash val="solid"/>
+                      <a:round/>
+                      <a:headEnd type="none" w="med" len="med"/>
+                      <a:tailEnd type="none" w="med" len="med"/>
+                    </a:lnB>
+                    <a:lnTlToBr w="12700" cmpd="sng">
+                      <a:noFill/>
+                      <a:prstDash val="solid"/>
+                    </a:lnTlToBr>
+                    <a:lnBlToTr w="12700" cmpd="sng">
+                      <a:noFill/>
+                      <a:prstDash val="solid"/>
+                    </a:lnBlToTr>
+                    <a:noFill/>
+                  </a:tcPr>
+                </a:tc>
+                <a:tc>
+                  <a:txBody>
+                    <a:bodyPr/>
+                    <a:lstStyle/>
+                    <a:p>
+                      <a:pPr algn="ctr"/>
+                      <a:r>
+                        <a:rPr lang="en-US" sz="1800" dirty="0"/>
+                        <a:t>3.2</a:t>
+                      </a:r>
+                    </a:p>
+                  </a:txBody>
+                  <a:tcPr marL="37328" marR="37328" marT="18664" marB="18664" anchor="ctr">
+                    <a:lnL w="12700" cap="flat" cmpd="sng" algn="ctr">
+                      <a:noFill/>
+                      <a:prstDash val="sysDash"/>
+                      <a:round/>
+                      <a:headEnd type="none" w="med" len="med"/>
+                      <a:tailEnd type="none" w="med" len="med"/>
+                    </a:lnL>
+                    <a:lnR w="12700" cap="flat" cmpd="sng" algn="ctr">
+                      <a:noFill/>
+                      <a:prstDash val="solid"/>
+                      <a:round/>
+                      <a:headEnd type="none" w="med" len="med"/>
+                      <a:tailEnd type="none" w="med" len="med"/>
+                    </a:lnR>
+                    <a:lnT w="12700" cap="flat" cmpd="sng" algn="ctr">
+                      <a:solidFill>
+                        <a:schemeClr val="tx1"/>
+                      </a:solidFill>
+                      <a:prstDash val="solid"/>
+                      <a:round/>
+                      <a:headEnd type="none" w="med" len="med"/>
+                      <a:tailEnd type="none" w="med" len="med"/>
+                    </a:lnT>
+                    <a:lnB w="12700" cap="flat" cmpd="sng" algn="ctr">
+                      <a:noFill/>
+                      <a:prstDash val="solid"/>
+                      <a:round/>
+                      <a:headEnd type="none" w="med" len="med"/>
+                      <a:tailEnd type="none" w="med" len="med"/>
+                    </a:lnB>
+                    <a:lnTlToBr w="12700" cmpd="sng">
+                      <a:noFill/>
+                      <a:prstDash val="solid"/>
+                    </a:lnTlToBr>
+                    <a:lnBlToTr w="12700" cmpd="sng">
+                      <a:noFill/>
+                      <a:prstDash val="solid"/>
+                    </a:lnBlToTr>
+                    <a:noFill/>
+                  </a:tcPr>
+                </a:tc>
+                <a:tc>
+                  <a:txBody>
+                    <a:bodyPr/>
+                    <a:lstStyle/>
+                    <a:p>
+                      <a:pPr algn="ctr"/>
+                      <a:r>
+                        <a:rPr lang="en-US" sz="1800" dirty="0"/>
+                        <a:t>2.4</a:t>
+                      </a:r>
+                    </a:p>
+                  </a:txBody>
+                  <a:tcPr marL="37328" marR="37328" marT="18664" marB="18664" anchor="ctr">
+                    <a:lnL w="12700" cap="flat" cmpd="sng" algn="ctr">
+                      <a:noFill/>
+                      <a:prstDash val="solid"/>
+                      <a:round/>
+                      <a:headEnd type="none" w="med" len="med"/>
+                      <a:tailEnd type="none" w="med" len="med"/>
+                    </a:lnL>
+                    <a:lnR w="12700" cap="flat" cmpd="sng" algn="ctr">
+                      <a:noFill/>
+                      <a:prstDash val="solid"/>
+                      <a:round/>
+                      <a:headEnd type="none" w="med" len="med"/>
+                      <a:tailEnd type="none" w="med" len="med"/>
+                    </a:lnR>
+                    <a:lnT w="12700" cap="flat" cmpd="sng" algn="ctr">
+                      <a:solidFill>
+                        <a:schemeClr val="tx1"/>
+                      </a:solidFill>
+                      <a:prstDash val="solid"/>
+                      <a:round/>
+                      <a:headEnd type="none" w="med" len="med"/>
+                      <a:tailEnd type="none" w="med" len="med"/>
+                    </a:lnT>
+                    <a:lnB w="12700" cap="flat" cmpd="sng" algn="ctr">
+                      <a:noFill/>
+                      <a:prstDash val="solid"/>
+                      <a:round/>
+                      <a:headEnd type="none" w="med" len="med"/>
+                      <a:tailEnd type="none" w="med" len="med"/>
+                    </a:lnB>
+                    <a:lnTlToBr w="12700" cmpd="sng">
+                      <a:noFill/>
+                      <a:prstDash val="solid"/>
+                    </a:lnTlToBr>
+                    <a:lnBlToTr w="12700" cmpd="sng">
+                      <a:noFill/>
+                      <a:prstDash val="solid"/>
+                    </a:lnBlToTr>
+                    <a:noFill/>
+                  </a:tcPr>
+                </a:tc>
+                <a:tc>
+                  <a:txBody>
+                    <a:bodyPr/>
+                    <a:lstStyle/>
+                    <a:p>
+                      <a:pPr algn="ctr"/>
+                      <a:r>
+                        <a:rPr lang="en-US" sz="1800" dirty="0"/>
+                        <a:t>1.6</a:t>
+                      </a:r>
+                    </a:p>
+                  </a:txBody>
+                  <a:tcPr marL="37328" marR="37328" marT="18664" marB="18664" anchor="ctr">
+                    <a:lnL w="12700" cap="flat" cmpd="sng" algn="ctr">
+                      <a:noFill/>
+                      <a:prstDash val="solid"/>
+                      <a:round/>
+                      <a:headEnd type="none" w="med" len="med"/>
+                      <a:tailEnd type="none" w="med" len="med"/>
+                    </a:lnL>
+                    <a:lnR w="12700" cap="flat" cmpd="sng" algn="ctr">
+                      <a:noFill/>
+                      <a:prstDash val="solid"/>
+                      <a:round/>
+                      <a:headEnd type="none" w="med" len="med"/>
+                      <a:tailEnd type="none" w="med" len="med"/>
+                    </a:lnR>
+                    <a:lnT w="12700" cap="flat" cmpd="sng" algn="ctr">
+                      <a:solidFill>
+                        <a:schemeClr val="tx1"/>
+                      </a:solidFill>
+                      <a:prstDash val="solid"/>
+                      <a:round/>
+                      <a:headEnd type="none" w="med" len="med"/>
+                      <a:tailEnd type="none" w="med" len="med"/>
+                    </a:lnT>
+                    <a:lnB w="12700" cap="flat" cmpd="sng" algn="ctr">
+                      <a:noFill/>
+                      <a:prstDash val="solid"/>
+                      <a:round/>
+                      <a:headEnd type="none" w="med" len="med"/>
+                      <a:tailEnd type="none" w="med" len="med"/>
+                    </a:lnB>
+                    <a:lnTlToBr w="12700" cmpd="sng">
+                      <a:noFill/>
+                      <a:prstDash val="solid"/>
+                    </a:lnTlToBr>
+                    <a:lnBlToTr w="12700" cmpd="sng">
+                      <a:noFill/>
+                      <a:prstDash val="solid"/>
+                    </a:lnBlToTr>
+                    <a:noFill/>
+                  </a:tcPr>
+                </a:tc>
+                <a:tc>
+                  <a:txBody>
+                    <a:bodyPr/>
+                    <a:lstStyle/>
+                    <a:p>
+                      <a:pPr algn="ctr"/>
+                      <a:r>
+                        <a:rPr lang="en-US" sz="1800" dirty="0"/>
+                        <a:t>0.8</a:t>
+                      </a:r>
+                    </a:p>
+                  </a:txBody>
+                  <a:tcPr marL="37328" marR="37328" marT="18664" marB="18664" anchor="ctr">
+                    <a:lnL w="12700" cap="flat" cmpd="sng" algn="ctr">
+                      <a:noFill/>
+                      <a:prstDash val="solid"/>
+                      <a:round/>
+                      <a:headEnd type="none" w="med" len="med"/>
+                      <a:tailEnd type="none" w="med" len="med"/>
+                    </a:lnL>
+                    <a:lnR w="12700" cap="flat" cmpd="sng" algn="ctr">
+                      <a:noFill/>
+                      <a:prstDash val="solid"/>
+                      <a:round/>
+                      <a:headEnd type="none" w="med" len="med"/>
+                      <a:tailEnd type="none" w="med" len="med"/>
+                    </a:lnR>
+                    <a:lnT w="12700" cap="flat" cmpd="sng" algn="ctr">
+                      <a:solidFill>
+                        <a:schemeClr val="tx1"/>
+                      </a:solidFill>
+                      <a:prstDash val="solid"/>
+                      <a:round/>
+                      <a:headEnd type="none" w="med" len="med"/>
+                      <a:tailEnd type="none" w="med" len="med"/>
+                    </a:lnT>
+                    <a:lnB w="12700" cap="flat" cmpd="sng" algn="ctr">
+                      <a:noFill/>
+                      <a:prstDash val="solid"/>
+                      <a:round/>
+                      <a:headEnd type="none" w="med" len="med"/>
+                      <a:tailEnd type="none" w="med" len="med"/>
+                    </a:lnB>
+                    <a:lnTlToBr w="12700" cmpd="sng">
+                      <a:noFill/>
+                      <a:prstDash val="solid"/>
+                    </a:lnTlToBr>
+                    <a:lnBlToTr w="12700" cmpd="sng">
+                      <a:noFill/>
+                      <a:prstDash val="solid"/>
+                    </a:lnBlToTr>
+                    <a:noFill/>
+                  </a:tcPr>
+                </a:tc>
+                <a:tc>
+                  <a:txBody>
+                    <a:bodyPr/>
+                    <a:lstStyle/>
+                    <a:p>
+                      <a:pPr algn="ctr"/>
+                      <a:endParaRPr lang="en-US" sz="1800" dirty="0"/>
+                    </a:p>
+                  </a:txBody>
+                  <a:tcPr marL="37328" marR="37328" marT="18664" marB="18664" anchor="ctr">
+                    <a:lnL w="12700" cap="flat" cmpd="sng" algn="ctr">
+                      <a:noFill/>
+                      <a:prstDash val="solid"/>
+                      <a:round/>
+                      <a:headEnd type="none" w="med" len="med"/>
+                      <a:tailEnd type="none" w="med" len="med"/>
+                    </a:lnL>
+                    <a:lnR w="12700" cap="flat" cmpd="sng" algn="ctr">
+                      <a:noFill/>
+                      <a:prstDash val="solid"/>
+                      <a:round/>
+                      <a:headEnd type="none" w="med" len="med"/>
+                      <a:tailEnd type="none" w="med" len="med"/>
+                    </a:lnR>
+                    <a:lnT w="12700" cap="flat" cmpd="sng" algn="ctr">
+                      <a:solidFill>
+                        <a:schemeClr val="tx1"/>
+                      </a:solidFill>
+                      <a:prstDash val="solid"/>
+                      <a:round/>
+                      <a:headEnd type="none" w="med" len="med"/>
+                      <a:tailEnd type="none" w="med" len="med"/>
+                    </a:lnT>
+                    <a:lnB w="12700" cap="flat" cmpd="sng" algn="ctr">
+                      <a:noFill/>
+                      <a:prstDash val="solid"/>
+                      <a:round/>
+                      <a:headEnd type="none" w="med" len="med"/>
+                      <a:tailEnd type="none" w="med" len="med"/>
+                    </a:lnB>
+                    <a:lnTlToBr w="12700" cmpd="sng">
+                      <a:noFill/>
+                      <a:prstDash val="solid"/>
+                    </a:lnTlToBr>
+                    <a:lnBlToTr w="12700" cmpd="sng">
+                      <a:noFill/>
+                      <a:prstDash val="solid"/>
+                    </a:lnBlToTr>
+                    <a:noFill/>
+                  </a:tcPr>
+                </a:tc>
+                <a:extLst>
+                  <a:ext uri="{0D108BD9-81ED-4DB2-BD59-A6C34878D82A}">
+                    <a16:rowId xmlns:a16="http://schemas.microsoft.com/office/drawing/2014/main" val="2388602534"/>
+                  </a:ext>
+                </a:extLst>
+              </a:tr>
+            </a:tbl>
+          </a:graphicData>
+        </a:graphic>
+      </p:graphicFrame>
+      <p:sp>
+        <p:nvSpPr>
+          <p:cNvPr id="75" name="Rounded Rectangle 74"/>
+          <p:cNvSpPr/>
+          <p:nvPr/>
+        </p:nvSpPr>
+        <p:spPr>
+          <a:xfrm>
+            <a:off x="8566144" y="2792678"/>
+            <a:ext cx="664099" cy="343710"/>
+          </a:xfrm>
+          <a:prstGeom prst="roundRect">
+            <a:avLst/>
+          </a:prstGeom>
+          <a:noFill/>
+          <a:ln>
+            <a:noFill/>
+          </a:ln>
+        </p:spPr>
+        <p:style>
+          <a:lnRef idx="2">
+            <a:schemeClr val="accent1">
+              <a:shade val="50000"/>
+            </a:schemeClr>
+          </a:lnRef>
+          <a:fillRef idx="1">
+            <a:schemeClr val="accent1"/>
+          </a:fillRef>
+          <a:effectRef idx="0">
+            <a:schemeClr val="accent1"/>
+          </a:effectRef>
+          <a:fontRef idx="minor">
+            <a:schemeClr val="lt1"/>
+          </a:fontRef>
+        </p:style>
+        <p:txBody>
+          <a:bodyPr rtlCol="0" anchor="ctr"/>
+          <a:lstStyle/>
+          <a:p>
+            <a:pPr algn="ctr"/>
+            <a:r>
+              <a:rPr lang="en-US" altLang="zh-TW" sz="1050" dirty="0">
+                <a:solidFill>
+                  <a:schemeClr val="tx1"/>
+                </a:solidFill>
+              </a:rPr>
+              <a:t>2 reps each</a:t>
+            </a:r>
+            <a:endParaRPr lang="zh-TW" altLang="en-US" sz="1050" dirty="0">
+              <a:solidFill>
+                <a:schemeClr val="tx1"/>
+              </a:solidFill>
+            </a:endParaRPr>
+          </a:p>
+        </p:txBody>
+      </p:sp>
+    </p:spTree>
+    <p:extLst>
+      <p:ext uri="{BB962C8B-B14F-4D97-AF65-F5344CB8AC3E}">
+        <p14:creationId xmlns:p14="http://schemas.microsoft.com/office/powerpoint/2010/main" val="432276057"/>
       </p:ext>
     </p:extLst>
   </p:cSld>
